--- a/ext/readme.pptx
+++ b/ext/readme.pptx
@@ -2,23 +2,24 @@
 <file path=ppt/presentation.xml><?xml version="1.0" encoding="utf-8"?>
 <p:presentation xmlns:a="http://schemas.openxmlformats.org/drawingml/2006/main" xmlns:r="http://schemas.openxmlformats.org/officeDocument/2006/relationships" xmlns:p="http://schemas.openxmlformats.org/presentationml/2006/main" saveSubsetFonts="1">
   <p:sldMasterIdLst>
-    <p:sldMasterId id="2147483648" r:id="rId1"/>
+    <p:sldMasterId id="2147483660" r:id="rId1"/>
   </p:sldMasterIdLst>
   <p:sldIdLst>
     <p:sldId id="256" r:id="rId2"/>
     <p:sldId id="257" r:id="rId3"/>
-    <p:sldId id="258" r:id="rId4"/>
-    <p:sldId id="259" r:id="rId5"/>
-    <p:sldId id="260" r:id="rId6"/>
-    <p:sldId id="261" r:id="rId7"/>
-    <p:sldId id="262" r:id="rId8"/>
+    <p:sldId id="268" r:id="rId4"/>
+    <p:sldId id="269" r:id="rId5"/>
+    <p:sldId id="259" r:id="rId6"/>
+    <p:sldId id="260" r:id="rId7"/>
+    <p:sldId id="261" r:id="rId8"/>
     <p:sldId id="263" r:id="rId9"/>
-    <p:sldId id="264" r:id="rId10"/>
-    <p:sldId id="265" r:id="rId11"/>
-    <p:sldId id="266" r:id="rId12"/>
-    <p:sldId id="267" r:id="rId13"/>
+    <p:sldId id="262" r:id="rId10"/>
+    <p:sldId id="264" r:id="rId11"/>
+    <p:sldId id="265" r:id="rId12"/>
+    <p:sldId id="266" r:id="rId13"/>
+    <p:sldId id="267" r:id="rId14"/>
   </p:sldIdLst>
-  <p:sldSz cx="12192000" cy="6858000"/>
+  <p:sldSz cx="9144000" cy="6858000" type="screen4x3"/>
   <p:notesSz cx="6858000" cy="9144000"/>
   <p:defaultTextStyle>
     <a:defPPr>
@@ -126,7 +127,8 @@
         </p14:section>
         <p14:section name="思路篇" id="{213CEB81-544D-4A89-8AA1-C2B277667335}">
           <p14:sldIdLst>
-            <p14:sldId id="258"/>
+            <p14:sldId id="268"/>
+            <p14:sldId id="269"/>
             <p14:sldId id="259"/>
             <p14:sldId id="260"/>
             <p14:sldId id="261"/>
@@ -134,23 +136,26 @@
         </p14:section>
         <p14:section name="架构篇" id="{7C15D827-068B-4BC0-B445-BBF1FBE751E7}">
           <p14:sldIdLst>
+            <p14:sldId id="263"/>
             <p14:sldId id="262"/>
-            <p14:sldId id="263"/>
           </p14:sldIdLst>
         </p14:section>
         <p14:section name="原理篇" id="{507D08B8-97D5-4C8C-B64E-A56C099C2426}">
           <p14:sldIdLst>
             <p14:sldId id="264"/>
             <p14:sldId id="265"/>
-            <p14:sldId id="266"/>
           </p14:sldIdLst>
         </p14:section>
-        <p14:section name="谢谢" id="{BCE44CD8-B054-461C-A25A-F1F2D6F0EB59}">
+        <p14:section name="致谢" id="{BCE44CD8-B054-461C-A25A-F1F2D6F0EB59}">
           <p14:sldIdLst>
+            <p14:sldId id="266"/>
             <p14:sldId id="267"/>
           </p14:sldIdLst>
         </p14:section>
       </p14:sectionLst>
+    </p:ext>
+    <p:ext uri="{EFAFB233-063F-42B5-8137-9DF3F51BA10A}">
+      <p15:sldGuideLst xmlns:p15="http://schemas.microsoft.com/office/powerpoint/2012/main"/>
     </p:ext>
   </p:extLst>
 </p:presentation>
@@ -2413,7 +2418,13 @@
     </dgm:pt>
     <dgm:pt modelId="{415BB1E6-7CA6-4D04-B0B5-52CCFA867285}">
       <dgm:prSet phldrT="[文本]"/>
-      <dgm:spPr/>
+      <dgm:spPr>
+        <a:solidFill>
+          <a:schemeClr val="accent2">
+            <a:lumMod val="75000"/>
+          </a:schemeClr>
+        </a:solidFill>
+      </dgm:spPr>
       <dgm:t>
         <a:bodyPr/>
         <a:lstStyle/>
@@ -2608,6 +2619,13 @@
         </dgm:presLayoutVars>
       </dgm:prSet>
       <dgm:spPr/>
+      <dgm:t>
+        <a:bodyPr/>
+        <a:lstStyle/>
+        <a:p>
+          <a:endParaRPr lang="zh-CN" altLang="en-US"/>
+        </a:p>
+      </dgm:t>
     </dgm:pt>
     <dgm:pt modelId="{13B3D0F4-B745-4AEF-9C44-E481E50EA278}" type="pres">
       <dgm:prSet presAssocID="{415BB1E6-7CA6-4D04-B0B5-52CCFA867285}" presName="node" presStyleLbl="node1" presStyleIdx="0" presStyleCnt="5">
@@ -2627,10 +2645,24 @@
     <dgm:pt modelId="{0B4E5C9C-4CDC-4D58-9504-9BC7CA3E1976}" type="pres">
       <dgm:prSet presAssocID="{9D634474-3BBC-413C-B4D5-01D8E1FBC1F5}" presName="sibTrans" presStyleLbl="sibTrans2D1" presStyleIdx="0" presStyleCnt="5"/>
       <dgm:spPr/>
+      <dgm:t>
+        <a:bodyPr/>
+        <a:lstStyle/>
+        <a:p>
+          <a:endParaRPr lang="zh-CN" altLang="en-US"/>
+        </a:p>
+      </dgm:t>
     </dgm:pt>
     <dgm:pt modelId="{91E36E9B-01E8-4984-AB97-E0F91FF221E5}" type="pres">
       <dgm:prSet presAssocID="{9D634474-3BBC-413C-B4D5-01D8E1FBC1F5}" presName="connectorText" presStyleLbl="sibTrans2D1" presStyleIdx="0" presStyleCnt="5"/>
       <dgm:spPr/>
+      <dgm:t>
+        <a:bodyPr/>
+        <a:lstStyle/>
+        <a:p>
+          <a:endParaRPr lang="zh-CN" altLang="en-US"/>
+        </a:p>
+      </dgm:t>
     </dgm:pt>
     <dgm:pt modelId="{C9E7A4B9-52FA-4D46-B15D-CBED54733123}" type="pres">
       <dgm:prSet presAssocID="{327A878E-8467-4114-9433-5470A5FE0EBE}" presName="node" presStyleLbl="node1" presStyleIdx="1" presStyleCnt="5">
@@ -2650,10 +2682,24 @@
     <dgm:pt modelId="{69456639-E383-4937-BAE8-FAF10B2B6A64}" type="pres">
       <dgm:prSet presAssocID="{055B114B-F512-4FE1-AD67-48D47A33D611}" presName="sibTrans" presStyleLbl="sibTrans2D1" presStyleIdx="1" presStyleCnt="5"/>
       <dgm:spPr/>
+      <dgm:t>
+        <a:bodyPr/>
+        <a:lstStyle/>
+        <a:p>
+          <a:endParaRPr lang="zh-CN" altLang="en-US"/>
+        </a:p>
+      </dgm:t>
     </dgm:pt>
     <dgm:pt modelId="{60B83BC2-C4FA-46C8-8C6B-4451FE3ED429}" type="pres">
       <dgm:prSet presAssocID="{055B114B-F512-4FE1-AD67-48D47A33D611}" presName="connectorText" presStyleLbl="sibTrans2D1" presStyleIdx="1" presStyleCnt="5"/>
       <dgm:spPr/>
+      <dgm:t>
+        <a:bodyPr/>
+        <a:lstStyle/>
+        <a:p>
+          <a:endParaRPr lang="zh-CN" altLang="en-US"/>
+        </a:p>
+      </dgm:t>
     </dgm:pt>
     <dgm:pt modelId="{257417C0-64A8-4093-935A-97BCA86136A0}" type="pres">
       <dgm:prSet presAssocID="{EF728DCE-E912-4822-B43F-EA721E0C52A6}" presName="node" presStyleLbl="node1" presStyleIdx="2" presStyleCnt="5">
@@ -2662,14 +2708,35 @@
         </dgm:presLayoutVars>
       </dgm:prSet>
       <dgm:spPr/>
+      <dgm:t>
+        <a:bodyPr/>
+        <a:lstStyle/>
+        <a:p>
+          <a:endParaRPr lang="zh-CN" altLang="en-US"/>
+        </a:p>
+      </dgm:t>
     </dgm:pt>
     <dgm:pt modelId="{589E90B4-2759-496C-9C79-78ABE222A358}" type="pres">
       <dgm:prSet presAssocID="{CBF60AC9-4766-4AD6-A589-92E65EE94C8F}" presName="sibTrans" presStyleLbl="sibTrans2D1" presStyleIdx="2" presStyleCnt="5"/>
       <dgm:spPr/>
+      <dgm:t>
+        <a:bodyPr/>
+        <a:lstStyle/>
+        <a:p>
+          <a:endParaRPr lang="zh-CN" altLang="en-US"/>
+        </a:p>
+      </dgm:t>
     </dgm:pt>
     <dgm:pt modelId="{8994D8DA-7058-418D-A8BB-3D0CA1D5E680}" type="pres">
       <dgm:prSet presAssocID="{CBF60AC9-4766-4AD6-A589-92E65EE94C8F}" presName="connectorText" presStyleLbl="sibTrans2D1" presStyleIdx="2" presStyleCnt="5"/>
       <dgm:spPr/>
+      <dgm:t>
+        <a:bodyPr/>
+        <a:lstStyle/>
+        <a:p>
+          <a:endParaRPr lang="zh-CN" altLang="en-US"/>
+        </a:p>
+      </dgm:t>
     </dgm:pt>
     <dgm:pt modelId="{D2CB0F7E-229F-4E18-AC0F-6FBDD80C6049}" type="pres">
       <dgm:prSet presAssocID="{2C0A65E4-49A6-4A2D-A4CE-A37CA0F8A40A}" presName="node" presStyleLbl="node1" presStyleIdx="3" presStyleCnt="5">
@@ -2678,14 +2745,35 @@
         </dgm:presLayoutVars>
       </dgm:prSet>
       <dgm:spPr/>
+      <dgm:t>
+        <a:bodyPr/>
+        <a:lstStyle/>
+        <a:p>
+          <a:endParaRPr lang="zh-CN" altLang="en-US"/>
+        </a:p>
+      </dgm:t>
     </dgm:pt>
     <dgm:pt modelId="{82A7ED67-6802-463B-9F4A-634B0A3F85FE}" type="pres">
       <dgm:prSet presAssocID="{04AA3EB5-1264-4C5D-AB06-4FF21CA9D683}" presName="sibTrans" presStyleLbl="sibTrans2D1" presStyleIdx="3" presStyleCnt="5"/>
       <dgm:spPr/>
+      <dgm:t>
+        <a:bodyPr/>
+        <a:lstStyle/>
+        <a:p>
+          <a:endParaRPr lang="zh-CN" altLang="en-US"/>
+        </a:p>
+      </dgm:t>
     </dgm:pt>
     <dgm:pt modelId="{44ABD183-6B17-4212-9325-94625BADB9EF}" type="pres">
       <dgm:prSet presAssocID="{04AA3EB5-1264-4C5D-AB06-4FF21CA9D683}" presName="connectorText" presStyleLbl="sibTrans2D1" presStyleIdx="3" presStyleCnt="5"/>
       <dgm:spPr/>
+      <dgm:t>
+        <a:bodyPr/>
+        <a:lstStyle/>
+        <a:p>
+          <a:endParaRPr lang="zh-CN" altLang="en-US"/>
+        </a:p>
+      </dgm:t>
     </dgm:pt>
     <dgm:pt modelId="{91666B07-3822-4E93-9950-FF58B69113EB}" type="pres">
       <dgm:prSet presAssocID="{D05759FA-C0E0-4F09-AE7B-EDFCA24ABE88}" presName="node" presStyleLbl="node1" presStyleIdx="4" presStyleCnt="5">
@@ -2694,38 +2782,59 @@
         </dgm:presLayoutVars>
       </dgm:prSet>
       <dgm:spPr/>
+      <dgm:t>
+        <a:bodyPr/>
+        <a:lstStyle/>
+        <a:p>
+          <a:endParaRPr lang="zh-CN" altLang="en-US"/>
+        </a:p>
+      </dgm:t>
     </dgm:pt>
     <dgm:pt modelId="{B7BB58EF-698B-44ED-9C27-65547B1CE323}" type="pres">
       <dgm:prSet presAssocID="{B7823989-D638-4459-9D66-468FEF40EE5A}" presName="sibTrans" presStyleLbl="sibTrans2D1" presStyleIdx="4" presStyleCnt="5"/>
       <dgm:spPr/>
+      <dgm:t>
+        <a:bodyPr/>
+        <a:lstStyle/>
+        <a:p>
+          <a:endParaRPr lang="zh-CN" altLang="en-US"/>
+        </a:p>
+      </dgm:t>
     </dgm:pt>
     <dgm:pt modelId="{A7C2713E-6CB1-4F79-B1B7-88318CA678A3}" type="pres">
       <dgm:prSet presAssocID="{B7823989-D638-4459-9D66-468FEF40EE5A}" presName="connectorText" presStyleLbl="sibTrans2D1" presStyleIdx="4" presStyleCnt="5"/>
       <dgm:spPr/>
+      <dgm:t>
+        <a:bodyPr/>
+        <a:lstStyle/>
+        <a:p>
+          <a:endParaRPr lang="zh-CN" altLang="en-US"/>
+        </a:p>
+      </dgm:t>
     </dgm:pt>
   </dgm:ptLst>
   <dgm:cxnLst>
+    <dgm:cxn modelId="{57E6427C-8261-4CF4-8583-8F429C147714}" type="presOf" srcId="{B7823989-D638-4459-9D66-468FEF40EE5A}" destId="{B7BB58EF-698B-44ED-9C27-65547B1CE323}" srcOrd="0" destOrd="0" presId="urn:microsoft.com/office/officeart/2005/8/layout/cycle2"/>
+    <dgm:cxn modelId="{CD33268C-36AA-47E4-B071-F9E901EF3878}" type="presOf" srcId="{055B114B-F512-4FE1-AD67-48D47A33D611}" destId="{60B83BC2-C4FA-46C8-8C6B-4451FE3ED429}" srcOrd="1" destOrd="0" presId="urn:microsoft.com/office/officeart/2005/8/layout/cycle2"/>
+    <dgm:cxn modelId="{1A84B45A-E50B-4646-A94E-EFA89108BBE4}" type="presOf" srcId="{04AA3EB5-1264-4C5D-AB06-4FF21CA9D683}" destId="{44ABD183-6B17-4212-9325-94625BADB9EF}" srcOrd="1" destOrd="0" presId="urn:microsoft.com/office/officeart/2005/8/layout/cycle2"/>
+    <dgm:cxn modelId="{8705AFAF-6182-4C7D-B104-0976F1BD4C3C}" srcId="{87637691-2503-4E5C-91BE-69A4563BDAD2}" destId="{EF728DCE-E912-4822-B43F-EA721E0C52A6}" srcOrd="2" destOrd="0" parTransId="{A1560A1E-0403-480E-9ADD-C9FD991B6051}" sibTransId="{CBF60AC9-4766-4AD6-A589-92E65EE94C8F}"/>
+    <dgm:cxn modelId="{F7E30439-3B37-487F-AC24-E2AA122A2F26}" srcId="{87637691-2503-4E5C-91BE-69A4563BDAD2}" destId="{415BB1E6-7CA6-4D04-B0B5-52CCFA867285}" srcOrd="0" destOrd="0" parTransId="{E49EA6F7-E144-4070-B1F2-96BC22092596}" sibTransId="{9D634474-3BBC-413C-B4D5-01D8E1FBC1F5}"/>
+    <dgm:cxn modelId="{E5B53A22-94C6-4977-8074-50760430965A}" type="presOf" srcId="{D05759FA-C0E0-4F09-AE7B-EDFCA24ABE88}" destId="{91666B07-3822-4E93-9950-FF58B69113EB}" srcOrd="0" destOrd="0" presId="urn:microsoft.com/office/officeart/2005/8/layout/cycle2"/>
+    <dgm:cxn modelId="{41C51E6B-2907-4318-9BAD-1C99725BA96D}" srcId="{87637691-2503-4E5C-91BE-69A4563BDAD2}" destId="{327A878E-8467-4114-9433-5470A5FE0EBE}" srcOrd="1" destOrd="0" parTransId="{74D7C556-6538-4D88-8D66-F19AA30C698E}" sibTransId="{055B114B-F512-4FE1-AD67-48D47A33D611}"/>
+    <dgm:cxn modelId="{A006FB5F-F6DA-4486-AFE7-2D8A120014EB}" type="presOf" srcId="{415BB1E6-7CA6-4D04-B0B5-52CCFA867285}" destId="{13B3D0F4-B745-4AEF-9C44-E481E50EA278}" srcOrd="0" destOrd="0" presId="urn:microsoft.com/office/officeart/2005/8/layout/cycle2"/>
+    <dgm:cxn modelId="{2F892A38-ABFD-4A6F-A0EF-721036F6ED8B}" type="presOf" srcId="{055B114B-F512-4FE1-AD67-48D47A33D611}" destId="{69456639-E383-4937-BAE8-FAF10B2B6A64}" srcOrd="0" destOrd="0" presId="urn:microsoft.com/office/officeart/2005/8/layout/cycle2"/>
+    <dgm:cxn modelId="{3498F5E4-A660-4284-8046-650FD372D50C}" type="presOf" srcId="{9D634474-3BBC-413C-B4D5-01D8E1FBC1F5}" destId="{0B4E5C9C-4CDC-4D58-9504-9BC7CA3E1976}" srcOrd="0" destOrd="0" presId="urn:microsoft.com/office/officeart/2005/8/layout/cycle2"/>
+    <dgm:cxn modelId="{14301BFF-7BA6-4EB5-8BC4-5E12F908F824}" type="presOf" srcId="{04AA3EB5-1264-4C5D-AB06-4FF21CA9D683}" destId="{82A7ED67-6802-463B-9F4A-634B0A3F85FE}" srcOrd="0" destOrd="0" presId="urn:microsoft.com/office/officeart/2005/8/layout/cycle2"/>
+    <dgm:cxn modelId="{2372A179-60AE-4559-84B7-35308EA97EFC}" type="presOf" srcId="{EF728DCE-E912-4822-B43F-EA721E0C52A6}" destId="{257417C0-64A8-4093-935A-97BCA86136A0}" srcOrd="0" destOrd="0" presId="urn:microsoft.com/office/officeart/2005/8/layout/cycle2"/>
     <dgm:cxn modelId="{22F02F9B-4183-4078-A4EF-F25225F1F00F}" type="presOf" srcId="{2C0A65E4-49A6-4A2D-A4CE-A37CA0F8A40A}" destId="{D2CB0F7E-229F-4E18-AC0F-6FBDD80C6049}" srcOrd="0" destOrd="0" presId="urn:microsoft.com/office/officeart/2005/8/layout/cycle2"/>
-    <dgm:cxn modelId="{1A84B45A-E50B-4646-A94E-EFA89108BBE4}" type="presOf" srcId="{04AA3EB5-1264-4C5D-AB06-4FF21CA9D683}" destId="{44ABD183-6B17-4212-9325-94625BADB9EF}" srcOrd="1" destOrd="0" presId="urn:microsoft.com/office/officeart/2005/8/layout/cycle2"/>
-    <dgm:cxn modelId="{19D584A1-A0ED-4EF2-99BE-54979AD06D8A}" type="presOf" srcId="{87637691-2503-4E5C-91BE-69A4563BDAD2}" destId="{607E8C9A-1A0D-4B89-A694-AF3B7C992FC3}" srcOrd="0" destOrd="0" presId="urn:microsoft.com/office/officeart/2005/8/layout/cycle2"/>
-    <dgm:cxn modelId="{8705AFAF-6182-4C7D-B104-0976F1BD4C3C}" srcId="{87637691-2503-4E5C-91BE-69A4563BDAD2}" destId="{EF728DCE-E912-4822-B43F-EA721E0C52A6}" srcOrd="2" destOrd="0" parTransId="{A1560A1E-0403-480E-9ADD-C9FD991B6051}" sibTransId="{CBF60AC9-4766-4AD6-A589-92E65EE94C8F}"/>
+    <dgm:cxn modelId="{E65D3A90-731B-4FD2-A5CF-63137F4C2754}" type="presOf" srcId="{B7823989-D638-4459-9D66-468FEF40EE5A}" destId="{A7C2713E-6CB1-4F79-B1B7-88318CA678A3}" srcOrd="1" destOrd="0" presId="urn:microsoft.com/office/officeart/2005/8/layout/cycle2"/>
+    <dgm:cxn modelId="{F9715DC9-F06A-4EDF-8668-A8898A79D76E}" srcId="{87637691-2503-4E5C-91BE-69A4563BDAD2}" destId="{D05759FA-C0E0-4F09-AE7B-EDFCA24ABE88}" srcOrd="4" destOrd="0" parTransId="{F81F2FD0-6228-4C12-BCAE-71A1FFA01A18}" sibTransId="{B7823989-D638-4459-9D66-468FEF40EE5A}"/>
+    <dgm:cxn modelId="{AA39C507-5F8B-4EC0-97E9-FC564CAF0A7E}" type="presOf" srcId="{327A878E-8467-4114-9433-5470A5FE0EBE}" destId="{C9E7A4B9-52FA-4D46-B15D-CBED54733123}" srcOrd="0" destOrd="0" presId="urn:microsoft.com/office/officeart/2005/8/layout/cycle2"/>
     <dgm:cxn modelId="{24D3452A-8468-4DEF-B2E3-483CA1E0E3A7}" type="presOf" srcId="{9D634474-3BBC-413C-B4D5-01D8E1FBC1F5}" destId="{91E36E9B-01E8-4984-AB97-E0F91FF221E5}" srcOrd="1" destOrd="0" presId="urn:microsoft.com/office/officeart/2005/8/layout/cycle2"/>
-    <dgm:cxn modelId="{CD33268C-36AA-47E4-B071-F9E901EF3878}" type="presOf" srcId="{055B114B-F512-4FE1-AD67-48D47A33D611}" destId="{60B83BC2-C4FA-46C8-8C6B-4451FE3ED429}" srcOrd="1" destOrd="0" presId="urn:microsoft.com/office/officeart/2005/8/layout/cycle2"/>
-    <dgm:cxn modelId="{E65D3A90-731B-4FD2-A5CF-63137F4C2754}" type="presOf" srcId="{B7823989-D638-4459-9D66-468FEF40EE5A}" destId="{A7C2713E-6CB1-4F79-B1B7-88318CA678A3}" srcOrd="1" destOrd="0" presId="urn:microsoft.com/office/officeart/2005/8/layout/cycle2"/>
-    <dgm:cxn modelId="{AA39C507-5F8B-4EC0-97E9-FC564CAF0A7E}" type="presOf" srcId="{327A878E-8467-4114-9433-5470A5FE0EBE}" destId="{C9E7A4B9-52FA-4D46-B15D-CBED54733123}" srcOrd="0" destOrd="0" presId="urn:microsoft.com/office/officeart/2005/8/layout/cycle2"/>
-    <dgm:cxn modelId="{14301BFF-7BA6-4EB5-8BC4-5E12F908F824}" type="presOf" srcId="{04AA3EB5-1264-4C5D-AB06-4FF21CA9D683}" destId="{82A7ED67-6802-463B-9F4A-634B0A3F85FE}" srcOrd="0" destOrd="0" presId="urn:microsoft.com/office/officeart/2005/8/layout/cycle2"/>
-    <dgm:cxn modelId="{A006FB5F-F6DA-4486-AFE7-2D8A120014EB}" type="presOf" srcId="{415BB1E6-7CA6-4D04-B0B5-52CCFA867285}" destId="{13B3D0F4-B745-4AEF-9C44-E481E50EA278}" srcOrd="0" destOrd="0" presId="urn:microsoft.com/office/officeart/2005/8/layout/cycle2"/>
-    <dgm:cxn modelId="{E5B53A22-94C6-4977-8074-50760430965A}" type="presOf" srcId="{D05759FA-C0E0-4F09-AE7B-EDFCA24ABE88}" destId="{91666B07-3822-4E93-9950-FF58B69113EB}" srcOrd="0" destOrd="0" presId="urn:microsoft.com/office/officeart/2005/8/layout/cycle2"/>
     <dgm:cxn modelId="{C0CF2654-34DA-4D1B-9D5B-EA8409B08F62}" type="presOf" srcId="{CBF60AC9-4766-4AD6-A589-92E65EE94C8F}" destId="{589E90B4-2759-496C-9C79-78ABE222A358}" srcOrd="0" destOrd="0" presId="urn:microsoft.com/office/officeart/2005/8/layout/cycle2"/>
     <dgm:cxn modelId="{5F9289B6-B06A-4D7B-B4E8-D729ADE68EF5}" srcId="{87637691-2503-4E5C-91BE-69A4563BDAD2}" destId="{2C0A65E4-49A6-4A2D-A4CE-A37CA0F8A40A}" srcOrd="3" destOrd="0" parTransId="{ABAFCBFC-D954-4996-8DB1-0ECD77E4B23B}" sibTransId="{04AA3EB5-1264-4C5D-AB06-4FF21CA9D683}"/>
-    <dgm:cxn modelId="{3498F5E4-A660-4284-8046-650FD372D50C}" type="presOf" srcId="{9D634474-3BBC-413C-B4D5-01D8E1FBC1F5}" destId="{0B4E5C9C-4CDC-4D58-9504-9BC7CA3E1976}" srcOrd="0" destOrd="0" presId="urn:microsoft.com/office/officeart/2005/8/layout/cycle2"/>
-    <dgm:cxn modelId="{2372A179-60AE-4559-84B7-35308EA97EFC}" type="presOf" srcId="{EF728DCE-E912-4822-B43F-EA721E0C52A6}" destId="{257417C0-64A8-4093-935A-97BCA86136A0}" srcOrd="0" destOrd="0" presId="urn:microsoft.com/office/officeart/2005/8/layout/cycle2"/>
-    <dgm:cxn modelId="{F9715DC9-F06A-4EDF-8668-A8898A79D76E}" srcId="{87637691-2503-4E5C-91BE-69A4563BDAD2}" destId="{D05759FA-C0E0-4F09-AE7B-EDFCA24ABE88}" srcOrd="4" destOrd="0" parTransId="{F81F2FD0-6228-4C12-BCAE-71A1FFA01A18}" sibTransId="{B7823989-D638-4459-9D66-468FEF40EE5A}"/>
-    <dgm:cxn modelId="{2F892A38-ABFD-4A6F-A0EF-721036F6ED8B}" type="presOf" srcId="{055B114B-F512-4FE1-AD67-48D47A33D611}" destId="{69456639-E383-4937-BAE8-FAF10B2B6A64}" srcOrd="0" destOrd="0" presId="urn:microsoft.com/office/officeart/2005/8/layout/cycle2"/>
-    <dgm:cxn modelId="{F7E30439-3B37-487F-AC24-E2AA122A2F26}" srcId="{87637691-2503-4E5C-91BE-69A4563BDAD2}" destId="{415BB1E6-7CA6-4D04-B0B5-52CCFA867285}" srcOrd="0" destOrd="0" parTransId="{E49EA6F7-E144-4070-B1F2-96BC22092596}" sibTransId="{9D634474-3BBC-413C-B4D5-01D8E1FBC1F5}"/>
+    <dgm:cxn modelId="{19D584A1-A0ED-4EF2-99BE-54979AD06D8A}" type="presOf" srcId="{87637691-2503-4E5C-91BE-69A4563BDAD2}" destId="{607E8C9A-1A0D-4B89-A694-AF3B7C992FC3}" srcOrd="0" destOrd="0" presId="urn:microsoft.com/office/officeart/2005/8/layout/cycle2"/>
     <dgm:cxn modelId="{6B1CC18C-E94D-465F-9F33-6AC966FCB7F6}" type="presOf" srcId="{CBF60AC9-4766-4AD6-A589-92E65EE94C8F}" destId="{8994D8DA-7058-418D-A8BB-3D0CA1D5E680}" srcOrd="1" destOrd="0" presId="urn:microsoft.com/office/officeart/2005/8/layout/cycle2"/>
-    <dgm:cxn modelId="{41C51E6B-2907-4318-9BAD-1C99725BA96D}" srcId="{87637691-2503-4E5C-91BE-69A4563BDAD2}" destId="{327A878E-8467-4114-9433-5470A5FE0EBE}" srcOrd="1" destOrd="0" parTransId="{74D7C556-6538-4D88-8D66-F19AA30C698E}" sibTransId="{055B114B-F512-4FE1-AD67-48D47A33D611}"/>
-    <dgm:cxn modelId="{57E6427C-8261-4CF4-8583-8F429C147714}" type="presOf" srcId="{B7823989-D638-4459-9D66-468FEF40EE5A}" destId="{B7BB58EF-698B-44ED-9C27-65547B1CE323}" srcOrd="0" destOrd="0" presId="urn:microsoft.com/office/officeart/2005/8/layout/cycle2"/>
     <dgm:cxn modelId="{4E2F709F-A507-4A24-9C57-D9E41E2F8E77}" type="presParOf" srcId="{607E8C9A-1A0D-4B89-A694-AF3B7C992FC3}" destId="{13B3D0F4-B745-4AEF-9C44-E481E50EA278}" srcOrd="0" destOrd="0" presId="urn:microsoft.com/office/officeart/2005/8/layout/cycle2"/>
     <dgm:cxn modelId="{7F675FC6-4D06-4AB1-98C2-DA673EC33244}" type="presParOf" srcId="{607E8C9A-1A0D-4B89-A694-AF3B7C992FC3}" destId="{0B4E5C9C-4CDC-4D58-9504-9BC7CA3E1976}" srcOrd="1" destOrd="0" presId="urn:microsoft.com/office/officeart/2005/8/layout/cycle2"/>
     <dgm:cxn modelId="{3A937D1E-F28F-4D43-96E5-DC6A90740751}" type="presParOf" srcId="{0B4E5C9C-4CDC-4D58-9504-9BC7CA3E1976}" destId="{91E36E9B-01E8-4984-AB97-E0F91FF221E5}" srcOrd="0" destOrd="0" presId="urn:microsoft.com/office/officeart/2005/8/layout/cycle2"/>
@@ -2768,7 +2877,14 @@
     </dgm:pt>
     <dgm:pt modelId="{B4CEA7D7-9B47-41C5-B399-D73BB0CBB7E8}">
       <dgm:prSet phldrT="[文本]"/>
-      <dgm:spPr/>
+      <dgm:spPr>
+        <a:solidFill>
+          <a:schemeClr val="accent2">
+            <a:lumMod val="60000"/>
+            <a:lumOff val="40000"/>
+          </a:schemeClr>
+        </a:solidFill>
+      </dgm:spPr>
       <dgm:t>
         <a:bodyPr/>
         <a:lstStyle/>
@@ -2963,6 +3079,13 @@
         </dgm:presLayoutVars>
       </dgm:prSet>
       <dgm:spPr/>
+      <dgm:t>
+        <a:bodyPr/>
+        <a:lstStyle/>
+        <a:p>
+          <a:endParaRPr lang="zh-CN" altLang="en-US"/>
+        </a:p>
+      </dgm:t>
     </dgm:pt>
     <dgm:pt modelId="{107CD34C-9CFE-40F5-B961-39B04D8520DE}" type="pres">
       <dgm:prSet presAssocID="{B4CEA7D7-9B47-41C5-B399-D73BB0CBB7E8}" presName="Parent" presStyleLbl="node0" presStyleIdx="0" presStyleCnt="1">
@@ -2972,6 +3095,13 @@
         </dgm:presLayoutVars>
       </dgm:prSet>
       <dgm:spPr/>
+      <dgm:t>
+        <a:bodyPr/>
+        <a:lstStyle/>
+        <a:p>
+          <a:endParaRPr lang="zh-CN" altLang="en-US"/>
+        </a:p>
+      </dgm:t>
     </dgm:pt>
     <dgm:pt modelId="{8F7F603F-2F52-4BF3-B5AE-3F88CDD0BC33}" type="pres">
       <dgm:prSet presAssocID="{B4CEA7D7-9B47-41C5-B399-D73BB0CBB7E8}" presName="Accent1" presStyleLbl="node1" presStyleIdx="0" presStyleCnt="17"/>
@@ -3005,6 +3135,13 @@
         </dgm:presLayoutVars>
       </dgm:prSet>
       <dgm:spPr/>
+      <dgm:t>
+        <a:bodyPr/>
+        <a:lstStyle/>
+        <a:p>
+          <a:endParaRPr lang="zh-CN" altLang="en-US"/>
+        </a:p>
+      </dgm:t>
     </dgm:pt>
     <dgm:pt modelId="{E1F7F843-A1C2-4599-978F-EC4E8CEAB2D5}" type="pres">
       <dgm:prSet presAssocID="{5AFF7588-C508-463A-9050-4D06D0DFA054}" presName="Accent7" presStyleCnt="0"/>
@@ -3030,6 +3167,13 @@
         </dgm:presLayoutVars>
       </dgm:prSet>
       <dgm:spPr/>
+      <dgm:t>
+        <a:bodyPr/>
+        <a:lstStyle/>
+        <a:p>
+          <a:endParaRPr lang="zh-CN" altLang="en-US"/>
+        </a:p>
+      </dgm:t>
     </dgm:pt>
     <dgm:pt modelId="{0E588D07-61FC-4A01-888F-2E332C5EC4E9}" type="pres">
       <dgm:prSet presAssocID="{FE2E12E8-51A4-47AB-BE29-50C44B21259C}" presName="Accent9" presStyleCnt="0"/>
@@ -3063,6 +3207,13 @@
         </dgm:presLayoutVars>
       </dgm:prSet>
       <dgm:spPr/>
+      <dgm:t>
+        <a:bodyPr/>
+        <a:lstStyle/>
+        <a:p>
+          <a:endParaRPr lang="zh-CN" altLang="en-US"/>
+        </a:p>
+      </dgm:t>
     </dgm:pt>
     <dgm:pt modelId="{1A13604F-9C11-49DA-A02B-B1F532487F00}" type="pres">
       <dgm:prSet presAssocID="{FBE28E17-05E4-4004-A619-5D2BDC99D1A3}" presName="Accent12" presStyleCnt="0"/>
@@ -3098,17 +3249,17 @@
     </dgm:pt>
   </dgm:ptLst>
   <dgm:cxnLst>
+    <dgm:cxn modelId="{A0F2B64B-FB72-4F22-B821-4309D9DAC78B}" srcId="{E4DFFECD-D4C2-4AFB-BB57-7153EB648F06}" destId="{B4CEA7D7-9B47-41C5-B399-D73BB0CBB7E8}" srcOrd="0" destOrd="0" parTransId="{C5532284-C977-45C9-A956-6019DB8B214A}" sibTransId="{D6E0BD72-D38C-42A5-B6A7-4F0DAFBF2DC8}"/>
+    <dgm:cxn modelId="{8347CF6D-54FA-4B4C-AC93-D8FA10B5B575}" srcId="{B4CEA7D7-9B47-41C5-B399-D73BB0CBB7E8}" destId="{FE2E12E8-51A4-47AB-BE29-50C44B21259C}" srcOrd="1" destOrd="0" parTransId="{D69A54C6-B633-4B11-882B-A06911B5006E}" sibTransId="{08CF55CE-2F20-4D50-8D1D-7F6CB2011862}"/>
     <dgm:cxn modelId="{9AD31057-5070-4524-84B0-2DD26FB184D3}" srcId="{B4CEA7D7-9B47-41C5-B399-D73BB0CBB7E8}" destId="{FBE28E17-05E4-4004-A619-5D2BDC99D1A3}" srcOrd="2" destOrd="0" parTransId="{38011603-1BA5-4655-B1B9-8D5D06C49E0B}" sibTransId="{7A0AFCA1-BA68-4455-93C8-5FFD8F58607E}"/>
+    <dgm:cxn modelId="{5900E7C5-525B-4D16-8B75-46D5911E517C}" type="presOf" srcId="{E4DFFECD-D4C2-4AFB-BB57-7153EB648F06}" destId="{F7D7C227-A022-4A2B-9E51-4259716C1B50}" srcOrd="0" destOrd="0" presId="urn:microsoft.com/office/officeart/2009/3/layout/CircleRelationship"/>
+    <dgm:cxn modelId="{E41F11C8-0EF3-4435-8986-1C9BAAD69832}" type="presOf" srcId="{5AFF7588-C508-463A-9050-4D06D0DFA054}" destId="{CCF519E4-70B6-4FC8-9BE7-32A8FAA92B7E}" srcOrd="0" destOrd="0" presId="urn:microsoft.com/office/officeart/2009/3/layout/CircleRelationship"/>
+    <dgm:cxn modelId="{E76E2248-0807-4E89-948D-8EA9C3968C0B}" type="presOf" srcId="{357A5016-5404-465E-B388-9ADDB2DDCD04}" destId="{A1484E69-2A7E-4436-976E-EC2C016EF16C}" srcOrd="0" destOrd="0" presId="urn:microsoft.com/office/officeart/2009/3/layout/CircleRelationship"/>
+    <dgm:cxn modelId="{B1E34613-9240-49CC-91AB-686091849A3D}" srcId="{B4CEA7D7-9B47-41C5-B399-D73BB0CBB7E8}" destId="{357A5016-5404-465E-B388-9ADDB2DDCD04}" srcOrd="3" destOrd="0" parTransId="{C594F30F-EF06-4C3C-98E2-CFF0EF4AD5EF}" sibTransId="{28B7DF02-1265-46F2-8D5E-184688D15547}"/>
+    <dgm:cxn modelId="{26F9D695-78A8-4BC7-ADC2-BD992A0F81EC}" type="presOf" srcId="{B4CEA7D7-9B47-41C5-B399-D73BB0CBB7E8}" destId="{107CD34C-9CFE-40F5-B961-39B04D8520DE}" srcOrd="0" destOrd="0" presId="urn:microsoft.com/office/officeart/2009/3/layout/CircleRelationship"/>
+    <dgm:cxn modelId="{2384BEF8-1479-48D7-8D5C-324E34B8E039}" type="presOf" srcId="{FE2E12E8-51A4-47AB-BE29-50C44B21259C}" destId="{B097233B-2F4D-4AD3-87BC-1E187E58B7C5}" srcOrd="0" destOrd="0" presId="urn:microsoft.com/office/officeart/2009/3/layout/CircleRelationship"/>
+    <dgm:cxn modelId="{EBBBA522-CBFC-470A-8955-7DF1BC52DE4B}" type="presOf" srcId="{FBE28E17-05E4-4004-A619-5D2BDC99D1A3}" destId="{5C332B4B-A92F-496C-8DF1-94BCBA1D4E1C}" srcOrd="0" destOrd="0" presId="urn:microsoft.com/office/officeart/2009/3/layout/CircleRelationship"/>
     <dgm:cxn modelId="{CFB5AE75-01EB-48B3-893D-3C1C6AE2BA13}" srcId="{B4CEA7D7-9B47-41C5-B399-D73BB0CBB7E8}" destId="{5AFF7588-C508-463A-9050-4D06D0DFA054}" srcOrd="0" destOrd="0" parTransId="{0F8DC80A-6A00-4888-AAA5-0F79E99F02D6}" sibTransId="{1DF2F182-7CBC-4768-99FD-64744CA2526A}"/>
-    <dgm:cxn modelId="{E41F11C8-0EF3-4435-8986-1C9BAAD69832}" type="presOf" srcId="{5AFF7588-C508-463A-9050-4D06D0DFA054}" destId="{CCF519E4-70B6-4FC8-9BE7-32A8FAA92B7E}" srcOrd="0" destOrd="0" presId="urn:microsoft.com/office/officeart/2009/3/layout/CircleRelationship"/>
-    <dgm:cxn modelId="{A0F2B64B-FB72-4F22-B821-4309D9DAC78B}" srcId="{E4DFFECD-D4C2-4AFB-BB57-7153EB648F06}" destId="{B4CEA7D7-9B47-41C5-B399-D73BB0CBB7E8}" srcOrd="0" destOrd="0" parTransId="{C5532284-C977-45C9-A956-6019DB8B214A}" sibTransId="{D6E0BD72-D38C-42A5-B6A7-4F0DAFBF2DC8}"/>
-    <dgm:cxn modelId="{E76E2248-0807-4E89-948D-8EA9C3968C0B}" type="presOf" srcId="{357A5016-5404-465E-B388-9ADDB2DDCD04}" destId="{A1484E69-2A7E-4436-976E-EC2C016EF16C}" srcOrd="0" destOrd="0" presId="urn:microsoft.com/office/officeart/2009/3/layout/CircleRelationship"/>
-    <dgm:cxn modelId="{26F9D695-78A8-4BC7-ADC2-BD992A0F81EC}" type="presOf" srcId="{B4CEA7D7-9B47-41C5-B399-D73BB0CBB7E8}" destId="{107CD34C-9CFE-40F5-B961-39B04D8520DE}" srcOrd="0" destOrd="0" presId="urn:microsoft.com/office/officeart/2009/3/layout/CircleRelationship"/>
-    <dgm:cxn modelId="{EBBBA522-CBFC-470A-8955-7DF1BC52DE4B}" type="presOf" srcId="{FBE28E17-05E4-4004-A619-5D2BDC99D1A3}" destId="{5C332B4B-A92F-496C-8DF1-94BCBA1D4E1C}" srcOrd="0" destOrd="0" presId="urn:microsoft.com/office/officeart/2009/3/layout/CircleRelationship"/>
-    <dgm:cxn modelId="{5900E7C5-525B-4D16-8B75-46D5911E517C}" type="presOf" srcId="{E4DFFECD-D4C2-4AFB-BB57-7153EB648F06}" destId="{F7D7C227-A022-4A2B-9E51-4259716C1B50}" srcOrd="0" destOrd="0" presId="urn:microsoft.com/office/officeart/2009/3/layout/CircleRelationship"/>
-    <dgm:cxn modelId="{8347CF6D-54FA-4B4C-AC93-D8FA10B5B575}" srcId="{B4CEA7D7-9B47-41C5-B399-D73BB0CBB7E8}" destId="{FE2E12E8-51A4-47AB-BE29-50C44B21259C}" srcOrd="1" destOrd="0" parTransId="{D69A54C6-B633-4B11-882B-A06911B5006E}" sibTransId="{08CF55CE-2F20-4D50-8D1D-7F6CB2011862}"/>
-    <dgm:cxn modelId="{2384BEF8-1479-48D7-8D5C-324E34B8E039}" type="presOf" srcId="{FE2E12E8-51A4-47AB-BE29-50C44B21259C}" destId="{B097233B-2F4D-4AD3-87BC-1E187E58B7C5}" srcOrd="0" destOrd="0" presId="urn:microsoft.com/office/officeart/2009/3/layout/CircleRelationship"/>
-    <dgm:cxn modelId="{B1E34613-9240-49CC-91AB-686091849A3D}" srcId="{B4CEA7D7-9B47-41C5-B399-D73BB0CBB7E8}" destId="{357A5016-5404-465E-B388-9ADDB2DDCD04}" srcOrd="3" destOrd="0" parTransId="{C594F30F-EF06-4C3C-98E2-CFF0EF4AD5EF}" sibTransId="{28B7DF02-1265-46F2-8D5E-184688D15547}"/>
     <dgm:cxn modelId="{AA604CBE-C3B6-4055-9D81-DCCD7CEF9FD8}" type="presParOf" srcId="{F7D7C227-A022-4A2B-9E51-4259716C1B50}" destId="{107CD34C-9CFE-40F5-B961-39B04D8520DE}" srcOrd="0" destOrd="0" presId="urn:microsoft.com/office/officeart/2009/3/layout/CircleRelationship"/>
     <dgm:cxn modelId="{AD8FDB33-9358-418C-9C85-86EF83C6A11F}" type="presParOf" srcId="{F7D7C227-A022-4A2B-9E51-4259716C1B50}" destId="{8F7F603F-2F52-4BF3-B5AE-3F88CDD0BC33}" srcOrd="1" destOrd="0" presId="urn:microsoft.com/office/officeart/2009/3/layout/CircleRelationship"/>
     <dgm:cxn modelId="{99EA7057-9511-4966-B468-89867FD79FBA}" type="presParOf" srcId="{F7D7C227-A022-4A2B-9E51-4259716C1B50}" destId="{3614CCDE-A048-4E40-8B95-DC9D2299CCC2}" srcOrd="2" destOrd="0" presId="urn:microsoft.com/office/officeart/2009/3/layout/CircleRelationship"/>
@@ -3287,6 +3438,13 @@
         </dgm:presLayoutVars>
       </dgm:prSet>
       <dgm:spPr/>
+      <dgm:t>
+        <a:bodyPr/>
+        <a:lstStyle/>
+        <a:p>
+          <a:endParaRPr lang="zh-CN" altLang="en-US"/>
+        </a:p>
+      </dgm:t>
     </dgm:pt>
     <dgm:pt modelId="{502729D8-6D4B-4FF4-AD5B-D7843370779B}" type="pres">
       <dgm:prSet presAssocID="{30D0DB5A-85AD-4BB7-981D-7D9A7AE9E495}" presName="sibTrans" presStyleCnt="0"/>
@@ -3299,6 +3457,13 @@
         </dgm:presLayoutVars>
       </dgm:prSet>
       <dgm:spPr/>
+      <dgm:t>
+        <a:bodyPr/>
+        <a:lstStyle/>
+        <a:p>
+          <a:endParaRPr lang="zh-CN" altLang="en-US"/>
+        </a:p>
+      </dgm:t>
     </dgm:pt>
     <dgm:pt modelId="{4E4E9E64-F80D-4DB1-90E1-7FEB2F149FD6}" type="pres">
       <dgm:prSet presAssocID="{02278228-F476-44F5-B966-33D3BABC5022}" presName="sibTrans" presStyleCnt="0"/>
@@ -3311,6 +3476,13 @@
         </dgm:presLayoutVars>
       </dgm:prSet>
       <dgm:spPr/>
+      <dgm:t>
+        <a:bodyPr/>
+        <a:lstStyle/>
+        <a:p>
+          <a:endParaRPr lang="zh-CN" altLang="en-US"/>
+        </a:p>
+      </dgm:t>
     </dgm:pt>
   </dgm:ptLst>
   <dgm:cxnLst>
@@ -3354,8 +3526,152 @@
       </dsp:nvSpPr>
       <dsp:spPr>
         <a:xfrm>
-          <a:off x="4600575" y="231"/>
-          <a:ext cx="1314449" cy="1314449"/>
+          <a:off x="3450431" y="173"/>
+          <a:ext cx="985837" cy="985837"/>
+        </a:xfrm>
+        <a:prstGeom prst="ellipse">
+          <a:avLst/>
+        </a:prstGeom>
+        <a:solidFill>
+          <a:schemeClr val="accent2">
+            <a:lumMod val="75000"/>
+          </a:schemeClr>
+        </a:solidFill>
+        <a:ln w="12700" cap="flat" cmpd="sng" algn="ctr">
+          <a:solidFill>
+            <a:schemeClr val="lt1">
+              <a:hueOff val="0"/>
+              <a:satOff val="0"/>
+              <a:lumOff val="0"/>
+              <a:alphaOff val="0"/>
+            </a:schemeClr>
+          </a:solidFill>
+          <a:prstDash val="solid"/>
+          <a:miter lim="800000"/>
+        </a:ln>
+        <a:effectLst/>
+      </dsp:spPr>
+      <dsp:style>
+        <a:lnRef idx="2">
+          <a:scrgbClr r="0" g="0" b="0"/>
+        </a:lnRef>
+        <a:fillRef idx="1">
+          <a:scrgbClr r="0" g="0" b="0"/>
+        </a:fillRef>
+        <a:effectRef idx="0">
+          <a:scrgbClr r="0" g="0" b="0"/>
+        </a:effectRef>
+        <a:fontRef idx="minor">
+          <a:schemeClr val="lt1"/>
+        </a:fontRef>
+      </dsp:style>
+      <dsp:txBody>
+        <a:bodyPr spcFirstLastPara="0" vert="horz" wrap="square" lIns="26670" tIns="26670" rIns="26670" bIns="26670" numCol="1" spcCol="1270" anchor="ctr" anchorCtr="0">
+          <a:noAutofit/>
+        </a:bodyPr>
+        <a:lstStyle/>
+        <a:p>
+          <a:pPr lvl="0" algn="ctr" defTabSz="933450">
+            <a:lnSpc>
+              <a:spcPct val="90000"/>
+            </a:lnSpc>
+            <a:spcBef>
+              <a:spcPct val="0"/>
+            </a:spcBef>
+            <a:spcAft>
+              <a:spcPct val="35000"/>
+            </a:spcAft>
+          </a:pPr>
+          <a:r>
+            <a:rPr lang="zh-CN" altLang="en-US" sz="2100" kern="1200" dirty="0" smtClean="0"/>
+            <a:t>用户</a:t>
+          </a:r>
+          <a:endParaRPr lang="zh-CN" altLang="en-US" sz="2100" kern="1200" dirty="0"/>
+        </a:p>
+      </dsp:txBody>
+      <dsp:txXfrm>
+        <a:off x="3594803" y="144545"/>
+        <a:ext cx="697093" cy="697093"/>
+      </dsp:txXfrm>
+    </dsp:sp>
+    <dsp:sp modelId="{0B4E5C9C-4CDC-4D58-9504-9BC7CA3E1976}">
+      <dsp:nvSpPr>
+        <dsp:cNvPr id="0" name=""/>
+        <dsp:cNvSpPr/>
+      </dsp:nvSpPr>
+      <dsp:spPr>
+        <a:xfrm rot="2160000">
+          <a:off x="4405058" y="757305"/>
+          <a:ext cx="261848" cy="332720"/>
+        </a:xfrm>
+        <a:prstGeom prst="rightArrow">
+          <a:avLst>
+            <a:gd name="adj1" fmla="val 60000"/>
+            <a:gd name="adj2" fmla="val 50000"/>
+          </a:avLst>
+        </a:prstGeom>
+        <a:solidFill>
+          <a:schemeClr val="accent1">
+            <a:tint val="60000"/>
+            <a:hueOff val="0"/>
+            <a:satOff val="0"/>
+            <a:lumOff val="0"/>
+            <a:alphaOff val="0"/>
+          </a:schemeClr>
+        </a:solidFill>
+        <a:ln>
+          <a:noFill/>
+        </a:ln>
+        <a:effectLst/>
+      </dsp:spPr>
+      <dsp:style>
+        <a:lnRef idx="0">
+          <a:scrgbClr r="0" g="0" b="0"/>
+        </a:lnRef>
+        <a:fillRef idx="1">
+          <a:scrgbClr r="0" g="0" b="0"/>
+        </a:fillRef>
+        <a:effectRef idx="0">
+          <a:scrgbClr r="0" g="0" b="0"/>
+        </a:effectRef>
+        <a:fontRef idx="minor">
+          <a:schemeClr val="lt1"/>
+        </a:fontRef>
+      </dsp:style>
+      <dsp:txBody>
+        <a:bodyPr spcFirstLastPara="0" vert="horz" wrap="square" lIns="0" tIns="0" rIns="0" bIns="0" numCol="1" spcCol="1270" anchor="ctr" anchorCtr="0">
+          <a:noAutofit/>
+        </a:bodyPr>
+        <a:lstStyle/>
+        <a:p>
+          <a:pPr lvl="0" algn="ctr" defTabSz="622300">
+            <a:lnSpc>
+              <a:spcPct val="90000"/>
+            </a:lnSpc>
+            <a:spcBef>
+              <a:spcPct val="0"/>
+            </a:spcBef>
+            <a:spcAft>
+              <a:spcPct val="35000"/>
+            </a:spcAft>
+          </a:pPr>
+          <a:endParaRPr lang="zh-CN" altLang="en-US" sz="1400" kern="1200"/>
+        </a:p>
+      </dsp:txBody>
+      <dsp:txXfrm>
+        <a:off x="4412559" y="800763"/>
+        <a:ext cx="183294" cy="199632"/>
+      </dsp:txXfrm>
+    </dsp:sp>
+    <dsp:sp modelId="{C9E7A4B9-52FA-4D46-B15D-CBED54733123}">
+      <dsp:nvSpPr>
+        <dsp:cNvPr id="0" name=""/>
+        <dsp:cNvSpPr/>
+      </dsp:nvSpPr>
+      <dsp:spPr>
+        <a:xfrm>
+          <a:off x="4647688" y="870032"/>
+          <a:ext cx="985837" cy="985837"/>
         </a:xfrm>
         <a:prstGeom prst="ellipse">
           <a:avLst/>
@@ -3397,12 +3713,12 @@
         </a:fontRef>
       </dsp:style>
       <dsp:txBody>
-        <a:bodyPr spcFirstLastPara="0" vert="horz" wrap="square" lIns="35560" tIns="35560" rIns="35560" bIns="35560" numCol="1" spcCol="1270" anchor="ctr" anchorCtr="0">
+        <a:bodyPr spcFirstLastPara="0" vert="horz" wrap="square" lIns="26670" tIns="26670" rIns="26670" bIns="26670" numCol="1" spcCol="1270" anchor="ctr" anchorCtr="0">
           <a:noAutofit/>
         </a:bodyPr>
         <a:lstStyle/>
         <a:p>
-          <a:pPr lvl="0" algn="ctr" defTabSz="1244600">
+          <a:pPr lvl="0" algn="ctr" defTabSz="933450">
             <a:lnSpc>
               <a:spcPct val="90000"/>
             </a:lnSpc>
@@ -3414,26 +3730,26 @@
             </a:spcAft>
           </a:pPr>
           <a:r>
-            <a:rPr lang="zh-CN" altLang="en-US" sz="2800" kern="1200" dirty="0" smtClean="0"/>
-            <a:t>用户</a:t>
+            <a:rPr lang="zh-CN" altLang="en-US" sz="2100" kern="1200" dirty="0" smtClean="0"/>
+            <a:t>浏览器</a:t>
           </a:r>
-          <a:endParaRPr lang="zh-CN" altLang="en-US" sz="2800" kern="1200" dirty="0"/>
+          <a:endParaRPr lang="zh-CN" altLang="en-US" sz="2100" kern="1200" dirty="0"/>
         </a:p>
       </dsp:txBody>
       <dsp:txXfrm>
-        <a:off x="4793072" y="192728"/>
-        <a:ext cx="929455" cy="929455"/>
+        <a:off x="4792060" y="1014404"/>
+        <a:ext cx="697093" cy="697093"/>
       </dsp:txXfrm>
     </dsp:sp>
-    <dsp:sp modelId="{0B4E5C9C-4CDC-4D58-9504-9BC7CA3E1976}">
+    <dsp:sp modelId="{69456639-E383-4937-BAE8-FAF10B2B6A64}">
       <dsp:nvSpPr>
         <dsp:cNvPr id="0" name=""/>
         <dsp:cNvSpPr/>
       </dsp:nvSpPr>
       <dsp:spPr>
-        <a:xfrm rot="2160000">
-          <a:off x="5873411" y="1009740"/>
-          <a:ext cx="349131" cy="443626"/>
+        <a:xfrm rot="6480000">
+          <a:off x="4783317" y="1893273"/>
+          <a:ext cx="261848" cy="332720"/>
         </a:xfrm>
         <a:prstGeom prst="rightArrow">
           <a:avLst>
@@ -3475,7 +3791,7 @@
         </a:bodyPr>
         <a:lstStyle/>
         <a:p>
-          <a:pPr lvl="0" algn="ctr" defTabSz="844550">
+          <a:pPr lvl="0" algn="ctr" defTabSz="622300">
             <a:lnSpc>
               <a:spcPct val="90000"/>
             </a:lnSpc>
@@ -3486,23 +3802,23 @@
               <a:spcPct val="35000"/>
             </a:spcAft>
           </a:pPr>
-          <a:endParaRPr lang="zh-CN" altLang="en-US" sz="1900" kern="1200"/>
+          <a:endParaRPr lang="zh-CN" altLang="en-US" sz="1400" kern="1200"/>
         </a:p>
       </dsp:txBody>
-      <dsp:txXfrm>
-        <a:off x="5883413" y="1067683"/>
-        <a:ext cx="244392" cy="266176"/>
+      <dsp:txXfrm rot="10800000">
+        <a:off x="4834731" y="1922462"/>
+        <a:ext cx="183294" cy="199632"/>
       </dsp:txXfrm>
     </dsp:sp>
-    <dsp:sp modelId="{C9E7A4B9-52FA-4D46-B15D-CBED54733123}">
+    <dsp:sp modelId="{257417C0-64A8-4093-935A-97BCA86136A0}">
       <dsp:nvSpPr>
         <dsp:cNvPr id="0" name=""/>
         <dsp:cNvSpPr/>
       </dsp:nvSpPr>
       <dsp:spPr>
         <a:xfrm>
-          <a:off x="6196918" y="1160042"/>
-          <a:ext cx="1314449" cy="1314449"/>
+          <a:off x="4190377" y="2277492"/>
+          <a:ext cx="985837" cy="985837"/>
         </a:xfrm>
         <a:prstGeom prst="ellipse">
           <a:avLst/>
@@ -3544,12 +3860,12 @@
         </a:fontRef>
       </dsp:style>
       <dsp:txBody>
-        <a:bodyPr spcFirstLastPara="0" vert="horz" wrap="square" lIns="35560" tIns="35560" rIns="35560" bIns="35560" numCol="1" spcCol="1270" anchor="ctr" anchorCtr="0">
+        <a:bodyPr spcFirstLastPara="0" vert="horz" wrap="square" lIns="26670" tIns="26670" rIns="26670" bIns="26670" numCol="1" spcCol="1270" anchor="ctr" anchorCtr="0">
           <a:noAutofit/>
         </a:bodyPr>
         <a:lstStyle/>
         <a:p>
-          <a:pPr lvl="0" algn="ctr" defTabSz="1244600">
+          <a:pPr lvl="0" algn="ctr" defTabSz="933450">
             <a:lnSpc>
               <a:spcPct val="90000"/>
             </a:lnSpc>
@@ -3561,26 +3877,26 @@
             </a:spcAft>
           </a:pPr>
           <a:r>
-            <a:rPr lang="zh-CN" altLang="en-US" sz="2800" kern="1200" dirty="0" smtClean="0"/>
-            <a:t>浏览器</a:t>
+            <a:rPr lang="zh-CN" altLang="en-US" sz="2100" kern="1200" dirty="0" smtClean="0"/>
+            <a:t>站点</a:t>
           </a:r>
-          <a:endParaRPr lang="zh-CN" altLang="en-US" sz="2800" kern="1200" dirty="0"/>
+          <a:endParaRPr lang="zh-CN" altLang="en-US" sz="2100" kern="1200" dirty="0"/>
         </a:p>
       </dsp:txBody>
       <dsp:txXfrm>
-        <a:off x="6389415" y="1352539"/>
-        <a:ext cx="929455" cy="929455"/>
+        <a:off x="4334749" y="2421864"/>
+        <a:ext cx="697093" cy="697093"/>
       </dsp:txXfrm>
     </dsp:sp>
-    <dsp:sp modelId="{69456639-E383-4937-BAE8-FAF10B2B6A64}">
+    <dsp:sp modelId="{589E90B4-2759-496C-9C79-78ABE222A358}">
       <dsp:nvSpPr>
         <dsp:cNvPr id="0" name=""/>
         <dsp:cNvSpPr/>
       </dsp:nvSpPr>
       <dsp:spPr>
-        <a:xfrm rot="6480000">
-          <a:off x="6377756" y="2524363"/>
-          <a:ext cx="349131" cy="443626"/>
+        <a:xfrm rot="10800000">
+          <a:off x="3819836" y="2604051"/>
+          <a:ext cx="261848" cy="332720"/>
         </a:xfrm>
         <a:prstGeom prst="rightArrow">
           <a:avLst>
@@ -3622,7 +3938,7 @@
         </a:bodyPr>
         <a:lstStyle/>
         <a:p>
-          <a:pPr lvl="0" algn="ctr" defTabSz="844550">
+          <a:pPr lvl="0" algn="ctr" defTabSz="622300">
             <a:lnSpc>
               <a:spcPct val="90000"/>
             </a:lnSpc>
@@ -3633,23 +3949,23 @@
               <a:spcPct val="35000"/>
             </a:spcAft>
           </a:pPr>
-          <a:endParaRPr lang="zh-CN" altLang="en-US" sz="1900" kern="1200"/>
+          <a:endParaRPr lang="zh-CN" altLang="en-US" sz="1400" kern="1200"/>
         </a:p>
       </dsp:txBody>
       <dsp:txXfrm rot="10800000">
-        <a:off x="6446309" y="2563282"/>
-        <a:ext cx="244392" cy="266176"/>
+        <a:off x="3898390" y="2670595"/>
+        <a:ext cx="183294" cy="199632"/>
       </dsp:txXfrm>
     </dsp:sp>
-    <dsp:sp modelId="{257417C0-64A8-4093-935A-97BCA86136A0}">
+    <dsp:sp modelId="{D2CB0F7E-229F-4E18-AC0F-6FBDD80C6049}">
       <dsp:nvSpPr>
         <dsp:cNvPr id="0" name=""/>
         <dsp:cNvSpPr/>
       </dsp:nvSpPr>
       <dsp:spPr>
         <a:xfrm>
-          <a:off x="5587169" y="3036656"/>
-          <a:ext cx="1314449" cy="1314449"/>
+          <a:off x="2710485" y="2277492"/>
+          <a:ext cx="985837" cy="985837"/>
         </a:xfrm>
         <a:prstGeom prst="ellipse">
           <a:avLst/>
@@ -3691,12 +4007,12 @@
         </a:fontRef>
       </dsp:style>
       <dsp:txBody>
-        <a:bodyPr spcFirstLastPara="0" vert="horz" wrap="square" lIns="35560" tIns="35560" rIns="35560" bIns="35560" numCol="1" spcCol="1270" anchor="ctr" anchorCtr="0">
+        <a:bodyPr spcFirstLastPara="0" vert="horz" wrap="square" lIns="26670" tIns="26670" rIns="26670" bIns="26670" numCol="1" spcCol="1270" anchor="ctr" anchorCtr="0">
           <a:noAutofit/>
         </a:bodyPr>
         <a:lstStyle/>
         <a:p>
-          <a:pPr lvl="0" algn="ctr" defTabSz="1244600">
+          <a:pPr lvl="0" algn="ctr" defTabSz="933450">
             <a:lnSpc>
               <a:spcPct val="90000"/>
             </a:lnSpc>
@@ -3708,26 +4024,26 @@
             </a:spcAft>
           </a:pPr>
           <a:r>
-            <a:rPr lang="zh-CN" altLang="en-US" sz="2800" kern="1200" dirty="0" smtClean="0"/>
-            <a:t>站点</a:t>
+            <a:rPr lang="zh-CN" altLang="en-US" sz="2100" kern="1200" dirty="0" smtClean="0"/>
+            <a:t>接口</a:t>
           </a:r>
-          <a:endParaRPr lang="zh-CN" altLang="en-US" sz="2800" kern="1200" dirty="0"/>
+          <a:endParaRPr lang="zh-CN" altLang="en-US" sz="2100" kern="1200" dirty="0"/>
         </a:p>
       </dsp:txBody>
       <dsp:txXfrm>
-        <a:off x="5779666" y="3229153"/>
-        <a:ext cx="929455" cy="929455"/>
+        <a:off x="2854857" y="2421864"/>
+        <a:ext cx="697093" cy="697093"/>
       </dsp:txXfrm>
     </dsp:sp>
-    <dsp:sp modelId="{589E90B4-2759-496C-9C79-78ABE222A358}">
+    <dsp:sp modelId="{82A7ED67-6802-463B-9F4A-634B0A3F85FE}">
       <dsp:nvSpPr>
         <dsp:cNvPr id="0" name=""/>
         <dsp:cNvSpPr/>
       </dsp:nvSpPr>
       <dsp:spPr>
-        <a:xfrm rot="10800000">
-          <a:off x="5093115" y="3472068"/>
-          <a:ext cx="349131" cy="443626"/>
+        <a:xfrm rot="15120000">
+          <a:off x="2846113" y="1907369"/>
+          <a:ext cx="261848" cy="332720"/>
         </a:xfrm>
         <a:prstGeom prst="rightArrow">
           <a:avLst>
@@ -3769,7 +4085,7 @@
         </a:bodyPr>
         <a:lstStyle/>
         <a:p>
-          <a:pPr lvl="0" algn="ctr" defTabSz="844550">
+          <a:pPr lvl="0" algn="ctr" defTabSz="622300">
             <a:lnSpc>
               <a:spcPct val="90000"/>
             </a:lnSpc>
@@ -3780,23 +4096,23 @@
               <a:spcPct val="35000"/>
             </a:spcAft>
           </a:pPr>
-          <a:endParaRPr lang="zh-CN" altLang="en-US" sz="1900" kern="1200"/>
+          <a:endParaRPr lang="zh-CN" altLang="en-US" sz="1400" kern="1200"/>
         </a:p>
       </dsp:txBody>
       <dsp:txXfrm rot="10800000">
-        <a:off x="5197854" y="3560793"/>
-        <a:ext cx="244392" cy="266176"/>
+        <a:off x="2897527" y="2011268"/>
+        <a:ext cx="183294" cy="199632"/>
       </dsp:txXfrm>
     </dsp:sp>
-    <dsp:sp modelId="{D2CB0F7E-229F-4E18-AC0F-6FBDD80C6049}">
+    <dsp:sp modelId="{91666B07-3822-4E93-9950-FF58B69113EB}">
       <dsp:nvSpPr>
         <dsp:cNvPr id="0" name=""/>
         <dsp:cNvSpPr/>
       </dsp:nvSpPr>
       <dsp:spPr>
         <a:xfrm>
-          <a:off x="3613980" y="3036656"/>
-          <a:ext cx="1314449" cy="1314449"/>
+          <a:off x="2253173" y="870032"/>
+          <a:ext cx="985837" cy="985837"/>
         </a:xfrm>
         <a:prstGeom prst="ellipse">
           <a:avLst/>
@@ -3838,12 +4154,12 @@
         </a:fontRef>
       </dsp:style>
       <dsp:txBody>
-        <a:bodyPr spcFirstLastPara="0" vert="horz" wrap="square" lIns="35560" tIns="35560" rIns="35560" bIns="35560" numCol="1" spcCol="1270" anchor="ctr" anchorCtr="0">
+        <a:bodyPr spcFirstLastPara="0" vert="horz" wrap="square" lIns="26670" tIns="26670" rIns="26670" bIns="26670" numCol="1" spcCol="1270" anchor="ctr" anchorCtr="0">
           <a:noAutofit/>
         </a:bodyPr>
         <a:lstStyle/>
         <a:p>
-          <a:pPr lvl="0" algn="ctr" defTabSz="1244600">
+          <a:pPr lvl="0" algn="ctr" defTabSz="933450">
             <a:lnSpc>
               <a:spcPct val="90000"/>
             </a:lnSpc>
@@ -3855,26 +4171,30 @@
             </a:spcAft>
           </a:pPr>
           <a:r>
-            <a:rPr lang="zh-CN" altLang="en-US" sz="2800" kern="1200" dirty="0" smtClean="0"/>
-            <a:t>接口</a:t>
+            <a:rPr lang="en-US" altLang="zh-CN" sz="2100" kern="1200" dirty="0" smtClean="0"/>
+            <a:t>DOM</a:t>
           </a:r>
-          <a:endParaRPr lang="zh-CN" altLang="en-US" sz="2800" kern="1200" dirty="0"/>
+          <a:r>
+            <a:rPr lang="zh-CN" altLang="en-US" sz="2100" kern="1200" dirty="0" smtClean="0"/>
+            <a:t>渲染</a:t>
+          </a:r>
+          <a:endParaRPr lang="zh-CN" altLang="en-US" sz="2100" kern="1200" dirty="0"/>
         </a:p>
       </dsp:txBody>
       <dsp:txXfrm>
-        <a:off x="3806477" y="3229153"/>
-        <a:ext cx="929455" cy="929455"/>
+        <a:off x="2397545" y="1014404"/>
+        <a:ext cx="697093" cy="697093"/>
       </dsp:txXfrm>
     </dsp:sp>
-    <dsp:sp modelId="{82A7ED67-6802-463B-9F4A-634B0A3F85FE}">
+    <dsp:sp modelId="{B7BB58EF-698B-44ED-9C27-65547B1CE323}">
       <dsp:nvSpPr>
         <dsp:cNvPr id="0" name=""/>
         <dsp:cNvSpPr/>
       </dsp:nvSpPr>
       <dsp:spPr>
-        <a:xfrm rot="15120000">
-          <a:off x="3794818" y="2543158"/>
-          <a:ext cx="349131" cy="443626"/>
+        <a:xfrm rot="19440000">
+          <a:off x="3207801" y="766017"/>
+          <a:ext cx="261848" cy="332720"/>
         </a:xfrm>
         <a:prstGeom prst="rightArrow">
           <a:avLst>
@@ -3916,7 +4236,7 @@
         </a:bodyPr>
         <a:lstStyle/>
         <a:p>
-          <a:pPr lvl="0" algn="ctr" defTabSz="844550">
+          <a:pPr lvl="0" algn="ctr" defTabSz="622300">
             <a:lnSpc>
               <a:spcPct val="90000"/>
             </a:lnSpc>
@@ -3927,33 +4247,43 @@
               <a:spcPct val="35000"/>
             </a:spcAft>
           </a:pPr>
-          <a:endParaRPr lang="zh-CN" altLang="en-US" sz="1900" kern="1200"/>
+          <a:endParaRPr lang="zh-CN" altLang="en-US" sz="1400" kern="1200"/>
         </a:p>
       </dsp:txBody>
-      <dsp:txXfrm rot="10800000">
-        <a:off x="3863371" y="2681689"/>
-        <a:ext cx="244392" cy="266176"/>
+      <dsp:txXfrm>
+        <a:off x="3215302" y="855647"/>
+        <a:ext cx="183294" cy="199632"/>
       </dsp:txXfrm>
     </dsp:sp>
-    <dsp:sp modelId="{91666B07-3822-4E93-9950-FF58B69113EB}">
+  </dsp:spTree>
+</dsp:drawing>
+</file>
+
+<file path=ppt/diagrams/drawing2.xml><?xml version="1.0" encoding="utf-8"?>
+<dsp:drawing xmlns:dgm="http://schemas.openxmlformats.org/drawingml/2006/diagram" xmlns:dsp="http://schemas.microsoft.com/office/drawing/2008/diagram" xmlns:a="http://schemas.openxmlformats.org/drawingml/2006/main">
+  <dsp:spTree>
+    <dsp:nvGrpSpPr>
+      <dsp:cNvPr id="0" name=""/>
+      <dsp:cNvGrpSpPr/>
+    </dsp:nvGrpSpPr>
+    <dsp:grpSpPr/>
+    <dsp:sp modelId="{107CD34C-9CFE-40F5-B961-39B04D8520DE}">
       <dsp:nvSpPr>
         <dsp:cNvPr id="0" name=""/>
         <dsp:cNvSpPr/>
       </dsp:nvSpPr>
       <dsp:spPr>
         <a:xfrm>
-          <a:off x="3004231" y="1160042"/>
-          <a:ext cx="1314449" cy="1314449"/>
+          <a:off x="2467129" y="99863"/>
+          <a:ext cx="2187408" cy="2187526"/>
         </a:xfrm>
         <a:prstGeom prst="ellipse">
           <a:avLst/>
         </a:prstGeom>
         <a:solidFill>
-          <a:schemeClr val="accent1">
-            <a:hueOff val="0"/>
-            <a:satOff val="0"/>
-            <a:lumOff val="0"/>
-            <a:alphaOff val="0"/>
+          <a:schemeClr val="accent2">
+            <a:lumMod val="60000"/>
+            <a:lumOff val="40000"/>
           </a:schemeClr>
         </a:solidFill>
         <a:ln w="12700" cap="flat" cmpd="sng" algn="ctr">
@@ -3985,12 +4315,12 @@
         </a:fontRef>
       </dsp:style>
       <dsp:txBody>
-        <a:bodyPr spcFirstLastPara="0" vert="horz" wrap="square" lIns="35560" tIns="35560" rIns="35560" bIns="35560" numCol="1" spcCol="1270" anchor="ctr" anchorCtr="0">
+        <a:bodyPr spcFirstLastPara="0" vert="horz" wrap="square" lIns="60960" tIns="60960" rIns="60960" bIns="60960" numCol="1" spcCol="1270" anchor="ctr" anchorCtr="0">
           <a:noAutofit/>
         </a:bodyPr>
         <a:lstStyle/>
         <a:p>
-          <a:pPr lvl="0" algn="ctr" defTabSz="1244600">
+          <a:pPr lvl="0" algn="ctr" defTabSz="711200">
             <a:lnSpc>
               <a:spcPct val="90000"/>
             </a:lnSpc>
@@ -4002,178 +4332,15 @@
             </a:spcAft>
           </a:pPr>
           <a:r>
-            <a:rPr lang="en-US" altLang="zh-CN" sz="2800" kern="1200" dirty="0" smtClean="0"/>
-            <a:t>DOM</a:t>
+            <a:rPr lang="zh-CN" altLang="en-US" sz="1600" kern="1200" dirty="0" smtClean="0"/>
+            <a:t>用户</a:t>
           </a:r>
-          <a:r>
-            <a:rPr lang="zh-CN" altLang="en-US" sz="2800" kern="1200" dirty="0" smtClean="0"/>
-            <a:t>渲染</a:t>
-          </a:r>
-          <a:endParaRPr lang="zh-CN" altLang="en-US" sz="2800" kern="1200" dirty="0"/>
+          <a:endParaRPr lang="zh-CN" altLang="en-US" sz="1600" kern="1200" dirty="0"/>
         </a:p>
       </dsp:txBody>
       <dsp:txXfrm>
-        <a:off x="3196728" y="1352539"/>
-        <a:ext cx="929455" cy="929455"/>
-      </dsp:txXfrm>
-    </dsp:sp>
-    <dsp:sp modelId="{B7BB58EF-698B-44ED-9C27-65547B1CE323}">
-      <dsp:nvSpPr>
-        <dsp:cNvPr id="0" name=""/>
-        <dsp:cNvSpPr/>
-      </dsp:nvSpPr>
-      <dsp:spPr>
-        <a:xfrm rot="19440000">
-          <a:off x="4277068" y="1021356"/>
-          <a:ext cx="349131" cy="443626"/>
-        </a:xfrm>
-        <a:prstGeom prst="rightArrow">
-          <a:avLst>
-            <a:gd name="adj1" fmla="val 60000"/>
-            <a:gd name="adj2" fmla="val 50000"/>
-          </a:avLst>
-        </a:prstGeom>
-        <a:solidFill>
-          <a:schemeClr val="accent1">
-            <a:tint val="60000"/>
-            <a:hueOff val="0"/>
-            <a:satOff val="0"/>
-            <a:lumOff val="0"/>
-            <a:alphaOff val="0"/>
-          </a:schemeClr>
-        </a:solidFill>
-        <a:ln>
-          <a:noFill/>
-        </a:ln>
-        <a:effectLst/>
-      </dsp:spPr>
-      <dsp:style>
-        <a:lnRef idx="0">
-          <a:scrgbClr r="0" g="0" b="0"/>
-        </a:lnRef>
-        <a:fillRef idx="1">
-          <a:scrgbClr r="0" g="0" b="0"/>
-        </a:fillRef>
-        <a:effectRef idx="0">
-          <a:scrgbClr r="0" g="0" b="0"/>
-        </a:effectRef>
-        <a:fontRef idx="minor">
-          <a:schemeClr val="lt1"/>
-        </a:fontRef>
-      </dsp:style>
-      <dsp:txBody>
-        <a:bodyPr spcFirstLastPara="0" vert="horz" wrap="square" lIns="0" tIns="0" rIns="0" bIns="0" numCol="1" spcCol="1270" anchor="ctr" anchorCtr="0">
-          <a:noAutofit/>
-        </a:bodyPr>
-        <a:lstStyle/>
-        <a:p>
-          <a:pPr lvl="0" algn="ctr" defTabSz="844550">
-            <a:lnSpc>
-              <a:spcPct val="90000"/>
-            </a:lnSpc>
-            <a:spcBef>
-              <a:spcPct val="0"/>
-            </a:spcBef>
-            <a:spcAft>
-              <a:spcPct val="35000"/>
-            </a:spcAft>
-          </a:pPr>
-          <a:endParaRPr lang="zh-CN" altLang="en-US" sz="1900" kern="1200"/>
-        </a:p>
-      </dsp:txBody>
-      <dsp:txXfrm>
-        <a:off x="4287070" y="1140863"/>
-        <a:ext cx="244392" cy="266176"/>
-      </dsp:txXfrm>
-    </dsp:sp>
-  </dsp:spTree>
-</dsp:drawing>
-</file>
-
-<file path=ppt/diagrams/drawing2.xml><?xml version="1.0" encoding="utf-8"?>
-<dsp:drawing xmlns:dgm="http://schemas.openxmlformats.org/drawingml/2006/diagram" xmlns:dsp="http://schemas.microsoft.com/office/drawing/2008/diagram" xmlns:a="http://schemas.openxmlformats.org/drawingml/2006/main">
-  <dsp:spTree>
-    <dsp:nvGrpSpPr>
-      <dsp:cNvPr id="0" name=""/>
-      <dsp:cNvGrpSpPr/>
-    </dsp:nvGrpSpPr>
-    <dsp:grpSpPr/>
-    <dsp:sp modelId="{107CD34C-9CFE-40F5-B961-39B04D8520DE}">
-      <dsp:nvSpPr>
-        <dsp:cNvPr id="0" name=""/>
-        <dsp:cNvSpPr/>
-      </dsp:nvSpPr>
-      <dsp:spPr>
-        <a:xfrm>
-          <a:off x="3289506" y="133150"/>
-          <a:ext cx="2916544" cy="2916701"/>
-        </a:xfrm>
-        <a:prstGeom prst="ellipse">
-          <a:avLst/>
-        </a:prstGeom>
-        <a:solidFill>
-          <a:schemeClr val="accent1">
-            <a:hueOff val="0"/>
-            <a:satOff val="0"/>
-            <a:lumOff val="0"/>
-            <a:alphaOff val="0"/>
-          </a:schemeClr>
-        </a:solidFill>
-        <a:ln w="12700" cap="flat" cmpd="sng" algn="ctr">
-          <a:solidFill>
-            <a:schemeClr val="lt1">
-              <a:hueOff val="0"/>
-              <a:satOff val="0"/>
-              <a:lumOff val="0"/>
-              <a:alphaOff val="0"/>
-            </a:schemeClr>
-          </a:solidFill>
-          <a:prstDash val="solid"/>
-          <a:miter lim="800000"/>
-        </a:ln>
-        <a:effectLst/>
-      </dsp:spPr>
-      <dsp:style>
-        <a:lnRef idx="2">
-          <a:scrgbClr r="0" g="0" b="0"/>
-        </a:lnRef>
-        <a:fillRef idx="1">
-          <a:scrgbClr r="0" g="0" b="0"/>
-        </a:fillRef>
-        <a:effectRef idx="0">
-          <a:scrgbClr r="0" g="0" b="0"/>
-        </a:effectRef>
-        <a:fontRef idx="minor">
-          <a:schemeClr val="lt1"/>
-        </a:fontRef>
-      </dsp:style>
-      <dsp:txBody>
-        <a:bodyPr spcFirstLastPara="0" vert="horz" wrap="square" lIns="83820" tIns="83820" rIns="83820" bIns="83820" numCol="1" spcCol="1270" anchor="ctr" anchorCtr="0">
-          <a:noAutofit/>
-        </a:bodyPr>
-        <a:lstStyle/>
-        <a:p>
-          <a:pPr lvl="0" algn="ctr" defTabSz="977900">
-            <a:lnSpc>
-              <a:spcPct val="90000"/>
-            </a:lnSpc>
-            <a:spcBef>
-              <a:spcPct val="0"/>
-            </a:spcBef>
-            <a:spcAft>
-              <a:spcPct val="35000"/>
-            </a:spcAft>
-          </a:pPr>
-          <a:r>
-            <a:rPr lang="zh-CN" altLang="en-US" sz="2200" kern="1200" dirty="0" smtClean="0"/>
-            <a:t>用户</a:t>
-          </a:r>
-          <a:endParaRPr lang="zh-CN" altLang="en-US" sz="2200" kern="1200" dirty="0"/>
-        </a:p>
-      </dsp:txBody>
-      <dsp:txXfrm>
-        <a:off x="3716624" y="560291"/>
-        <a:ext cx="2062308" cy="2062419"/>
+        <a:off x="2787467" y="420219"/>
+        <a:ext cx="1546732" cy="1546814"/>
       </dsp:txXfrm>
     </dsp:sp>
     <dsp:sp modelId="{8F7F603F-2F52-4BF3-B5AE-3F88CDD0BC33}">
@@ -4183,8 +4350,8 @@
       </dsp:nvSpPr>
       <dsp:spPr>
         <a:xfrm>
-          <a:off x="4953881" y="0"/>
-          <a:ext cx="324259" cy="324609"/>
+          <a:off x="3715410" y="0"/>
+          <a:ext cx="243194" cy="243457"/>
         </a:xfrm>
         <a:prstGeom prst="ellipse">
           <a:avLst/>
@@ -4233,8 +4400,8 @@
       </dsp:nvSpPr>
       <dsp:spPr>
         <a:xfrm>
-          <a:off x="4186306" y="2833156"/>
-          <a:ext cx="235118" cy="234972"/>
+          <a:off x="3139729" y="2124867"/>
+          <a:ext cx="176338" cy="176229"/>
         </a:xfrm>
         <a:prstGeom prst="ellipse">
           <a:avLst/>
@@ -4283,8 +4450,8 @@
       </dsp:nvSpPr>
       <dsp:spPr>
         <a:xfrm>
-          <a:off x="6393906" y="1316714"/>
-          <a:ext cx="235118" cy="234972"/>
+          <a:off x="4795429" y="987536"/>
+          <a:ext cx="176338" cy="176229"/>
         </a:xfrm>
         <a:prstGeom prst="ellipse">
           <a:avLst/>
@@ -4333,8 +4500,8 @@
       </dsp:nvSpPr>
       <dsp:spPr>
         <a:xfrm>
-          <a:off x="5270363" y="3082922"/>
-          <a:ext cx="324259" cy="324609"/>
+          <a:off x="3952772" y="2312192"/>
+          <a:ext cx="243194" cy="243457"/>
         </a:xfrm>
         <a:prstGeom prst="ellipse">
           <a:avLst/>
@@ -4383,8 +4550,8 @@
       </dsp:nvSpPr>
       <dsp:spPr>
         <a:xfrm>
-          <a:off x="4252115" y="460806"/>
-          <a:ext cx="235118" cy="234972"/>
+          <a:off x="3189086" y="345605"/>
+          <a:ext cx="176338" cy="176229"/>
         </a:xfrm>
         <a:prstGeom prst="ellipse">
           <a:avLst/>
@@ -4433,8 +4600,8 @@
       </dsp:nvSpPr>
       <dsp:spPr>
         <a:xfrm>
-          <a:off x="3512061" y="1806240"/>
-          <a:ext cx="235118" cy="234972"/>
+          <a:off x="2634045" y="1354680"/>
+          <a:ext cx="176338" cy="176229"/>
         </a:xfrm>
         <a:prstGeom prst="ellipse">
           <a:avLst/>
@@ -4483,8 +4650,8 @@
       </dsp:nvSpPr>
       <dsp:spPr>
         <a:xfrm>
-          <a:off x="2377750" y="659227"/>
-          <a:ext cx="1185762" cy="1185739"/>
+          <a:off x="1783312" y="494420"/>
+          <a:ext cx="889321" cy="889304"/>
         </a:xfrm>
         <a:prstGeom prst="ellipse">
           <a:avLst/>
@@ -4526,12 +4693,12 @@
         </a:fontRef>
       </dsp:style>
       <dsp:txBody>
-        <a:bodyPr spcFirstLastPara="0" vert="horz" wrap="square" lIns="83820" tIns="83820" rIns="83820" bIns="83820" numCol="1" spcCol="1270" anchor="ctr" anchorCtr="0">
+        <a:bodyPr spcFirstLastPara="0" vert="horz" wrap="square" lIns="60960" tIns="60960" rIns="60960" bIns="60960" numCol="1" spcCol="1270" anchor="ctr" anchorCtr="0">
           <a:noAutofit/>
         </a:bodyPr>
         <a:lstStyle/>
         <a:p>
-          <a:pPr lvl="0" algn="ctr" defTabSz="977900">
+          <a:pPr lvl="0" algn="ctr" defTabSz="711200">
             <a:lnSpc>
               <a:spcPct val="90000"/>
             </a:lnSpc>
@@ -4543,15 +4710,15 @@
             </a:spcAft>
           </a:pPr>
           <a:r>
-            <a:rPr lang="zh-CN" altLang="en-US" sz="2200" kern="1200" dirty="0" smtClean="0"/>
+            <a:rPr lang="zh-CN" altLang="en-US" sz="1600" kern="1200" dirty="0" smtClean="0"/>
             <a:t>浏览器</a:t>
           </a:r>
-          <a:endParaRPr lang="zh-CN" altLang="en-US" sz="2200" kern="1200" dirty="0"/>
+          <a:endParaRPr lang="zh-CN" altLang="en-US" sz="1600" kern="1200" dirty="0"/>
         </a:p>
       </dsp:txBody>
       <dsp:txXfrm>
-        <a:off x="2551401" y="832874"/>
-        <a:ext cx="838460" cy="838445"/>
+        <a:off x="1913550" y="624656"/>
+        <a:ext cx="628845" cy="628832"/>
       </dsp:txXfrm>
     </dsp:sp>
     <dsp:sp modelId="{0830D17C-CBD0-4235-9F3E-6F0017B2DE61}">
@@ -4561,8 +4728,8 @@
       </dsp:nvSpPr>
       <dsp:spPr>
         <a:xfrm>
-          <a:off x="4626031" y="471249"/>
-          <a:ext cx="324259" cy="324609"/>
+          <a:off x="3469523" y="353437"/>
+          <a:ext cx="243194" cy="243457"/>
         </a:xfrm>
         <a:prstGeom prst="ellipse">
           <a:avLst/>
@@ -4611,8 +4778,8 @@
       </dsp:nvSpPr>
       <dsp:spPr>
         <a:xfrm>
-          <a:off x="2489625" y="2192204"/>
-          <a:ext cx="586300" cy="586560"/>
+          <a:off x="1867218" y="1644153"/>
+          <a:ext cx="439725" cy="439920"/>
         </a:xfrm>
         <a:prstGeom prst="ellipse">
           <a:avLst/>
@@ -4661,8 +4828,8 @@
       </dsp:nvSpPr>
       <dsp:spPr>
         <a:xfrm>
-          <a:off x="6505781" y="101386"/>
-          <a:ext cx="1185762" cy="1185739"/>
+          <a:off x="4879336" y="76039"/>
+          <a:ext cx="889321" cy="889304"/>
         </a:xfrm>
         <a:prstGeom prst="ellipse">
           <a:avLst/>
@@ -4704,12 +4871,12 @@
         </a:fontRef>
       </dsp:style>
       <dsp:txBody>
-        <a:bodyPr spcFirstLastPara="0" vert="horz" wrap="square" lIns="83820" tIns="83820" rIns="83820" bIns="83820" numCol="1" spcCol="1270" anchor="ctr" anchorCtr="0">
+        <a:bodyPr spcFirstLastPara="0" vert="horz" wrap="square" lIns="60960" tIns="60960" rIns="60960" bIns="60960" numCol="1" spcCol="1270" anchor="ctr" anchorCtr="0">
           <a:noAutofit/>
         </a:bodyPr>
         <a:lstStyle/>
         <a:p>
-          <a:pPr lvl="0" algn="ctr" defTabSz="977900">
+          <a:pPr lvl="0" algn="ctr" defTabSz="711200">
             <a:lnSpc>
               <a:spcPct val="90000"/>
             </a:lnSpc>
@@ -4721,15 +4888,15 @@
             </a:spcAft>
           </a:pPr>
           <a:r>
-            <a:rPr lang="zh-CN" altLang="en-US" sz="2200" kern="1200" dirty="0" smtClean="0"/>
+            <a:rPr lang="zh-CN" altLang="en-US" sz="1600" kern="1200" dirty="0" smtClean="0"/>
             <a:t>站点</a:t>
           </a:r>
-          <a:endParaRPr lang="zh-CN" altLang="en-US" sz="2200" kern="1200" dirty="0"/>
+          <a:endParaRPr lang="zh-CN" altLang="en-US" sz="1600" kern="1200" dirty="0"/>
         </a:p>
       </dsp:txBody>
       <dsp:txXfrm>
-        <a:off x="6679432" y="275033"/>
-        <a:ext cx="838460" cy="838445"/>
+        <a:off x="5009574" y="206275"/>
+        <a:ext cx="628845" cy="628832"/>
       </dsp:txXfrm>
     </dsp:sp>
     <dsp:sp modelId="{C0B0FB5B-E7EE-4C81-A589-A7895089A7F7}">
@@ -4739,8 +4906,8 @@
       </dsp:nvSpPr>
       <dsp:spPr>
         <a:xfrm>
-          <a:off x="5976316" y="920307"/>
-          <a:ext cx="324259" cy="324609"/>
+          <a:off x="4482237" y="690231"/>
+          <a:ext cx="243194" cy="243457"/>
         </a:xfrm>
         <a:prstGeom prst="ellipse">
           <a:avLst/>
@@ -4789,8 +4956,8 @@
       </dsp:nvSpPr>
       <dsp:spPr>
         <a:xfrm>
-          <a:off x="2266472" y="2890158"/>
-          <a:ext cx="235118" cy="234972"/>
+          <a:off x="1699854" y="2167619"/>
+          <a:ext cx="176338" cy="176229"/>
         </a:xfrm>
         <a:prstGeom prst="ellipse">
           <a:avLst/>
@@ -4839,8 +5006,8 @@
       </dsp:nvSpPr>
       <dsp:spPr>
         <a:xfrm>
-          <a:off x="4609280" y="2555540"/>
-          <a:ext cx="235118" cy="234972"/>
+          <a:off x="3456960" y="1916655"/>
+          <a:ext cx="176338" cy="176229"/>
         </a:xfrm>
         <a:prstGeom prst="ellipse">
           <a:avLst/>
@@ -4889,8 +5056,8 @@
       </dsp:nvSpPr>
       <dsp:spPr>
         <a:xfrm>
-          <a:off x="7063365" y="2150866"/>
-          <a:ext cx="1185762" cy="1185739"/>
+          <a:off x="5297524" y="1613150"/>
+          <a:ext cx="889321" cy="889304"/>
         </a:xfrm>
         <a:prstGeom prst="ellipse">
           <a:avLst/>
@@ -4932,12 +5099,12 @@
         </a:fontRef>
       </dsp:style>
       <dsp:txBody>
-        <a:bodyPr spcFirstLastPara="0" vert="horz" wrap="square" lIns="83820" tIns="83820" rIns="83820" bIns="83820" numCol="1" spcCol="1270" anchor="ctr" anchorCtr="0">
+        <a:bodyPr spcFirstLastPara="0" vert="horz" wrap="square" lIns="60960" tIns="60960" rIns="60960" bIns="60960" numCol="1" spcCol="1270" anchor="ctr" anchorCtr="0">
           <a:noAutofit/>
         </a:bodyPr>
         <a:lstStyle/>
         <a:p>
-          <a:pPr lvl="0" algn="ctr" defTabSz="977900">
+          <a:pPr lvl="0" algn="ctr" defTabSz="711200">
             <a:lnSpc>
               <a:spcPct val="90000"/>
             </a:lnSpc>
@@ -4949,15 +5116,15 @@
             </a:spcAft>
           </a:pPr>
           <a:r>
-            <a:rPr lang="zh-CN" altLang="en-US" sz="2200" kern="1200" dirty="0" smtClean="0"/>
+            <a:rPr lang="zh-CN" altLang="en-US" sz="1600" kern="1200" dirty="0" smtClean="0"/>
             <a:t>接口</a:t>
           </a:r>
-          <a:endParaRPr lang="zh-CN" altLang="en-US" sz="2200" kern="1200" dirty="0"/>
+          <a:endParaRPr lang="zh-CN" altLang="en-US" sz="1600" kern="1200" dirty="0"/>
         </a:p>
       </dsp:txBody>
       <dsp:txXfrm>
-        <a:off x="7237016" y="2324513"/>
-        <a:ext cx="838460" cy="838445"/>
+        <a:off x="5427762" y="1743386"/>
+        <a:ext cx="628845" cy="628832"/>
       </dsp:txXfrm>
     </dsp:sp>
     <dsp:sp modelId="{CD2E1840-C826-43FA-9E6F-3D8BD7188BBB}">
@@ -4967,8 +5134,8 @@
       </dsp:nvSpPr>
       <dsp:spPr>
         <a:xfrm>
-          <a:off x="6728934" y="2109528"/>
-          <a:ext cx="235118" cy="234972"/>
+          <a:off x="5046701" y="1582146"/>
+          <a:ext cx="176338" cy="176229"/>
         </a:xfrm>
         <a:prstGeom prst="ellipse">
           <a:avLst/>
@@ -5017,8 +5184,8 @@
       </dsp:nvSpPr>
       <dsp:spPr>
         <a:xfrm>
-          <a:off x="3659832" y="3165598"/>
-          <a:ext cx="1185762" cy="1185739"/>
+          <a:off x="2744874" y="2374199"/>
+          <a:ext cx="889321" cy="889304"/>
         </a:xfrm>
         <a:prstGeom prst="ellipse">
           <a:avLst/>
@@ -5060,12 +5227,12 @@
         </a:fontRef>
       </dsp:style>
       <dsp:txBody>
-        <a:bodyPr spcFirstLastPara="0" vert="horz" wrap="square" lIns="83820" tIns="83820" rIns="83820" bIns="83820" numCol="1" spcCol="1270" anchor="ctr" anchorCtr="0">
+        <a:bodyPr spcFirstLastPara="0" vert="horz" wrap="square" lIns="60960" tIns="60960" rIns="60960" bIns="60960" numCol="1" spcCol="1270" anchor="ctr" anchorCtr="0">
           <a:noAutofit/>
         </a:bodyPr>
         <a:lstStyle/>
         <a:p>
-          <a:pPr lvl="0" algn="ctr" defTabSz="977900">
+          <a:pPr lvl="0" algn="ctr" defTabSz="711200">
             <a:lnSpc>
               <a:spcPct val="90000"/>
             </a:lnSpc>
@@ -5077,19 +5244,19 @@
             </a:spcAft>
           </a:pPr>
           <a:r>
-            <a:rPr lang="en-US" altLang="zh-CN" sz="2200" kern="1200" dirty="0" smtClean="0"/>
+            <a:rPr lang="en-US" altLang="zh-CN" sz="1600" kern="1200" dirty="0" smtClean="0"/>
             <a:t>DOM</a:t>
           </a:r>
           <a:r>
-            <a:rPr lang="zh-CN" altLang="en-US" sz="2200" kern="1200" dirty="0" smtClean="0"/>
+            <a:rPr lang="zh-CN" altLang="en-US" sz="1600" kern="1200" dirty="0" smtClean="0"/>
             <a:t>渲染</a:t>
           </a:r>
-          <a:endParaRPr lang="zh-CN" altLang="en-US" sz="2200" kern="1200" dirty="0"/>
+          <a:endParaRPr lang="zh-CN" altLang="en-US" sz="1600" kern="1200" dirty="0"/>
         </a:p>
       </dsp:txBody>
       <dsp:txXfrm>
-        <a:off x="3833483" y="3339245"/>
-        <a:ext cx="838460" cy="838445"/>
+        <a:off x="2875112" y="2504435"/>
+        <a:ext cx="628845" cy="628832"/>
       </dsp:txXfrm>
     </dsp:sp>
     <dsp:sp modelId="{58DCC5CB-97B4-41BE-AA6A-AC3DF55DBD02}">
@@ -5099,8 +5266,8 @@
       </dsp:nvSpPr>
       <dsp:spPr>
         <a:xfrm>
-          <a:off x="4718762" y="3125566"/>
-          <a:ext cx="235118" cy="234972"/>
+          <a:off x="3539072" y="2344174"/>
+          <a:ext cx="176338" cy="176229"/>
         </a:xfrm>
         <a:prstGeom prst="ellipse">
           <a:avLst/>
@@ -5161,8 +5328,8 @@
       </dsp:nvSpPr>
       <dsp:spPr>
         <a:xfrm>
-          <a:off x="788669" y="0"/>
-          <a:ext cx="8938260" cy="4351338"/>
+          <a:off x="591502" y="0"/>
+          <a:ext cx="6703695" cy="3263504"/>
         </a:xfrm>
         <a:prstGeom prst="rightArrow">
           <a:avLst/>
@@ -5201,8 +5368,8 @@
       </dsp:nvSpPr>
       <dsp:spPr>
         <a:xfrm>
-          <a:off x="3449" y="1305401"/>
-          <a:ext cx="3210229" cy="1740535"/>
+          <a:off x="295" y="979051"/>
+          <a:ext cx="2419469" cy="1305401"/>
         </a:xfrm>
         <a:prstGeom prst="roundRect">
           <a:avLst/>
@@ -5244,12 +5411,12 @@
         </a:fontRef>
       </dsp:style>
       <dsp:txBody>
-        <a:bodyPr spcFirstLastPara="0" vert="horz" wrap="square" lIns="217170" tIns="217170" rIns="217170" bIns="217170" numCol="1" spcCol="1270" anchor="ctr" anchorCtr="0">
+        <a:bodyPr spcFirstLastPara="0" vert="horz" wrap="square" lIns="163830" tIns="163830" rIns="163830" bIns="163830" numCol="1" spcCol="1270" anchor="ctr" anchorCtr="0">
           <a:noAutofit/>
         </a:bodyPr>
         <a:lstStyle/>
         <a:p>
-          <a:pPr lvl="0" algn="ctr" defTabSz="2533650">
+          <a:pPr lvl="0" algn="ctr" defTabSz="1911350">
             <a:lnSpc>
               <a:spcPct val="90000"/>
             </a:lnSpc>
@@ -5261,15 +5428,15 @@
             </a:spcAft>
           </a:pPr>
           <a:r>
-            <a:rPr lang="en-US" altLang="zh-CN" sz="5700" kern="1200" dirty="0" smtClean="0"/>
+            <a:rPr lang="en-US" altLang="zh-CN" sz="4300" kern="1200" dirty="0" smtClean="0"/>
             <a:t>client</a:t>
           </a:r>
-          <a:endParaRPr lang="zh-CN" altLang="en-US" sz="5700" kern="1200" dirty="0"/>
+          <a:endParaRPr lang="zh-CN" altLang="en-US" sz="4300" kern="1200" dirty="0"/>
         </a:p>
       </dsp:txBody>
       <dsp:txXfrm>
-        <a:off x="88415" y="1390367"/>
-        <a:ext cx="3040297" cy="1570603"/>
+        <a:off x="64019" y="1042775"/>
+        <a:ext cx="2292021" cy="1177953"/>
       </dsp:txXfrm>
     </dsp:sp>
     <dsp:sp modelId="{9AA61E1B-B63D-47B0-9428-697532BF05C1}">
@@ -5279,8 +5446,8 @@
       </dsp:nvSpPr>
       <dsp:spPr>
         <a:xfrm>
-          <a:off x="3652685" y="1305401"/>
-          <a:ext cx="3210229" cy="1740535"/>
+          <a:off x="2733615" y="979051"/>
+          <a:ext cx="2419469" cy="1305401"/>
         </a:xfrm>
         <a:prstGeom prst="roundRect">
           <a:avLst/>
@@ -5322,12 +5489,12 @@
         </a:fontRef>
       </dsp:style>
       <dsp:txBody>
-        <a:bodyPr spcFirstLastPara="0" vert="horz" wrap="square" lIns="217170" tIns="217170" rIns="217170" bIns="217170" numCol="1" spcCol="1270" anchor="ctr" anchorCtr="0">
+        <a:bodyPr spcFirstLastPara="0" vert="horz" wrap="square" lIns="163830" tIns="163830" rIns="163830" bIns="163830" numCol="1" spcCol="1270" anchor="ctr" anchorCtr="0">
           <a:noAutofit/>
         </a:bodyPr>
         <a:lstStyle/>
         <a:p>
-          <a:pPr lvl="0" algn="ctr" defTabSz="2533650">
+          <a:pPr lvl="0" algn="ctr" defTabSz="1911350">
             <a:lnSpc>
               <a:spcPct val="90000"/>
             </a:lnSpc>
@@ -5339,15 +5506,15 @@
             </a:spcAft>
           </a:pPr>
           <a:r>
-            <a:rPr lang="en-US" altLang="zh-CN" sz="5700" kern="1200" dirty="0" smtClean="0"/>
+            <a:rPr lang="en-US" altLang="zh-CN" sz="4300" kern="1200" dirty="0" smtClean="0"/>
             <a:t>server</a:t>
           </a:r>
-          <a:endParaRPr lang="zh-CN" altLang="en-US" sz="5700" kern="1200" dirty="0"/>
+          <a:endParaRPr lang="zh-CN" altLang="en-US" sz="4300" kern="1200" dirty="0"/>
         </a:p>
       </dsp:txBody>
       <dsp:txXfrm>
-        <a:off x="3737651" y="1390367"/>
-        <a:ext cx="3040297" cy="1570603"/>
+        <a:off x="2797339" y="1042775"/>
+        <a:ext cx="2292021" cy="1177953"/>
       </dsp:txXfrm>
     </dsp:sp>
     <dsp:sp modelId="{31C8AC20-005B-44DE-AFDB-5233BC4D3834}">
@@ -5357,8 +5524,8 @@
       </dsp:nvSpPr>
       <dsp:spPr>
         <a:xfrm>
-          <a:off x="7301920" y="1305401"/>
-          <a:ext cx="3210229" cy="1740535"/>
+          <a:off x="5466935" y="979051"/>
+          <a:ext cx="2419469" cy="1305401"/>
         </a:xfrm>
         <a:prstGeom prst="roundRect">
           <a:avLst/>
@@ -5400,12 +5567,12 @@
         </a:fontRef>
       </dsp:style>
       <dsp:txBody>
-        <a:bodyPr spcFirstLastPara="0" vert="horz" wrap="square" lIns="217170" tIns="217170" rIns="217170" bIns="217170" numCol="1" spcCol="1270" anchor="ctr" anchorCtr="0">
+        <a:bodyPr spcFirstLastPara="0" vert="horz" wrap="square" lIns="163830" tIns="163830" rIns="163830" bIns="163830" numCol="1" spcCol="1270" anchor="ctr" anchorCtr="0">
           <a:noAutofit/>
         </a:bodyPr>
         <a:lstStyle/>
         <a:p>
-          <a:pPr lvl="0" algn="ctr" defTabSz="2533650">
+          <a:pPr lvl="0" algn="ctr" defTabSz="1911350">
             <a:lnSpc>
               <a:spcPct val="90000"/>
             </a:lnSpc>
@@ -5417,15 +5584,15 @@
             </a:spcAft>
           </a:pPr>
           <a:r>
-            <a:rPr lang="en-US" altLang="zh-CN" sz="5700" kern="1200" dirty="0" smtClean="0"/>
+            <a:rPr lang="en-US" altLang="zh-CN" sz="4300" kern="1200" dirty="0" smtClean="0"/>
             <a:t>compare</a:t>
           </a:r>
-          <a:endParaRPr lang="zh-CN" altLang="en-US" sz="5700" kern="1200" dirty="0"/>
+          <a:endParaRPr lang="zh-CN" altLang="en-US" sz="4300" kern="1200" dirty="0"/>
         </a:p>
       </dsp:txBody>
       <dsp:txXfrm>
-        <a:off x="7386886" y="1390367"/>
-        <a:ext cx="3040297" cy="1570603"/>
+        <a:off x="5530659" y="1042775"/>
+        <a:ext cx="2292021" cy="1177953"/>
       </dsp:txXfrm>
     </dsp:sp>
   </dsp:spTree>
@@ -9692,8 +9859,8 @@
 </file>
 
 <file path=ppt/slideLayouts/slideLayout1.xml><?xml version="1.0" encoding="utf-8"?>
-<p:sldLayout xmlns:a="http://schemas.openxmlformats.org/drawingml/2006/main" xmlns:r="http://schemas.openxmlformats.org/officeDocument/2006/relationships" xmlns:p="http://schemas.openxmlformats.org/presentationml/2006/main" type="title" preserve="1">
-  <p:cSld name="标题幻灯片">
+<p:sldLayout xmlns:a="http://schemas.openxmlformats.org/drawingml/2006/main" xmlns:r="http://schemas.openxmlformats.org/officeDocument/2006/relationships" xmlns:p="http://schemas.openxmlformats.org/presentationml/2006/main" userDrawn="1">
+  <p:cSld name="1_标题幻灯片">
     <p:spTree>
       <p:nvGrpSpPr>
         <p:cNvPr id="1" name=""/>
@@ -9710,531 +9877,191 @@
       </p:grpSpPr>
       <p:sp>
         <p:nvSpPr>
-          <p:cNvPr id="2" name="标题 1"/>
+          <p:cNvPr id="9" name="矩形 8"/>
+          <p:cNvSpPr/>
+          <p:nvPr userDrawn="1"/>
+        </p:nvSpPr>
+        <p:spPr>
+          <a:xfrm>
+            <a:off x="0" y="1"/>
+            <a:ext cx="1219200" cy="346249"/>
+          </a:xfrm>
+          <a:prstGeom prst="rect">
+            <a:avLst/>
+          </a:prstGeom>
+          <a:noFill/>
+        </p:spPr>
+        <p:txBody>
+          <a:bodyPr wrap="square" lIns="68580" tIns="34290" rIns="68580" bIns="34290">
+            <a:spAutoFit/>
+          </a:bodyPr>
+          <a:lstStyle/>
+          <a:p>
+            <a:pPr algn="l"/>
+            <a:r>
+              <a:rPr lang="en-US" altLang="zh-CN" sz="1800" b="1" cap="none" spc="0" dirty="0" smtClean="0">
+                <a:ln w="12700">
+                  <a:solidFill>
+                    <a:schemeClr val="accent5"/>
+                  </a:solidFill>
+                  <a:prstDash val="solid"/>
+                </a:ln>
+                <a:pattFill prst="ltDnDiag">
+                  <a:fgClr>
+                    <a:schemeClr val="accent5">
+                      <a:lumMod val="60000"/>
+                      <a:lumOff val="40000"/>
+                    </a:schemeClr>
+                  </a:fgClr>
+                  <a:bgClr>
+                    <a:schemeClr val="bg1"/>
+                  </a:bgClr>
+                </a:pattFill>
+                <a:effectLst>
+                  <a:reflection blurRad="6350" stA="55000" endA="300" endPos="45500" dir="5400000" sy="-100000" algn="bl" rotWithShape="0"/>
+                </a:effectLst>
+                <a:latin typeface="微软雅黑" panose="020B0503020204020204" pitchFamily="34" charset="-122"/>
+                <a:ea typeface="微软雅黑" panose="020B0503020204020204" pitchFamily="34" charset="-122"/>
+              </a:rPr>
+              <a:t>ATS</a:t>
+            </a:r>
+            <a:endParaRPr lang="zh-CN" altLang="en-US" sz="1800" b="1" cap="none" spc="0" dirty="0">
+              <a:ln w="12700">
+                <a:solidFill>
+                  <a:schemeClr val="accent5"/>
+                </a:solidFill>
+                <a:prstDash val="solid"/>
+              </a:ln>
+              <a:pattFill prst="ltDnDiag">
+                <a:fgClr>
+                  <a:schemeClr val="accent5">
+                    <a:lumMod val="60000"/>
+                    <a:lumOff val="40000"/>
+                  </a:schemeClr>
+                </a:fgClr>
+                <a:bgClr>
+                  <a:schemeClr val="bg1"/>
+                </a:bgClr>
+              </a:pattFill>
+              <a:effectLst>
+                <a:reflection blurRad="6350" stA="55000" endA="300" endPos="45500" dir="5400000" sy="-100000" algn="bl" rotWithShape="0"/>
+              </a:effectLst>
+              <a:latin typeface="微软雅黑" panose="020B0503020204020204" pitchFamily="34" charset="-122"/>
+              <a:ea typeface="微软雅黑" panose="020B0503020204020204" pitchFamily="34" charset="-122"/>
+            </a:endParaRPr>
+          </a:p>
+        </p:txBody>
+      </p:sp>
+      <p:sp>
+        <p:nvSpPr>
+          <p:cNvPr id="8" name="标题 7"/>
           <p:cNvSpPr>
             <a:spLocks noGrp="1"/>
           </p:cNvSpPr>
           <p:nvPr>
-            <p:ph type="ctrTitle"/>
+            <p:ph type="title" hasCustomPrompt="1"/>
           </p:nvPr>
         </p:nvSpPr>
         <p:spPr>
           <a:xfrm>
-            <a:off x="1524000" y="1122363"/>
-            <a:ext cx="9144000" cy="2387600"/>
+            <a:off x="4161962" y="17757"/>
+            <a:ext cx="4973160" cy="346249"/>
           </a:xfrm>
+          <a:prstGeom prst="rect">
+            <a:avLst/>
+          </a:prstGeom>
         </p:spPr>
         <p:txBody>
-          <a:bodyPr anchor="b"/>
+          <a:bodyPr/>
           <a:lstStyle>
-            <a:lvl1pPr algn="ctr">
-              <a:defRPr sz="6000"/>
+            <a:lvl1pPr algn="r">
+              <a:defRPr sz="2000">
+                <a:solidFill>
+                  <a:schemeClr val="bg1"/>
+                </a:solidFill>
+                <a:latin typeface="微软雅黑" panose="020B0503020204020204" pitchFamily="34" charset="-122"/>
+                <a:ea typeface="微软雅黑" panose="020B0503020204020204" pitchFamily="34" charset="-122"/>
+              </a:defRPr>
+            </a:lvl1pPr>
+          </a:lstStyle>
+          <a:p>
+            <a:r>
+              <a:rPr lang="zh-CN" altLang="en-US" dirty="0" smtClean="0"/>
+              <a:t>标题</a:t>
+            </a:r>
+            <a:endParaRPr lang="zh-CN" altLang="en-US" dirty="0"/>
+          </a:p>
+        </p:txBody>
+      </p:sp>
+      <p:sp>
+        <p:nvSpPr>
+          <p:cNvPr id="11" name="标题 7"/>
+          <p:cNvSpPr txBox="1">
+            <a:spLocks/>
+          </p:cNvSpPr>
+          <p:nvPr userDrawn="1"/>
+        </p:nvSpPr>
+        <p:spPr>
+          <a:xfrm>
+            <a:off x="1219200" y="1784413"/>
+            <a:ext cx="4973160" cy="346249"/>
+          </a:xfrm>
+          <a:prstGeom prst="rect">
+            <a:avLst/>
+          </a:prstGeom>
+        </p:spPr>
+        <p:txBody>
+          <a:bodyPr/>
+          <a:lstStyle>
+            <a:lvl1pPr algn="r" defTabSz="914400" rtl="0" eaLnBrk="1" latinLnBrk="0" hangingPunct="1">
+              <a:lnSpc>
+                <a:spcPct val="90000"/>
+              </a:lnSpc>
+              <a:spcBef>
+                <a:spcPct val="0"/>
+              </a:spcBef>
+              <a:buNone/>
+              <a:defRPr sz="2000" kern="1200">
+                <a:solidFill>
+                  <a:schemeClr val="bg1"/>
+                </a:solidFill>
+                <a:latin typeface="微软雅黑" panose="020B0503020204020204" pitchFamily="34" charset="-122"/>
+                <a:ea typeface="微软雅黑" panose="020B0503020204020204" pitchFamily="34" charset="-122"/>
+                <a:cs typeface="+mj-cs"/>
+              </a:defRPr>
             </a:lvl1pPr>
           </a:lstStyle>
           <a:p>
             <a:r>
               <a:rPr lang="zh-CN" altLang="en-US" smtClean="0"/>
-              <a:t>单击此处编辑母版标题样式</a:t>
+              <a:t>标题</a:t>
             </a:r>
-            <a:endParaRPr lang="zh-CN" altLang="en-US"/>
-          </a:p>
-        </p:txBody>
-      </p:sp>
-      <p:sp>
-        <p:nvSpPr>
-          <p:cNvPr id="3" name="副标题 2"/>
-          <p:cNvSpPr>
-            <a:spLocks noGrp="1"/>
-          </p:cNvSpPr>
-          <p:nvPr>
-            <p:ph type="subTitle" idx="1"/>
-          </p:nvPr>
-        </p:nvSpPr>
-        <p:spPr>
-          <a:xfrm>
-            <a:off x="1524000" y="3602038"/>
-            <a:ext cx="9144000" cy="1655762"/>
-          </a:xfrm>
-        </p:spPr>
-        <p:txBody>
-          <a:bodyPr/>
-          <a:lstStyle>
-            <a:lvl1pPr marL="0" indent="0" algn="ctr">
-              <a:buNone/>
-              <a:defRPr sz="2400"/>
-            </a:lvl1pPr>
-            <a:lvl2pPr marL="457200" indent="0" algn="ctr">
-              <a:buNone/>
-              <a:defRPr sz="2000"/>
-            </a:lvl2pPr>
-            <a:lvl3pPr marL="914400" indent="0" algn="ctr">
-              <a:buNone/>
-              <a:defRPr sz="1800"/>
-            </a:lvl3pPr>
-            <a:lvl4pPr marL="1371600" indent="0" algn="ctr">
-              <a:buNone/>
-              <a:defRPr sz="1600"/>
-            </a:lvl4pPr>
-            <a:lvl5pPr marL="1828800" indent="0" algn="ctr">
-              <a:buNone/>
-              <a:defRPr sz="1600"/>
-            </a:lvl5pPr>
-            <a:lvl6pPr marL="2286000" indent="0" algn="ctr">
-              <a:buNone/>
-              <a:defRPr sz="1600"/>
-            </a:lvl6pPr>
-            <a:lvl7pPr marL="2743200" indent="0" algn="ctr">
-              <a:buNone/>
-              <a:defRPr sz="1600"/>
-            </a:lvl7pPr>
-            <a:lvl8pPr marL="3200400" indent="0" algn="ctr">
-              <a:buNone/>
-              <a:defRPr sz="1600"/>
-            </a:lvl8pPr>
-            <a:lvl9pPr marL="3657600" indent="0" algn="ctr">
-              <a:buNone/>
-              <a:defRPr sz="1600"/>
-            </a:lvl9pPr>
-          </a:lstStyle>
-          <a:p>
-            <a:r>
-              <a:rPr lang="zh-CN" altLang="en-US" smtClean="0"/>
-              <a:t>单击此处编辑母版副标题样式</a:t>
-            </a:r>
-            <a:endParaRPr lang="zh-CN" altLang="en-US"/>
-          </a:p>
-        </p:txBody>
-      </p:sp>
-      <p:sp>
-        <p:nvSpPr>
-          <p:cNvPr id="4" name="日期占位符 3"/>
-          <p:cNvSpPr>
-            <a:spLocks noGrp="1"/>
-          </p:cNvSpPr>
-          <p:nvPr>
-            <p:ph type="dt" sz="half" idx="10"/>
-          </p:nvPr>
-        </p:nvSpPr>
-        <p:spPr/>
-        <p:txBody>
-          <a:bodyPr/>
-          <a:lstStyle/>
-          <a:p>
-            <a:fld id="{9C515908-D9C7-4E1E-9BC1-F515A675506E}" type="datetimeFigureOut">
-              <a:rPr lang="zh-CN" altLang="en-US" smtClean="0"/>
-              <a:t>2018/9/24</a:t>
-            </a:fld>
-            <a:endParaRPr lang="zh-CN" altLang="en-US"/>
-          </a:p>
-        </p:txBody>
-      </p:sp>
-      <p:sp>
-        <p:nvSpPr>
-          <p:cNvPr id="5" name="页脚占位符 4"/>
-          <p:cNvSpPr>
-            <a:spLocks noGrp="1"/>
-          </p:cNvSpPr>
-          <p:nvPr>
-            <p:ph type="ftr" sz="quarter" idx="11"/>
-          </p:nvPr>
-        </p:nvSpPr>
-        <p:spPr/>
-        <p:txBody>
-          <a:bodyPr/>
-          <a:lstStyle/>
-          <a:p>
-            <a:endParaRPr lang="zh-CN" altLang="en-US"/>
-          </a:p>
-        </p:txBody>
-      </p:sp>
-      <p:sp>
-        <p:nvSpPr>
-          <p:cNvPr id="6" name="灯片编号占位符 5"/>
-          <p:cNvSpPr>
-            <a:spLocks noGrp="1"/>
-          </p:cNvSpPr>
-          <p:nvPr>
-            <p:ph type="sldNum" sz="quarter" idx="12"/>
-          </p:nvPr>
-        </p:nvSpPr>
-        <p:spPr/>
-        <p:txBody>
-          <a:bodyPr/>
-          <a:lstStyle/>
-          <a:p>
-            <a:fld id="{716FDA15-ADD9-48DB-875E-39453D30CAF6}" type="slidenum">
-              <a:rPr lang="zh-CN" altLang="en-US" smtClean="0"/>
-              <a:t>‹#›</a:t>
-            </a:fld>
-            <a:endParaRPr lang="zh-CN" altLang="en-US"/>
+            <a:endParaRPr lang="zh-CN" altLang="en-US" dirty="0"/>
           </a:p>
         </p:txBody>
       </p:sp>
     </p:spTree>
     <p:extLst>
       <p:ext uri="{BB962C8B-B14F-4D97-AF65-F5344CB8AC3E}">
-        <p14:creationId xmlns:p14="http://schemas.microsoft.com/office/powerpoint/2010/main" val="597688480"/>
+        <p14:creationId xmlns:p14="http://schemas.microsoft.com/office/powerpoint/2010/main" val="1811265372"/>
       </p:ext>
     </p:extLst>
   </p:cSld>
   <p:clrMapOvr>
     <a:masterClrMapping/>
   </p:clrMapOvr>
-</p:sldLayout>
-</file>
-
-<file path=ppt/slideLayouts/slideLayout10.xml><?xml version="1.0" encoding="utf-8"?>
-<p:sldLayout xmlns:a="http://schemas.openxmlformats.org/drawingml/2006/main" xmlns:r="http://schemas.openxmlformats.org/officeDocument/2006/relationships" xmlns:p="http://schemas.openxmlformats.org/presentationml/2006/main" type="vertTx" preserve="1">
-  <p:cSld name="标题和竖排文字">
-    <p:spTree>
-      <p:nvGrpSpPr>
-        <p:cNvPr id="1" name=""/>
-        <p:cNvGrpSpPr/>
-        <p:nvPr/>
-      </p:nvGrpSpPr>
-      <p:grpSpPr>
-        <a:xfrm>
-          <a:off x="0" y="0"/>
-          <a:ext cx="0" cy="0"/>
-          <a:chOff x="0" y="0"/>
-          <a:chExt cx="0" cy="0"/>
-        </a:xfrm>
-      </p:grpSpPr>
-      <p:sp>
-        <p:nvSpPr>
-          <p:cNvPr id="2" name="标题 1"/>
-          <p:cNvSpPr>
-            <a:spLocks noGrp="1"/>
-          </p:cNvSpPr>
-          <p:nvPr>
-            <p:ph type="title"/>
-          </p:nvPr>
-        </p:nvSpPr>
-        <p:spPr/>
-        <p:txBody>
-          <a:bodyPr/>
-          <a:lstStyle/>
-          <a:p>
-            <a:r>
-              <a:rPr lang="zh-CN" altLang="en-US" smtClean="0"/>
-              <a:t>单击此处编辑母版标题样式</a:t>
-            </a:r>
-            <a:endParaRPr lang="zh-CN" altLang="en-US"/>
-          </a:p>
-        </p:txBody>
-      </p:sp>
-      <p:sp>
-        <p:nvSpPr>
-          <p:cNvPr id="3" name="竖排文字占位符 2"/>
-          <p:cNvSpPr>
-            <a:spLocks noGrp="1"/>
-          </p:cNvSpPr>
-          <p:nvPr>
-            <p:ph type="body" orient="vert" idx="1"/>
-          </p:nvPr>
-        </p:nvSpPr>
-        <p:spPr/>
-        <p:txBody>
-          <a:bodyPr vert="eaVert"/>
-          <a:lstStyle/>
-          <a:p>
-            <a:pPr lvl="0"/>
-            <a:r>
-              <a:rPr lang="zh-CN" altLang="en-US" smtClean="0"/>
-              <a:t>单击此处编辑母版文本样式</a:t>
-            </a:r>
-          </a:p>
-          <a:p>
-            <a:pPr lvl="1"/>
-            <a:r>
-              <a:rPr lang="zh-CN" altLang="en-US" smtClean="0"/>
-              <a:t>第二级</a:t>
-            </a:r>
-          </a:p>
-          <a:p>
-            <a:pPr lvl="2"/>
-            <a:r>
-              <a:rPr lang="zh-CN" altLang="en-US" smtClean="0"/>
-              <a:t>第三级</a:t>
-            </a:r>
-          </a:p>
-          <a:p>
-            <a:pPr lvl="3"/>
-            <a:r>
-              <a:rPr lang="zh-CN" altLang="en-US" smtClean="0"/>
-              <a:t>第四级</a:t>
-            </a:r>
-          </a:p>
-          <a:p>
-            <a:pPr lvl="4"/>
-            <a:r>
-              <a:rPr lang="zh-CN" altLang="en-US" smtClean="0"/>
-              <a:t>第五级</a:t>
-            </a:r>
-            <a:endParaRPr lang="zh-CN" altLang="en-US"/>
-          </a:p>
-        </p:txBody>
-      </p:sp>
-      <p:sp>
-        <p:nvSpPr>
-          <p:cNvPr id="4" name="日期占位符 3"/>
-          <p:cNvSpPr>
-            <a:spLocks noGrp="1"/>
-          </p:cNvSpPr>
-          <p:nvPr>
-            <p:ph type="dt" sz="half" idx="10"/>
-          </p:nvPr>
-        </p:nvSpPr>
-        <p:spPr/>
-        <p:txBody>
-          <a:bodyPr/>
-          <a:lstStyle/>
-          <a:p>
-            <a:fld id="{9C515908-D9C7-4E1E-9BC1-F515A675506E}" type="datetimeFigureOut">
-              <a:rPr lang="zh-CN" altLang="en-US" smtClean="0"/>
-              <a:t>2018/9/24</a:t>
-            </a:fld>
-            <a:endParaRPr lang="zh-CN" altLang="en-US"/>
-          </a:p>
-        </p:txBody>
-      </p:sp>
-      <p:sp>
-        <p:nvSpPr>
-          <p:cNvPr id="5" name="页脚占位符 4"/>
-          <p:cNvSpPr>
-            <a:spLocks noGrp="1"/>
-          </p:cNvSpPr>
-          <p:nvPr>
-            <p:ph type="ftr" sz="quarter" idx="11"/>
-          </p:nvPr>
-        </p:nvSpPr>
-        <p:spPr/>
-        <p:txBody>
-          <a:bodyPr/>
-          <a:lstStyle/>
-          <a:p>
-            <a:endParaRPr lang="zh-CN" altLang="en-US"/>
-          </a:p>
-        </p:txBody>
-      </p:sp>
-      <p:sp>
-        <p:nvSpPr>
-          <p:cNvPr id="6" name="灯片编号占位符 5"/>
-          <p:cNvSpPr>
-            <a:spLocks noGrp="1"/>
-          </p:cNvSpPr>
-          <p:nvPr>
-            <p:ph type="sldNum" sz="quarter" idx="12"/>
-          </p:nvPr>
-        </p:nvSpPr>
-        <p:spPr/>
-        <p:txBody>
-          <a:bodyPr/>
-          <a:lstStyle/>
-          <a:p>
-            <a:fld id="{716FDA15-ADD9-48DB-875E-39453D30CAF6}" type="slidenum">
-              <a:rPr lang="zh-CN" altLang="en-US" smtClean="0"/>
-              <a:t>‹#›</a:t>
-            </a:fld>
-            <a:endParaRPr lang="zh-CN" altLang="en-US"/>
-          </a:p>
-        </p:txBody>
-      </p:sp>
-    </p:spTree>
-    <p:extLst>
-      <p:ext uri="{BB962C8B-B14F-4D97-AF65-F5344CB8AC3E}">
-        <p14:creationId xmlns:p14="http://schemas.microsoft.com/office/powerpoint/2010/main" val="2730416455"/>
-      </p:ext>
-    </p:extLst>
-  </p:cSld>
-  <p:clrMapOvr>
-    <a:masterClrMapping/>
-  </p:clrMapOvr>
-</p:sldLayout>
-</file>
-
-<file path=ppt/slideLayouts/slideLayout11.xml><?xml version="1.0" encoding="utf-8"?>
-<p:sldLayout xmlns:a="http://schemas.openxmlformats.org/drawingml/2006/main" xmlns:r="http://schemas.openxmlformats.org/officeDocument/2006/relationships" xmlns:p="http://schemas.openxmlformats.org/presentationml/2006/main" type="vertTitleAndTx" preserve="1">
-  <p:cSld name="垂直排列标题与&#10;文本">
-    <p:spTree>
-      <p:nvGrpSpPr>
-        <p:cNvPr id="1" name=""/>
-        <p:cNvGrpSpPr/>
-        <p:nvPr/>
-      </p:nvGrpSpPr>
-      <p:grpSpPr>
-        <a:xfrm>
-          <a:off x="0" y="0"/>
-          <a:ext cx="0" cy="0"/>
-          <a:chOff x="0" y="0"/>
-          <a:chExt cx="0" cy="0"/>
-        </a:xfrm>
-      </p:grpSpPr>
-      <p:sp>
-        <p:nvSpPr>
-          <p:cNvPr id="2" name="竖排标题 1"/>
-          <p:cNvSpPr>
-            <a:spLocks noGrp="1"/>
-          </p:cNvSpPr>
-          <p:nvPr>
-            <p:ph type="title" orient="vert"/>
-          </p:nvPr>
-        </p:nvSpPr>
-        <p:spPr>
-          <a:xfrm>
-            <a:off x="8724900" y="365125"/>
-            <a:ext cx="2628900" cy="5811838"/>
-          </a:xfrm>
-        </p:spPr>
-        <p:txBody>
-          <a:bodyPr vert="eaVert"/>
-          <a:lstStyle/>
-          <a:p>
-            <a:r>
-              <a:rPr lang="zh-CN" altLang="en-US" smtClean="0"/>
-              <a:t>单击此处编辑母版标题样式</a:t>
-            </a:r>
-            <a:endParaRPr lang="zh-CN" altLang="en-US"/>
-          </a:p>
-        </p:txBody>
-      </p:sp>
-      <p:sp>
-        <p:nvSpPr>
-          <p:cNvPr id="3" name="竖排文字占位符 2"/>
-          <p:cNvSpPr>
-            <a:spLocks noGrp="1"/>
-          </p:cNvSpPr>
-          <p:nvPr>
-            <p:ph type="body" orient="vert" idx="1"/>
-          </p:nvPr>
-        </p:nvSpPr>
-        <p:spPr>
-          <a:xfrm>
-            <a:off x="838200" y="365125"/>
-            <a:ext cx="7734300" cy="5811838"/>
-          </a:xfrm>
-        </p:spPr>
-        <p:txBody>
-          <a:bodyPr vert="eaVert"/>
-          <a:lstStyle/>
-          <a:p>
-            <a:pPr lvl="0"/>
-            <a:r>
-              <a:rPr lang="zh-CN" altLang="en-US" smtClean="0"/>
-              <a:t>单击此处编辑母版文本样式</a:t>
-            </a:r>
-          </a:p>
-          <a:p>
-            <a:pPr lvl="1"/>
-            <a:r>
-              <a:rPr lang="zh-CN" altLang="en-US" smtClean="0"/>
-              <a:t>第二级</a:t>
-            </a:r>
-          </a:p>
-          <a:p>
-            <a:pPr lvl="2"/>
-            <a:r>
-              <a:rPr lang="zh-CN" altLang="en-US" smtClean="0"/>
-              <a:t>第三级</a:t>
-            </a:r>
-          </a:p>
-          <a:p>
-            <a:pPr lvl="3"/>
-            <a:r>
-              <a:rPr lang="zh-CN" altLang="en-US" smtClean="0"/>
-              <a:t>第四级</a:t>
-            </a:r>
-          </a:p>
-          <a:p>
-            <a:pPr lvl="4"/>
-            <a:r>
-              <a:rPr lang="zh-CN" altLang="en-US" smtClean="0"/>
-              <a:t>第五级</a:t>
-            </a:r>
-            <a:endParaRPr lang="zh-CN" altLang="en-US"/>
-          </a:p>
-        </p:txBody>
-      </p:sp>
-      <p:sp>
-        <p:nvSpPr>
-          <p:cNvPr id="4" name="日期占位符 3"/>
-          <p:cNvSpPr>
-            <a:spLocks noGrp="1"/>
-          </p:cNvSpPr>
-          <p:nvPr>
-            <p:ph type="dt" sz="half" idx="10"/>
-          </p:nvPr>
-        </p:nvSpPr>
-        <p:spPr/>
-        <p:txBody>
-          <a:bodyPr/>
-          <a:lstStyle/>
-          <a:p>
-            <a:fld id="{9C515908-D9C7-4E1E-9BC1-F515A675506E}" type="datetimeFigureOut">
-              <a:rPr lang="zh-CN" altLang="en-US" smtClean="0"/>
-              <a:t>2018/9/24</a:t>
-            </a:fld>
-            <a:endParaRPr lang="zh-CN" altLang="en-US"/>
-          </a:p>
-        </p:txBody>
-      </p:sp>
-      <p:sp>
-        <p:nvSpPr>
-          <p:cNvPr id="5" name="页脚占位符 4"/>
-          <p:cNvSpPr>
-            <a:spLocks noGrp="1"/>
-          </p:cNvSpPr>
-          <p:nvPr>
-            <p:ph type="ftr" sz="quarter" idx="11"/>
-          </p:nvPr>
-        </p:nvSpPr>
-        <p:spPr/>
-        <p:txBody>
-          <a:bodyPr/>
-          <a:lstStyle/>
-          <a:p>
-            <a:endParaRPr lang="zh-CN" altLang="en-US"/>
-          </a:p>
-        </p:txBody>
-      </p:sp>
-      <p:sp>
-        <p:nvSpPr>
-          <p:cNvPr id="6" name="灯片编号占位符 5"/>
-          <p:cNvSpPr>
-            <a:spLocks noGrp="1"/>
-          </p:cNvSpPr>
-          <p:nvPr>
-            <p:ph type="sldNum" sz="quarter" idx="12"/>
-          </p:nvPr>
-        </p:nvSpPr>
-        <p:spPr/>
-        <p:txBody>
-          <a:bodyPr/>
-          <a:lstStyle/>
-          <a:p>
-            <a:fld id="{716FDA15-ADD9-48DB-875E-39453D30CAF6}" type="slidenum">
-              <a:rPr lang="zh-CN" altLang="en-US" smtClean="0"/>
-              <a:t>‹#›</a:t>
-            </a:fld>
-            <a:endParaRPr lang="zh-CN" altLang="en-US"/>
-          </a:p>
-        </p:txBody>
-      </p:sp>
-    </p:spTree>
-    <p:extLst>
-      <p:ext uri="{BB962C8B-B14F-4D97-AF65-F5344CB8AC3E}">
-        <p14:creationId xmlns:p14="http://schemas.microsoft.com/office/powerpoint/2010/main" val="3617078363"/>
-      </p:ext>
-    </p:extLst>
-  </p:cSld>
-  <p:clrMapOvr>
-    <a:masterClrMapping/>
-  </p:clrMapOvr>
+  <p:timing>
+    <p:tnLst>
+      <p:par>
+        <p:cTn id="1" dur="indefinite" restart="never" nodeType="tmRoot"/>
+      </p:par>
+    </p:tnLst>
+  </p:timing>
 </p:sldLayout>
 </file>
 
 <file path=ppt/slideLayouts/slideLayout2.xml><?xml version="1.0" encoding="utf-8"?>
-<p:sldLayout xmlns:a="http://schemas.openxmlformats.org/drawingml/2006/main" xmlns:r="http://schemas.openxmlformats.org/officeDocument/2006/relationships" xmlns:p="http://schemas.openxmlformats.org/presentationml/2006/main" type="obj" preserve="1">
+<p:sldLayout xmlns:a="http://schemas.openxmlformats.org/drawingml/2006/main" xmlns:r="http://schemas.openxmlformats.org/officeDocument/2006/relationships" xmlns:p="http://schemas.openxmlformats.org/presentationml/2006/main" preserve="1" userDrawn="1">
   <p:cSld name="标题和内容">
     <p:spTree>
       <p:nvGrpSpPr>
@@ -10250,1744 +10077,23 @@
           <a:chExt cx="0" cy="0"/>
         </a:xfrm>
       </p:grpSpPr>
-      <p:sp>
-        <p:nvSpPr>
-          <p:cNvPr id="2" name="标题 1"/>
-          <p:cNvSpPr>
-            <a:spLocks noGrp="1"/>
-          </p:cNvSpPr>
-          <p:nvPr>
-            <p:ph type="title"/>
-          </p:nvPr>
-        </p:nvSpPr>
-        <p:spPr/>
-        <p:txBody>
-          <a:bodyPr/>
-          <a:lstStyle/>
-          <a:p>
-            <a:r>
-              <a:rPr lang="zh-CN" altLang="en-US" smtClean="0"/>
-              <a:t>单击此处编辑母版标题样式</a:t>
-            </a:r>
-            <a:endParaRPr lang="zh-CN" altLang="en-US"/>
-          </a:p>
-        </p:txBody>
-      </p:sp>
-      <p:sp>
-        <p:nvSpPr>
-          <p:cNvPr id="3" name="内容占位符 2"/>
-          <p:cNvSpPr>
-            <a:spLocks noGrp="1"/>
-          </p:cNvSpPr>
-          <p:nvPr>
-            <p:ph idx="1"/>
-          </p:nvPr>
-        </p:nvSpPr>
-        <p:spPr/>
-        <p:txBody>
-          <a:bodyPr/>
-          <a:lstStyle/>
-          <a:p>
-            <a:pPr lvl="0"/>
-            <a:r>
-              <a:rPr lang="zh-CN" altLang="en-US" smtClean="0"/>
-              <a:t>单击此处编辑母版文本样式</a:t>
-            </a:r>
-          </a:p>
-          <a:p>
-            <a:pPr lvl="1"/>
-            <a:r>
-              <a:rPr lang="zh-CN" altLang="en-US" smtClean="0"/>
-              <a:t>第二级</a:t>
-            </a:r>
-          </a:p>
-          <a:p>
-            <a:pPr lvl="2"/>
-            <a:r>
-              <a:rPr lang="zh-CN" altLang="en-US" smtClean="0"/>
-              <a:t>第三级</a:t>
-            </a:r>
-          </a:p>
-          <a:p>
-            <a:pPr lvl="3"/>
-            <a:r>
-              <a:rPr lang="zh-CN" altLang="en-US" smtClean="0"/>
-              <a:t>第四级</a:t>
-            </a:r>
-          </a:p>
-          <a:p>
-            <a:pPr lvl="4"/>
-            <a:r>
-              <a:rPr lang="zh-CN" altLang="en-US" smtClean="0"/>
-              <a:t>第五级</a:t>
-            </a:r>
-            <a:endParaRPr lang="zh-CN" altLang="en-US"/>
-          </a:p>
-        </p:txBody>
-      </p:sp>
-      <p:sp>
-        <p:nvSpPr>
-          <p:cNvPr id="4" name="日期占位符 3"/>
-          <p:cNvSpPr>
-            <a:spLocks noGrp="1"/>
-          </p:cNvSpPr>
-          <p:nvPr>
-            <p:ph type="dt" sz="half" idx="10"/>
-          </p:nvPr>
-        </p:nvSpPr>
-        <p:spPr/>
-        <p:txBody>
-          <a:bodyPr/>
-          <a:lstStyle/>
-          <a:p>
-            <a:fld id="{9C515908-D9C7-4E1E-9BC1-F515A675506E}" type="datetimeFigureOut">
-              <a:rPr lang="zh-CN" altLang="en-US" smtClean="0"/>
-              <a:t>2018/9/24</a:t>
-            </a:fld>
-            <a:endParaRPr lang="zh-CN" altLang="en-US"/>
-          </a:p>
-        </p:txBody>
-      </p:sp>
-      <p:sp>
-        <p:nvSpPr>
-          <p:cNvPr id="5" name="页脚占位符 4"/>
-          <p:cNvSpPr>
-            <a:spLocks noGrp="1"/>
-          </p:cNvSpPr>
-          <p:nvPr>
-            <p:ph type="ftr" sz="quarter" idx="11"/>
-          </p:nvPr>
-        </p:nvSpPr>
-        <p:spPr/>
-        <p:txBody>
-          <a:bodyPr/>
-          <a:lstStyle/>
-          <a:p>
-            <a:endParaRPr lang="zh-CN" altLang="en-US"/>
-          </a:p>
-        </p:txBody>
-      </p:sp>
-      <p:sp>
-        <p:nvSpPr>
-          <p:cNvPr id="6" name="灯片编号占位符 5"/>
-          <p:cNvSpPr>
-            <a:spLocks noGrp="1"/>
-          </p:cNvSpPr>
-          <p:nvPr>
-            <p:ph type="sldNum" sz="quarter" idx="12"/>
-          </p:nvPr>
-        </p:nvSpPr>
-        <p:spPr/>
-        <p:txBody>
-          <a:bodyPr/>
-          <a:lstStyle/>
-          <a:p>
-            <a:fld id="{716FDA15-ADD9-48DB-875E-39453D30CAF6}" type="slidenum">
-              <a:rPr lang="zh-CN" altLang="en-US" smtClean="0"/>
-              <a:t>‹#›</a:t>
-            </a:fld>
-            <a:endParaRPr lang="zh-CN" altLang="en-US"/>
-          </a:p>
-        </p:txBody>
-      </p:sp>
     </p:spTree>
     <p:extLst>
       <p:ext uri="{BB962C8B-B14F-4D97-AF65-F5344CB8AC3E}">
-        <p14:creationId xmlns:p14="http://schemas.microsoft.com/office/powerpoint/2010/main" val="3382753884"/>
+        <p14:creationId xmlns:p14="http://schemas.microsoft.com/office/powerpoint/2010/main" val="878659834"/>
       </p:ext>
     </p:extLst>
   </p:cSld>
   <p:clrMapOvr>
     <a:masterClrMapping/>
   </p:clrMapOvr>
-</p:sldLayout>
-</file>
-
-<file path=ppt/slideLayouts/slideLayout3.xml><?xml version="1.0" encoding="utf-8"?>
-<p:sldLayout xmlns:a="http://schemas.openxmlformats.org/drawingml/2006/main" xmlns:r="http://schemas.openxmlformats.org/officeDocument/2006/relationships" xmlns:p="http://schemas.openxmlformats.org/presentationml/2006/main" type="secHead" preserve="1">
-  <p:cSld name="节标题">
-    <p:spTree>
-      <p:nvGrpSpPr>
-        <p:cNvPr id="1" name=""/>
-        <p:cNvGrpSpPr/>
-        <p:nvPr/>
-      </p:nvGrpSpPr>
-      <p:grpSpPr>
-        <a:xfrm>
-          <a:off x="0" y="0"/>
-          <a:ext cx="0" cy="0"/>
-          <a:chOff x="0" y="0"/>
-          <a:chExt cx="0" cy="0"/>
-        </a:xfrm>
-      </p:grpSpPr>
-      <p:sp>
-        <p:nvSpPr>
-          <p:cNvPr id="2" name="标题 1"/>
-          <p:cNvSpPr>
-            <a:spLocks noGrp="1"/>
-          </p:cNvSpPr>
-          <p:nvPr>
-            <p:ph type="title"/>
-          </p:nvPr>
-        </p:nvSpPr>
-        <p:spPr>
-          <a:xfrm>
-            <a:off x="831850" y="1709738"/>
-            <a:ext cx="10515600" cy="2852737"/>
-          </a:xfrm>
-        </p:spPr>
-        <p:txBody>
-          <a:bodyPr anchor="b"/>
-          <a:lstStyle>
-            <a:lvl1pPr>
-              <a:defRPr sz="6000"/>
-            </a:lvl1pPr>
-          </a:lstStyle>
-          <a:p>
-            <a:r>
-              <a:rPr lang="zh-CN" altLang="en-US" smtClean="0"/>
-              <a:t>单击此处编辑母版标题样式</a:t>
-            </a:r>
-            <a:endParaRPr lang="zh-CN" altLang="en-US"/>
-          </a:p>
-        </p:txBody>
-      </p:sp>
-      <p:sp>
-        <p:nvSpPr>
-          <p:cNvPr id="3" name="文本占位符 2"/>
-          <p:cNvSpPr>
-            <a:spLocks noGrp="1"/>
-          </p:cNvSpPr>
-          <p:nvPr>
-            <p:ph type="body" idx="1"/>
-          </p:nvPr>
-        </p:nvSpPr>
-        <p:spPr>
-          <a:xfrm>
-            <a:off x="831850" y="4589463"/>
-            <a:ext cx="10515600" cy="1500187"/>
-          </a:xfrm>
-        </p:spPr>
-        <p:txBody>
-          <a:bodyPr/>
-          <a:lstStyle>
-            <a:lvl1pPr marL="0" indent="0">
-              <a:buNone/>
-              <a:defRPr sz="2400">
-                <a:solidFill>
-                  <a:schemeClr val="tx1">
-                    <a:tint val="75000"/>
-                  </a:schemeClr>
-                </a:solidFill>
-              </a:defRPr>
-            </a:lvl1pPr>
-            <a:lvl2pPr marL="457200" indent="0">
-              <a:buNone/>
-              <a:defRPr sz="2000">
-                <a:solidFill>
-                  <a:schemeClr val="tx1">
-                    <a:tint val="75000"/>
-                  </a:schemeClr>
-                </a:solidFill>
-              </a:defRPr>
-            </a:lvl2pPr>
-            <a:lvl3pPr marL="914400" indent="0">
-              <a:buNone/>
-              <a:defRPr sz="1800">
-                <a:solidFill>
-                  <a:schemeClr val="tx1">
-                    <a:tint val="75000"/>
-                  </a:schemeClr>
-                </a:solidFill>
-              </a:defRPr>
-            </a:lvl3pPr>
-            <a:lvl4pPr marL="1371600" indent="0">
-              <a:buNone/>
-              <a:defRPr sz="1600">
-                <a:solidFill>
-                  <a:schemeClr val="tx1">
-                    <a:tint val="75000"/>
-                  </a:schemeClr>
-                </a:solidFill>
-              </a:defRPr>
-            </a:lvl4pPr>
-            <a:lvl5pPr marL="1828800" indent="0">
-              <a:buNone/>
-              <a:defRPr sz="1600">
-                <a:solidFill>
-                  <a:schemeClr val="tx1">
-                    <a:tint val="75000"/>
-                  </a:schemeClr>
-                </a:solidFill>
-              </a:defRPr>
-            </a:lvl5pPr>
-            <a:lvl6pPr marL="2286000" indent="0">
-              <a:buNone/>
-              <a:defRPr sz="1600">
-                <a:solidFill>
-                  <a:schemeClr val="tx1">
-                    <a:tint val="75000"/>
-                  </a:schemeClr>
-                </a:solidFill>
-              </a:defRPr>
-            </a:lvl6pPr>
-            <a:lvl7pPr marL="2743200" indent="0">
-              <a:buNone/>
-              <a:defRPr sz="1600">
-                <a:solidFill>
-                  <a:schemeClr val="tx1">
-                    <a:tint val="75000"/>
-                  </a:schemeClr>
-                </a:solidFill>
-              </a:defRPr>
-            </a:lvl7pPr>
-            <a:lvl8pPr marL="3200400" indent="0">
-              <a:buNone/>
-              <a:defRPr sz="1600">
-                <a:solidFill>
-                  <a:schemeClr val="tx1">
-                    <a:tint val="75000"/>
-                  </a:schemeClr>
-                </a:solidFill>
-              </a:defRPr>
-            </a:lvl8pPr>
-            <a:lvl9pPr marL="3657600" indent="0">
-              <a:buNone/>
-              <a:defRPr sz="1600">
-                <a:solidFill>
-                  <a:schemeClr val="tx1">
-                    <a:tint val="75000"/>
-                  </a:schemeClr>
-                </a:solidFill>
-              </a:defRPr>
-            </a:lvl9pPr>
-          </a:lstStyle>
-          <a:p>
-            <a:pPr lvl="0"/>
-            <a:r>
-              <a:rPr lang="zh-CN" altLang="en-US" smtClean="0"/>
-              <a:t>单击此处编辑母版文本样式</a:t>
-            </a:r>
-          </a:p>
-        </p:txBody>
-      </p:sp>
-      <p:sp>
-        <p:nvSpPr>
-          <p:cNvPr id="4" name="日期占位符 3"/>
-          <p:cNvSpPr>
-            <a:spLocks noGrp="1"/>
-          </p:cNvSpPr>
-          <p:nvPr>
-            <p:ph type="dt" sz="half" idx="10"/>
-          </p:nvPr>
-        </p:nvSpPr>
-        <p:spPr/>
-        <p:txBody>
-          <a:bodyPr/>
-          <a:lstStyle/>
-          <a:p>
-            <a:fld id="{9C515908-D9C7-4E1E-9BC1-F515A675506E}" type="datetimeFigureOut">
-              <a:rPr lang="zh-CN" altLang="en-US" smtClean="0"/>
-              <a:t>2018/9/24</a:t>
-            </a:fld>
-            <a:endParaRPr lang="zh-CN" altLang="en-US"/>
-          </a:p>
-        </p:txBody>
-      </p:sp>
-      <p:sp>
-        <p:nvSpPr>
-          <p:cNvPr id="5" name="页脚占位符 4"/>
-          <p:cNvSpPr>
-            <a:spLocks noGrp="1"/>
-          </p:cNvSpPr>
-          <p:nvPr>
-            <p:ph type="ftr" sz="quarter" idx="11"/>
-          </p:nvPr>
-        </p:nvSpPr>
-        <p:spPr/>
-        <p:txBody>
-          <a:bodyPr/>
-          <a:lstStyle/>
-          <a:p>
-            <a:endParaRPr lang="zh-CN" altLang="en-US"/>
-          </a:p>
-        </p:txBody>
-      </p:sp>
-      <p:sp>
-        <p:nvSpPr>
-          <p:cNvPr id="6" name="灯片编号占位符 5"/>
-          <p:cNvSpPr>
-            <a:spLocks noGrp="1"/>
-          </p:cNvSpPr>
-          <p:nvPr>
-            <p:ph type="sldNum" sz="quarter" idx="12"/>
-          </p:nvPr>
-        </p:nvSpPr>
-        <p:spPr/>
-        <p:txBody>
-          <a:bodyPr/>
-          <a:lstStyle/>
-          <a:p>
-            <a:fld id="{716FDA15-ADD9-48DB-875E-39453D30CAF6}" type="slidenum">
-              <a:rPr lang="zh-CN" altLang="en-US" smtClean="0"/>
-              <a:t>‹#›</a:t>
-            </a:fld>
-            <a:endParaRPr lang="zh-CN" altLang="en-US"/>
-          </a:p>
-        </p:txBody>
-      </p:sp>
-    </p:spTree>
-    <p:extLst>
-      <p:ext uri="{BB962C8B-B14F-4D97-AF65-F5344CB8AC3E}">
-        <p14:creationId xmlns:p14="http://schemas.microsoft.com/office/powerpoint/2010/main" val="4162520491"/>
-      </p:ext>
-    </p:extLst>
-  </p:cSld>
-  <p:clrMapOvr>
-    <a:masterClrMapping/>
-  </p:clrMapOvr>
-</p:sldLayout>
-</file>
-
-<file path=ppt/slideLayouts/slideLayout4.xml><?xml version="1.0" encoding="utf-8"?>
-<p:sldLayout xmlns:a="http://schemas.openxmlformats.org/drawingml/2006/main" xmlns:r="http://schemas.openxmlformats.org/officeDocument/2006/relationships" xmlns:p="http://schemas.openxmlformats.org/presentationml/2006/main" type="twoObj" preserve="1">
-  <p:cSld name="两栏内容">
-    <p:spTree>
-      <p:nvGrpSpPr>
-        <p:cNvPr id="1" name=""/>
-        <p:cNvGrpSpPr/>
-        <p:nvPr/>
-      </p:nvGrpSpPr>
-      <p:grpSpPr>
-        <a:xfrm>
-          <a:off x="0" y="0"/>
-          <a:ext cx="0" cy="0"/>
-          <a:chOff x="0" y="0"/>
-          <a:chExt cx="0" cy="0"/>
-        </a:xfrm>
-      </p:grpSpPr>
-      <p:sp>
-        <p:nvSpPr>
-          <p:cNvPr id="2" name="标题 1"/>
-          <p:cNvSpPr>
-            <a:spLocks noGrp="1"/>
-          </p:cNvSpPr>
-          <p:nvPr>
-            <p:ph type="title"/>
-          </p:nvPr>
-        </p:nvSpPr>
-        <p:spPr/>
-        <p:txBody>
-          <a:bodyPr/>
-          <a:lstStyle/>
-          <a:p>
-            <a:r>
-              <a:rPr lang="zh-CN" altLang="en-US" smtClean="0"/>
-              <a:t>单击此处编辑母版标题样式</a:t>
-            </a:r>
-            <a:endParaRPr lang="zh-CN" altLang="en-US"/>
-          </a:p>
-        </p:txBody>
-      </p:sp>
-      <p:sp>
-        <p:nvSpPr>
-          <p:cNvPr id="3" name="内容占位符 2"/>
-          <p:cNvSpPr>
-            <a:spLocks noGrp="1"/>
-          </p:cNvSpPr>
-          <p:nvPr>
-            <p:ph sz="half" idx="1"/>
-          </p:nvPr>
-        </p:nvSpPr>
-        <p:spPr>
-          <a:xfrm>
-            <a:off x="838200" y="1825625"/>
-            <a:ext cx="5181600" cy="4351338"/>
-          </a:xfrm>
-        </p:spPr>
-        <p:txBody>
-          <a:bodyPr/>
-          <a:lstStyle/>
-          <a:p>
-            <a:pPr lvl="0"/>
-            <a:r>
-              <a:rPr lang="zh-CN" altLang="en-US" smtClean="0"/>
-              <a:t>单击此处编辑母版文本样式</a:t>
-            </a:r>
-          </a:p>
-          <a:p>
-            <a:pPr lvl="1"/>
-            <a:r>
-              <a:rPr lang="zh-CN" altLang="en-US" smtClean="0"/>
-              <a:t>第二级</a:t>
-            </a:r>
-          </a:p>
-          <a:p>
-            <a:pPr lvl="2"/>
-            <a:r>
-              <a:rPr lang="zh-CN" altLang="en-US" smtClean="0"/>
-              <a:t>第三级</a:t>
-            </a:r>
-          </a:p>
-          <a:p>
-            <a:pPr lvl="3"/>
-            <a:r>
-              <a:rPr lang="zh-CN" altLang="en-US" smtClean="0"/>
-              <a:t>第四级</a:t>
-            </a:r>
-          </a:p>
-          <a:p>
-            <a:pPr lvl="4"/>
-            <a:r>
-              <a:rPr lang="zh-CN" altLang="en-US" smtClean="0"/>
-              <a:t>第五级</a:t>
-            </a:r>
-            <a:endParaRPr lang="zh-CN" altLang="en-US"/>
-          </a:p>
-        </p:txBody>
-      </p:sp>
-      <p:sp>
-        <p:nvSpPr>
-          <p:cNvPr id="4" name="内容占位符 3"/>
-          <p:cNvSpPr>
-            <a:spLocks noGrp="1"/>
-          </p:cNvSpPr>
-          <p:nvPr>
-            <p:ph sz="half" idx="2"/>
-          </p:nvPr>
-        </p:nvSpPr>
-        <p:spPr>
-          <a:xfrm>
-            <a:off x="6172200" y="1825625"/>
-            <a:ext cx="5181600" cy="4351338"/>
-          </a:xfrm>
-        </p:spPr>
-        <p:txBody>
-          <a:bodyPr/>
-          <a:lstStyle/>
-          <a:p>
-            <a:pPr lvl="0"/>
-            <a:r>
-              <a:rPr lang="zh-CN" altLang="en-US" smtClean="0"/>
-              <a:t>单击此处编辑母版文本样式</a:t>
-            </a:r>
-          </a:p>
-          <a:p>
-            <a:pPr lvl="1"/>
-            <a:r>
-              <a:rPr lang="zh-CN" altLang="en-US" smtClean="0"/>
-              <a:t>第二级</a:t>
-            </a:r>
-          </a:p>
-          <a:p>
-            <a:pPr lvl="2"/>
-            <a:r>
-              <a:rPr lang="zh-CN" altLang="en-US" smtClean="0"/>
-              <a:t>第三级</a:t>
-            </a:r>
-          </a:p>
-          <a:p>
-            <a:pPr lvl="3"/>
-            <a:r>
-              <a:rPr lang="zh-CN" altLang="en-US" smtClean="0"/>
-              <a:t>第四级</a:t>
-            </a:r>
-          </a:p>
-          <a:p>
-            <a:pPr lvl="4"/>
-            <a:r>
-              <a:rPr lang="zh-CN" altLang="en-US" smtClean="0"/>
-              <a:t>第五级</a:t>
-            </a:r>
-            <a:endParaRPr lang="zh-CN" altLang="en-US"/>
-          </a:p>
-        </p:txBody>
-      </p:sp>
-      <p:sp>
-        <p:nvSpPr>
-          <p:cNvPr id="5" name="日期占位符 4"/>
-          <p:cNvSpPr>
-            <a:spLocks noGrp="1"/>
-          </p:cNvSpPr>
-          <p:nvPr>
-            <p:ph type="dt" sz="half" idx="10"/>
-          </p:nvPr>
-        </p:nvSpPr>
-        <p:spPr/>
-        <p:txBody>
-          <a:bodyPr/>
-          <a:lstStyle/>
-          <a:p>
-            <a:fld id="{9C515908-D9C7-4E1E-9BC1-F515A675506E}" type="datetimeFigureOut">
-              <a:rPr lang="zh-CN" altLang="en-US" smtClean="0"/>
-              <a:t>2018/9/24</a:t>
-            </a:fld>
-            <a:endParaRPr lang="zh-CN" altLang="en-US"/>
-          </a:p>
-        </p:txBody>
-      </p:sp>
-      <p:sp>
-        <p:nvSpPr>
-          <p:cNvPr id="6" name="页脚占位符 5"/>
-          <p:cNvSpPr>
-            <a:spLocks noGrp="1"/>
-          </p:cNvSpPr>
-          <p:nvPr>
-            <p:ph type="ftr" sz="quarter" idx="11"/>
-          </p:nvPr>
-        </p:nvSpPr>
-        <p:spPr/>
-        <p:txBody>
-          <a:bodyPr/>
-          <a:lstStyle/>
-          <a:p>
-            <a:endParaRPr lang="zh-CN" altLang="en-US"/>
-          </a:p>
-        </p:txBody>
-      </p:sp>
-      <p:sp>
-        <p:nvSpPr>
-          <p:cNvPr id="7" name="灯片编号占位符 6"/>
-          <p:cNvSpPr>
-            <a:spLocks noGrp="1"/>
-          </p:cNvSpPr>
-          <p:nvPr>
-            <p:ph type="sldNum" sz="quarter" idx="12"/>
-          </p:nvPr>
-        </p:nvSpPr>
-        <p:spPr/>
-        <p:txBody>
-          <a:bodyPr/>
-          <a:lstStyle/>
-          <a:p>
-            <a:fld id="{716FDA15-ADD9-48DB-875E-39453D30CAF6}" type="slidenum">
-              <a:rPr lang="zh-CN" altLang="en-US" smtClean="0"/>
-              <a:t>‹#›</a:t>
-            </a:fld>
-            <a:endParaRPr lang="zh-CN" altLang="en-US"/>
-          </a:p>
-        </p:txBody>
-      </p:sp>
-    </p:spTree>
-    <p:extLst>
-      <p:ext uri="{BB962C8B-B14F-4D97-AF65-F5344CB8AC3E}">
-        <p14:creationId xmlns:p14="http://schemas.microsoft.com/office/powerpoint/2010/main" val="160126798"/>
-      </p:ext>
-    </p:extLst>
-  </p:cSld>
-  <p:clrMapOvr>
-    <a:masterClrMapping/>
-  </p:clrMapOvr>
-</p:sldLayout>
-</file>
-
-<file path=ppt/slideLayouts/slideLayout5.xml><?xml version="1.0" encoding="utf-8"?>
-<p:sldLayout xmlns:a="http://schemas.openxmlformats.org/drawingml/2006/main" xmlns:r="http://schemas.openxmlformats.org/officeDocument/2006/relationships" xmlns:p="http://schemas.openxmlformats.org/presentationml/2006/main" type="twoTxTwoObj" preserve="1">
-  <p:cSld name="比较">
-    <p:spTree>
-      <p:nvGrpSpPr>
-        <p:cNvPr id="1" name=""/>
-        <p:cNvGrpSpPr/>
-        <p:nvPr/>
-      </p:nvGrpSpPr>
-      <p:grpSpPr>
-        <a:xfrm>
-          <a:off x="0" y="0"/>
-          <a:ext cx="0" cy="0"/>
-          <a:chOff x="0" y="0"/>
-          <a:chExt cx="0" cy="0"/>
-        </a:xfrm>
-      </p:grpSpPr>
-      <p:sp>
-        <p:nvSpPr>
-          <p:cNvPr id="2" name="标题 1"/>
-          <p:cNvSpPr>
-            <a:spLocks noGrp="1"/>
-          </p:cNvSpPr>
-          <p:nvPr>
-            <p:ph type="title"/>
-          </p:nvPr>
-        </p:nvSpPr>
-        <p:spPr>
-          <a:xfrm>
-            <a:off x="839788" y="365125"/>
-            <a:ext cx="10515600" cy="1325563"/>
-          </a:xfrm>
-        </p:spPr>
-        <p:txBody>
-          <a:bodyPr/>
-          <a:lstStyle/>
-          <a:p>
-            <a:r>
-              <a:rPr lang="zh-CN" altLang="en-US" smtClean="0"/>
-              <a:t>单击此处编辑母版标题样式</a:t>
-            </a:r>
-            <a:endParaRPr lang="zh-CN" altLang="en-US"/>
-          </a:p>
-        </p:txBody>
-      </p:sp>
-      <p:sp>
-        <p:nvSpPr>
-          <p:cNvPr id="3" name="文本占位符 2"/>
-          <p:cNvSpPr>
-            <a:spLocks noGrp="1"/>
-          </p:cNvSpPr>
-          <p:nvPr>
-            <p:ph type="body" idx="1"/>
-          </p:nvPr>
-        </p:nvSpPr>
-        <p:spPr>
-          <a:xfrm>
-            <a:off x="839788" y="1681163"/>
-            <a:ext cx="5157787" cy="823912"/>
-          </a:xfrm>
-        </p:spPr>
-        <p:txBody>
-          <a:bodyPr anchor="b"/>
-          <a:lstStyle>
-            <a:lvl1pPr marL="0" indent="0">
-              <a:buNone/>
-              <a:defRPr sz="2400" b="1"/>
-            </a:lvl1pPr>
-            <a:lvl2pPr marL="457200" indent="0">
-              <a:buNone/>
-              <a:defRPr sz="2000" b="1"/>
-            </a:lvl2pPr>
-            <a:lvl3pPr marL="914400" indent="0">
-              <a:buNone/>
-              <a:defRPr sz="1800" b="1"/>
-            </a:lvl3pPr>
-            <a:lvl4pPr marL="1371600" indent="0">
-              <a:buNone/>
-              <a:defRPr sz="1600" b="1"/>
-            </a:lvl4pPr>
-            <a:lvl5pPr marL="1828800" indent="0">
-              <a:buNone/>
-              <a:defRPr sz="1600" b="1"/>
-            </a:lvl5pPr>
-            <a:lvl6pPr marL="2286000" indent="0">
-              <a:buNone/>
-              <a:defRPr sz="1600" b="1"/>
-            </a:lvl6pPr>
-            <a:lvl7pPr marL="2743200" indent="0">
-              <a:buNone/>
-              <a:defRPr sz="1600" b="1"/>
-            </a:lvl7pPr>
-            <a:lvl8pPr marL="3200400" indent="0">
-              <a:buNone/>
-              <a:defRPr sz="1600" b="1"/>
-            </a:lvl8pPr>
-            <a:lvl9pPr marL="3657600" indent="0">
-              <a:buNone/>
-              <a:defRPr sz="1600" b="1"/>
-            </a:lvl9pPr>
-          </a:lstStyle>
-          <a:p>
-            <a:pPr lvl="0"/>
-            <a:r>
-              <a:rPr lang="zh-CN" altLang="en-US" smtClean="0"/>
-              <a:t>单击此处编辑母版文本样式</a:t>
-            </a:r>
-          </a:p>
-        </p:txBody>
-      </p:sp>
-      <p:sp>
-        <p:nvSpPr>
-          <p:cNvPr id="4" name="内容占位符 3"/>
-          <p:cNvSpPr>
-            <a:spLocks noGrp="1"/>
-          </p:cNvSpPr>
-          <p:nvPr>
-            <p:ph sz="half" idx="2"/>
-          </p:nvPr>
-        </p:nvSpPr>
-        <p:spPr>
-          <a:xfrm>
-            <a:off x="839788" y="2505075"/>
-            <a:ext cx="5157787" cy="3684588"/>
-          </a:xfrm>
-        </p:spPr>
-        <p:txBody>
-          <a:bodyPr/>
-          <a:lstStyle/>
-          <a:p>
-            <a:pPr lvl="0"/>
-            <a:r>
-              <a:rPr lang="zh-CN" altLang="en-US" smtClean="0"/>
-              <a:t>单击此处编辑母版文本样式</a:t>
-            </a:r>
-          </a:p>
-          <a:p>
-            <a:pPr lvl="1"/>
-            <a:r>
-              <a:rPr lang="zh-CN" altLang="en-US" smtClean="0"/>
-              <a:t>第二级</a:t>
-            </a:r>
-          </a:p>
-          <a:p>
-            <a:pPr lvl="2"/>
-            <a:r>
-              <a:rPr lang="zh-CN" altLang="en-US" smtClean="0"/>
-              <a:t>第三级</a:t>
-            </a:r>
-          </a:p>
-          <a:p>
-            <a:pPr lvl="3"/>
-            <a:r>
-              <a:rPr lang="zh-CN" altLang="en-US" smtClean="0"/>
-              <a:t>第四级</a:t>
-            </a:r>
-          </a:p>
-          <a:p>
-            <a:pPr lvl="4"/>
-            <a:r>
-              <a:rPr lang="zh-CN" altLang="en-US" smtClean="0"/>
-              <a:t>第五级</a:t>
-            </a:r>
-            <a:endParaRPr lang="zh-CN" altLang="en-US"/>
-          </a:p>
-        </p:txBody>
-      </p:sp>
-      <p:sp>
-        <p:nvSpPr>
-          <p:cNvPr id="5" name="文本占位符 4"/>
-          <p:cNvSpPr>
-            <a:spLocks noGrp="1"/>
-          </p:cNvSpPr>
-          <p:nvPr>
-            <p:ph type="body" sz="quarter" idx="3"/>
-          </p:nvPr>
-        </p:nvSpPr>
-        <p:spPr>
-          <a:xfrm>
-            <a:off x="6172200" y="1681163"/>
-            <a:ext cx="5183188" cy="823912"/>
-          </a:xfrm>
-        </p:spPr>
-        <p:txBody>
-          <a:bodyPr anchor="b"/>
-          <a:lstStyle>
-            <a:lvl1pPr marL="0" indent="0">
-              <a:buNone/>
-              <a:defRPr sz="2400" b="1"/>
-            </a:lvl1pPr>
-            <a:lvl2pPr marL="457200" indent="0">
-              <a:buNone/>
-              <a:defRPr sz="2000" b="1"/>
-            </a:lvl2pPr>
-            <a:lvl3pPr marL="914400" indent="0">
-              <a:buNone/>
-              <a:defRPr sz="1800" b="1"/>
-            </a:lvl3pPr>
-            <a:lvl4pPr marL="1371600" indent="0">
-              <a:buNone/>
-              <a:defRPr sz="1600" b="1"/>
-            </a:lvl4pPr>
-            <a:lvl5pPr marL="1828800" indent="0">
-              <a:buNone/>
-              <a:defRPr sz="1600" b="1"/>
-            </a:lvl5pPr>
-            <a:lvl6pPr marL="2286000" indent="0">
-              <a:buNone/>
-              <a:defRPr sz="1600" b="1"/>
-            </a:lvl6pPr>
-            <a:lvl7pPr marL="2743200" indent="0">
-              <a:buNone/>
-              <a:defRPr sz="1600" b="1"/>
-            </a:lvl7pPr>
-            <a:lvl8pPr marL="3200400" indent="0">
-              <a:buNone/>
-              <a:defRPr sz="1600" b="1"/>
-            </a:lvl8pPr>
-            <a:lvl9pPr marL="3657600" indent="0">
-              <a:buNone/>
-              <a:defRPr sz="1600" b="1"/>
-            </a:lvl9pPr>
-          </a:lstStyle>
-          <a:p>
-            <a:pPr lvl="0"/>
-            <a:r>
-              <a:rPr lang="zh-CN" altLang="en-US" smtClean="0"/>
-              <a:t>单击此处编辑母版文本样式</a:t>
-            </a:r>
-          </a:p>
-        </p:txBody>
-      </p:sp>
-      <p:sp>
-        <p:nvSpPr>
-          <p:cNvPr id="6" name="内容占位符 5"/>
-          <p:cNvSpPr>
-            <a:spLocks noGrp="1"/>
-          </p:cNvSpPr>
-          <p:nvPr>
-            <p:ph sz="quarter" idx="4"/>
-          </p:nvPr>
-        </p:nvSpPr>
-        <p:spPr>
-          <a:xfrm>
-            <a:off x="6172200" y="2505075"/>
-            <a:ext cx="5183188" cy="3684588"/>
-          </a:xfrm>
-        </p:spPr>
-        <p:txBody>
-          <a:bodyPr/>
-          <a:lstStyle/>
-          <a:p>
-            <a:pPr lvl="0"/>
-            <a:r>
-              <a:rPr lang="zh-CN" altLang="en-US" smtClean="0"/>
-              <a:t>单击此处编辑母版文本样式</a:t>
-            </a:r>
-          </a:p>
-          <a:p>
-            <a:pPr lvl="1"/>
-            <a:r>
-              <a:rPr lang="zh-CN" altLang="en-US" smtClean="0"/>
-              <a:t>第二级</a:t>
-            </a:r>
-          </a:p>
-          <a:p>
-            <a:pPr lvl="2"/>
-            <a:r>
-              <a:rPr lang="zh-CN" altLang="en-US" smtClean="0"/>
-              <a:t>第三级</a:t>
-            </a:r>
-          </a:p>
-          <a:p>
-            <a:pPr lvl="3"/>
-            <a:r>
-              <a:rPr lang="zh-CN" altLang="en-US" smtClean="0"/>
-              <a:t>第四级</a:t>
-            </a:r>
-          </a:p>
-          <a:p>
-            <a:pPr lvl="4"/>
-            <a:r>
-              <a:rPr lang="zh-CN" altLang="en-US" smtClean="0"/>
-              <a:t>第五级</a:t>
-            </a:r>
-            <a:endParaRPr lang="zh-CN" altLang="en-US"/>
-          </a:p>
-        </p:txBody>
-      </p:sp>
-      <p:sp>
-        <p:nvSpPr>
-          <p:cNvPr id="7" name="日期占位符 6"/>
-          <p:cNvSpPr>
-            <a:spLocks noGrp="1"/>
-          </p:cNvSpPr>
-          <p:nvPr>
-            <p:ph type="dt" sz="half" idx="10"/>
-          </p:nvPr>
-        </p:nvSpPr>
-        <p:spPr/>
-        <p:txBody>
-          <a:bodyPr/>
-          <a:lstStyle/>
-          <a:p>
-            <a:fld id="{9C515908-D9C7-4E1E-9BC1-F515A675506E}" type="datetimeFigureOut">
-              <a:rPr lang="zh-CN" altLang="en-US" smtClean="0"/>
-              <a:t>2018/9/24</a:t>
-            </a:fld>
-            <a:endParaRPr lang="zh-CN" altLang="en-US"/>
-          </a:p>
-        </p:txBody>
-      </p:sp>
-      <p:sp>
-        <p:nvSpPr>
-          <p:cNvPr id="8" name="页脚占位符 7"/>
-          <p:cNvSpPr>
-            <a:spLocks noGrp="1"/>
-          </p:cNvSpPr>
-          <p:nvPr>
-            <p:ph type="ftr" sz="quarter" idx="11"/>
-          </p:nvPr>
-        </p:nvSpPr>
-        <p:spPr/>
-        <p:txBody>
-          <a:bodyPr/>
-          <a:lstStyle/>
-          <a:p>
-            <a:endParaRPr lang="zh-CN" altLang="en-US"/>
-          </a:p>
-        </p:txBody>
-      </p:sp>
-      <p:sp>
-        <p:nvSpPr>
-          <p:cNvPr id="9" name="灯片编号占位符 8"/>
-          <p:cNvSpPr>
-            <a:spLocks noGrp="1"/>
-          </p:cNvSpPr>
-          <p:nvPr>
-            <p:ph type="sldNum" sz="quarter" idx="12"/>
-          </p:nvPr>
-        </p:nvSpPr>
-        <p:spPr/>
-        <p:txBody>
-          <a:bodyPr/>
-          <a:lstStyle/>
-          <a:p>
-            <a:fld id="{716FDA15-ADD9-48DB-875E-39453D30CAF6}" type="slidenum">
-              <a:rPr lang="zh-CN" altLang="en-US" smtClean="0"/>
-              <a:t>‹#›</a:t>
-            </a:fld>
-            <a:endParaRPr lang="zh-CN" altLang="en-US"/>
-          </a:p>
-        </p:txBody>
-      </p:sp>
-    </p:spTree>
-    <p:extLst>
-      <p:ext uri="{BB962C8B-B14F-4D97-AF65-F5344CB8AC3E}">
-        <p14:creationId xmlns:p14="http://schemas.microsoft.com/office/powerpoint/2010/main" val="2899820397"/>
-      </p:ext>
-    </p:extLst>
-  </p:cSld>
-  <p:clrMapOvr>
-    <a:masterClrMapping/>
-  </p:clrMapOvr>
-</p:sldLayout>
-</file>
-
-<file path=ppt/slideLayouts/slideLayout6.xml><?xml version="1.0" encoding="utf-8"?>
-<p:sldLayout xmlns:a="http://schemas.openxmlformats.org/drawingml/2006/main" xmlns:r="http://schemas.openxmlformats.org/officeDocument/2006/relationships" xmlns:p="http://schemas.openxmlformats.org/presentationml/2006/main" type="titleOnly" preserve="1">
-  <p:cSld name="仅标题">
-    <p:spTree>
-      <p:nvGrpSpPr>
-        <p:cNvPr id="1" name=""/>
-        <p:cNvGrpSpPr/>
-        <p:nvPr/>
-      </p:nvGrpSpPr>
-      <p:grpSpPr>
-        <a:xfrm>
-          <a:off x="0" y="0"/>
-          <a:ext cx="0" cy="0"/>
-          <a:chOff x="0" y="0"/>
-          <a:chExt cx="0" cy="0"/>
-        </a:xfrm>
-      </p:grpSpPr>
-      <p:sp>
-        <p:nvSpPr>
-          <p:cNvPr id="2" name="标题 1"/>
-          <p:cNvSpPr>
-            <a:spLocks noGrp="1"/>
-          </p:cNvSpPr>
-          <p:nvPr>
-            <p:ph type="title"/>
-          </p:nvPr>
-        </p:nvSpPr>
-        <p:spPr/>
-        <p:txBody>
-          <a:bodyPr/>
-          <a:lstStyle/>
-          <a:p>
-            <a:r>
-              <a:rPr lang="zh-CN" altLang="en-US" smtClean="0"/>
-              <a:t>单击此处编辑母版标题样式</a:t>
-            </a:r>
-            <a:endParaRPr lang="zh-CN" altLang="en-US"/>
-          </a:p>
-        </p:txBody>
-      </p:sp>
-      <p:sp>
-        <p:nvSpPr>
-          <p:cNvPr id="3" name="日期占位符 2"/>
-          <p:cNvSpPr>
-            <a:spLocks noGrp="1"/>
-          </p:cNvSpPr>
-          <p:nvPr>
-            <p:ph type="dt" sz="half" idx="10"/>
-          </p:nvPr>
-        </p:nvSpPr>
-        <p:spPr/>
-        <p:txBody>
-          <a:bodyPr/>
-          <a:lstStyle/>
-          <a:p>
-            <a:fld id="{9C515908-D9C7-4E1E-9BC1-F515A675506E}" type="datetimeFigureOut">
-              <a:rPr lang="zh-CN" altLang="en-US" smtClean="0"/>
-              <a:t>2018/9/24</a:t>
-            </a:fld>
-            <a:endParaRPr lang="zh-CN" altLang="en-US"/>
-          </a:p>
-        </p:txBody>
-      </p:sp>
-      <p:sp>
-        <p:nvSpPr>
-          <p:cNvPr id="4" name="页脚占位符 3"/>
-          <p:cNvSpPr>
-            <a:spLocks noGrp="1"/>
-          </p:cNvSpPr>
-          <p:nvPr>
-            <p:ph type="ftr" sz="quarter" idx="11"/>
-          </p:nvPr>
-        </p:nvSpPr>
-        <p:spPr/>
-        <p:txBody>
-          <a:bodyPr/>
-          <a:lstStyle/>
-          <a:p>
-            <a:endParaRPr lang="zh-CN" altLang="en-US"/>
-          </a:p>
-        </p:txBody>
-      </p:sp>
-      <p:sp>
-        <p:nvSpPr>
-          <p:cNvPr id="5" name="灯片编号占位符 4"/>
-          <p:cNvSpPr>
-            <a:spLocks noGrp="1"/>
-          </p:cNvSpPr>
-          <p:nvPr>
-            <p:ph type="sldNum" sz="quarter" idx="12"/>
-          </p:nvPr>
-        </p:nvSpPr>
-        <p:spPr/>
-        <p:txBody>
-          <a:bodyPr/>
-          <a:lstStyle/>
-          <a:p>
-            <a:fld id="{716FDA15-ADD9-48DB-875E-39453D30CAF6}" type="slidenum">
-              <a:rPr lang="zh-CN" altLang="en-US" smtClean="0"/>
-              <a:t>‹#›</a:t>
-            </a:fld>
-            <a:endParaRPr lang="zh-CN" altLang="en-US"/>
-          </a:p>
-        </p:txBody>
-      </p:sp>
-    </p:spTree>
-    <p:extLst>
-      <p:ext uri="{BB962C8B-B14F-4D97-AF65-F5344CB8AC3E}">
-        <p14:creationId xmlns:p14="http://schemas.microsoft.com/office/powerpoint/2010/main" val="584876525"/>
-      </p:ext>
-    </p:extLst>
-  </p:cSld>
-  <p:clrMapOvr>
-    <a:masterClrMapping/>
-  </p:clrMapOvr>
-</p:sldLayout>
-</file>
-
-<file path=ppt/slideLayouts/slideLayout7.xml><?xml version="1.0" encoding="utf-8"?>
-<p:sldLayout xmlns:a="http://schemas.openxmlformats.org/drawingml/2006/main" xmlns:r="http://schemas.openxmlformats.org/officeDocument/2006/relationships" xmlns:p="http://schemas.openxmlformats.org/presentationml/2006/main" type="blank" preserve="1">
-  <p:cSld name="空白">
-    <p:spTree>
-      <p:nvGrpSpPr>
-        <p:cNvPr id="1" name=""/>
-        <p:cNvGrpSpPr/>
-        <p:nvPr/>
-      </p:nvGrpSpPr>
-      <p:grpSpPr>
-        <a:xfrm>
-          <a:off x="0" y="0"/>
-          <a:ext cx="0" cy="0"/>
-          <a:chOff x="0" y="0"/>
-          <a:chExt cx="0" cy="0"/>
-        </a:xfrm>
-      </p:grpSpPr>
-      <p:sp>
-        <p:nvSpPr>
-          <p:cNvPr id="2" name="日期占位符 1"/>
-          <p:cNvSpPr>
-            <a:spLocks noGrp="1"/>
-          </p:cNvSpPr>
-          <p:nvPr>
-            <p:ph type="dt" sz="half" idx="10"/>
-          </p:nvPr>
-        </p:nvSpPr>
-        <p:spPr/>
-        <p:txBody>
-          <a:bodyPr/>
-          <a:lstStyle/>
-          <a:p>
-            <a:fld id="{9C515908-D9C7-4E1E-9BC1-F515A675506E}" type="datetimeFigureOut">
-              <a:rPr lang="zh-CN" altLang="en-US" smtClean="0"/>
-              <a:t>2018/9/24</a:t>
-            </a:fld>
-            <a:endParaRPr lang="zh-CN" altLang="en-US"/>
-          </a:p>
-        </p:txBody>
-      </p:sp>
-      <p:sp>
-        <p:nvSpPr>
-          <p:cNvPr id="3" name="页脚占位符 2"/>
-          <p:cNvSpPr>
-            <a:spLocks noGrp="1"/>
-          </p:cNvSpPr>
-          <p:nvPr>
-            <p:ph type="ftr" sz="quarter" idx="11"/>
-          </p:nvPr>
-        </p:nvSpPr>
-        <p:spPr/>
-        <p:txBody>
-          <a:bodyPr/>
-          <a:lstStyle/>
-          <a:p>
-            <a:endParaRPr lang="zh-CN" altLang="en-US"/>
-          </a:p>
-        </p:txBody>
-      </p:sp>
-      <p:sp>
-        <p:nvSpPr>
-          <p:cNvPr id="4" name="灯片编号占位符 3"/>
-          <p:cNvSpPr>
-            <a:spLocks noGrp="1"/>
-          </p:cNvSpPr>
-          <p:nvPr>
-            <p:ph type="sldNum" sz="quarter" idx="12"/>
-          </p:nvPr>
-        </p:nvSpPr>
-        <p:spPr/>
-        <p:txBody>
-          <a:bodyPr/>
-          <a:lstStyle/>
-          <a:p>
-            <a:fld id="{716FDA15-ADD9-48DB-875E-39453D30CAF6}" type="slidenum">
-              <a:rPr lang="zh-CN" altLang="en-US" smtClean="0"/>
-              <a:t>‹#›</a:t>
-            </a:fld>
-            <a:endParaRPr lang="zh-CN" altLang="en-US"/>
-          </a:p>
-        </p:txBody>
-      </p:sp>
-    </p:spTree>
-    <p:extLst>
-      <p:ext uri="{BB962C8B-B14F-4D97-AF65-F5344CB8AC3E}">
-        <p14:creationId xmlns:p14="http://schemas.microsoft.com/office/powerpoint/2010/main" val="1016192709"/>
-      </p:ext>
-    </p:extLst>
-  </p:cSld>
-  <p:clrMapOvr>
-    <a:masterClrMapping/>
-  </p:clrMapOvr>
-</p:sldLayout>
-</file>
-
-<file path=ppt/slideLayouts/slideLayout8.xml><?xml version="1.0" encoding="utf-8"?>
-<p:sldLayout xmlns:a="http://schemas.openxmlformats.org/drawingml/2006/main" xmlns:r="http://schemas.openxmlformats.org/officeDocument/2006/relationships" xmlns:p="http://schemas.openxmlformats.org/presentationml/2006/main" type="objTx" preserve="1">
-  <p:cSld name="内容与标题">
-    <p:spTree>
-      <p:nvGrpSpPr>
-        <p:cNvPr id="1" name=""/>
-        <p:cNvGrpSpPr/>
-        <p:nvPr/>
-      </p:nvGrpSpPr>
-      <p:grpSpPr>
-        <a:xfrm>
-          <a:off x="0" y="0"/>
-          <a:ext cx="0" cy="0"/>
-          <a:chOff x="0" y="0"/>
-          <a:chExt cx="0" cy="0"/>
-        </a:xfrm>
-      </p:grpSpPr>
-      <p:sp>
-        <p:nvSpPr>
-          <p:cNvPr id="2" name="标题 1"/>
-          <p:cNvSpPr>
-            <a:spLocks noGrp="1"/>
-          </p:cNvSpPr>
-          <p:nvPr>
-            <p:ph type="title"/>
-          </p:nvPr>
-        </p:nvSpPr>
-        <p:spPr>
-          <a:xfrm>
-            <a:off x="839788" y="457200"/>
-            <a:ext cx="3932237" cy="1600200"/>
-          </a:xfrm>
-        </p:spPr>
-        <p:txBody>
-          <a:bodyPr anchor="b"/>
-          <a:lstStyle>
-            <a:lvl1pPr>
-              <a:defRPr sz="3200"/>
-            </a:lvl1pPr>
-          </a:lstStyle>
-          <a:p>
-            <a:r>
-              <a:rPr lang="zh-CN" altLang="en-US" smtClean="0"/>
-              <a:t>单击此处编辑母版标题样式</a:t>
-            </a:r>
-            <a:endParaRPr lang="zh-CN" altLang="en-US"/>
-          </a:p>
-        </p:txBody>
-      </p:sp>
-      <p:sp>
-        <p:nvSpPr>
-          <p:cNvPr id="3" name="内容占位符 2"/>
-          <p:cNvSpPr>
-            <a:spLocks noGrp="1"/>
-          </p:cNvSpPr>
-          <p:nvPr>
-            <p:ph idx="1"/>
-          </p:nvPr>
-        </p:nvSpPr>
-        <p:spPr>
-          <a:xfrm>
-            <a:off x="5183188" y="987425"/>
-            <a:ext cx="6172200" cy="4873625"/>
-          </a:xfrm>
-        </p:spPr>
-        <p:txBody>
-          <a:bodyPr/>
-          <a:lstStyle>
-            <a:lvl1pPr>
-              <a:defRPr sz="3200"/>
-            </a:lvl1pPr>
-            <a:lvl2pPr>
-              <a:defRPr sz="2800"/>
-            </a:lvl2pPr>
-            <a:lvl3pPr>
-              <a:defRPr sz="2400"/>
-            </a:lvl3pPr>
-            <a:lvl4pPr>
-              <a:defRPr sz="2000"/>
-            </a:lvl4pPr>
-            <a:lvl5pPr>
-              <a:defRPr sz="2000"/>
-            </a:lvl5pPr>
-            <a:lvl6pPr>
-              <a:defRPr sz="2000"/>
-            </a:lvl6pPr>
-            <a:lvl7pPr>
-              <a:defRPr sz="2000"/>
-            </a:lvl7pPr>
-            <a:lvl8pPr>
-              <a:defRPr sz="2000"/>
-            </a:lvl8pPr>
-            <a:lvl9pPr>
-              <a:defRPr sz="2000"/>
-            </a:lvl9pPr>
-          </a:lstStyle>
-          <a:p>
-            <a:pPr lvl="0"/>
-            <a:r>
-              <a:rPr lang="zh-CN" altLang="en-US" smtClean="0"/>
-              <a:t>单击此处编辑母版文本样式</a:t>
-            </a:r>
-          </a:p>
-          <a:p>
-            <a:pPr lvl="1"/>
-            <a:r>
-              <a:rPr lang="zh-CN" altLang="en-US" smtClean="0"/>
-              <a:t>第二级</a:t>
-            </a:r>
-          </a:p>
-          <a:p>
-            <a:pPr lvl="2"/>
-            <a:r>
-              <a:rPr lang="zh-CN" altLang="en-US" smtClean="0"/>
-              <a:t>第三级</a:t>
-            </a:r>
-          </a:p>
-          <a:p>
-            <a:pPr lvl="3"/>
-            <a:r>
-              <a:rPr lang="zh-CN" altLang="en-US" smtClean="0"/>
-              <a:t>第四级</a:t>
-            </a:r>
-          </a:p>
-          <a:p>
-            <a:pPr lvl="4"/>
-            <a:r>
-              <a:rPr lang="zh-CN" altLang="en-US" smtClean="0"/>
-              <a:t>第五级</a:t>
-            </a:r>
-            <a:endParaRPr lang="zh-CN" altLang="en-US"/>
-          </a:p>
-        </p:txBody>
-      </p:sp>
-      <p:sp>
-        <p:nvSpPr>
-          <p:cNvPr id="4" name="文本占位符 3"/>
-          <p:cNvSpPr>
-            <a:spLocks noGrp="1"/>
-          </p:cNvSpPr>
-          <p:nvPr>
-            <p:ph type="body" sz="half" idx="2"/>
-          </p:nvPr>
-        </p:nvSpPr>
-        <p:spPr>
-          <a:xfrm>
-            <a:off x="839788" y="2057400"/>
-            <a:ext cx="3932237" cy="3811588"/>
-          </a:xfrm>
-        </p:spPr>
-        <p:txBody>
-          <a:bodyPr/>
-          <a:lstStyle>
-            <a:lvl1pPr marL="0" indent="0">
-              <a:buNone/>
-              <a:defRPr sz="1600"/>
-            </a:lvl1pPr>
-            <a:lvl2pPr marL="457200" indent="0">
-              <a:buNone/>
-              <a:defRPr sz="1400"/>
-            </a:lvl2pPr>
-            <a:lvl3pPr marL="914400" indent="0">
-              <a:buNone/>
-              <a:defRPr sz="1200"/>
-            </a:lvl3pPr>
-            <a:lvl4pPr marL="1371600" indent="0">
-              <a:buNone/>
-              <a:defRPr sz="1000"/>
-            </a:lvl4pPr>
-            <a:lvl5pPr marL="1828800" indent="0">
-              <a:buNone/>
-              <a:defRPr sz="1000"/>
-            </a:lvl5pPr>
-            <a:lvl6pPr marL="2286000" indent="0">
-              <a:buNone/>
-              <a:defRPr sz="1000"/>
-            </a:lvl6pPr>
-            <a:lvl7pPr marL="2743200" indent="0">
-              <a:buNone/>
-              <a:defRPr sz="1000"/>
-            </a:lvl7pPr>
-            <a:lvl8pPr marL="3200400" indent="0">
-              <a:buNone/>
-              <a:defRPr sz="1000"/>
-            </a:lvl8pPr>
-            <a:lvl9pPr marL="3657600" indent="0">
-              <a:buNone/>
-              <a:defRPr sz="1000"/>
-            </a:lvl9pPr>
-          </a:lstStyle>
-          <a:p>
-            <a:pPr lvl="0"/>
-            <a:r>
-              <a:rPr lang="zh-CN" altLang="en-US" smtClean="0"/>
-              <a:t>单击此处编辑母版文本样式</a:t>
-            </a:r>
-          </a:p>
-        </p:txBody>
-      </p:sp>
-      <p:sp>
-        <p:nvSpPr>
-          <p:cNvPr id="5" name="日期占位符 4"/>
-          <p:cNvSpPr>
-            <a:spLocks noGrp="1"/>
-          </p:cNvSpPr>
-          <p:nvPr>
-            <p:ph type="dt" sz="half" idx="10"/>
-          </p:nvPr>
-        </p:nvSpPr>
-        <p:spPr/>
-        <p:txBody>
-          <a:bodyPr/>
-          <a:lstStyle/>
-          <a:p>
-            <a:fld id="{9C515908-D9C7-4E1E-9BC1-F515A675506E}" type="datetimeFigureOut">
-              <a:rPr lang="zh-CN" altLang="en-US" smtClean="0"/>
-              <a:t>2018/9/24</a:t>
-            </a:fld>
-            <a:endParaRPr lang="zh-CN" altLang="en-US"/>
-          </a:p>
-        </p:txBody>
-      </p:sp>
-      <p:sp>
-        <p:nvSpPr>
-          <p:cNvPr id="6" name="页脚占位符 5"/>
-          <p:cNvSpPr>
-            <a:spLocks noGrp="1"/>
-          </p:cNvSpPr>
-          <p:nvPr>
-            <p:ph type="ftr" sz="quarter" idx="11"/>
-          </p:nvPr>
-        </p:nvSpPr>
-        <p:spPr/>
-        <p:txBody>
-          <a:bodyPr/>
-          <a:lstStyle/>
-          <a:p>
-            <a:endParaRPr lang="zh-CN" altLang="en-US"/>
-          </a:p>
-        </p:txBody>
-      </p:sp>
-      <p:sp>
-        <p:nvSpPr>
-          <p:cNvPr id="7" name="灯片编号占位符 6"/>
-          <p:cNvSpPr>
-            <a:spLocks noGrp="1"/>
-          </p:cNvSpPr>
-          <p:nvPr>
-            <p:ph type="sldNum" sz="quarter" idx="12"/>
-          </p:nvPr>
-        </p:nvSpPr>
-        <p:spPr/>
-        <p:txBody>
-          <a:bodyPr/>
-          <a:lstStyle/>
-          <a:p>
-            <a:fld id="{716FDA15-ADD9-48DB-875E-39453D30CAF6}" type="slidenum">
-              <a:rPr lang="zh-CN" altLang="en-US" smtClean="0"/>
-              <a:t>‹#›</a:t>
-            </a:fld>
-            <a:endParaRPr lang="zh-CN" altLang="en-US"/>
-          </a:p>
-        </p:txBody>
-      </p:sp>
-    </p:spTree>
-    <p:extLst>
-      <p:ext uri="{BB962C8B-B14F-4D97-AF65-F5344CB8AC3E}">
-        <p14:creationId xmlns:p14="http://schemas.microsoft.com/office/powerpoint/2010/main" val="811362196"/>
-      </p:ext>
-    </p:extLst>
-  </p:cSld>
-  <p:clrMapOvr>
-    <a:masterClrMapping/>
-  </p:clrMapOvr>
-</p:sldLayout>
-</file>
-
-<file path=ppt/slideLayouts/slideLayout9.xml><?xml version="1.0" encoding="utf-8"?>
-<p:sldLayout xmlns:a="http://schemas.openxmlformats.org/drawingml/2006/main" xmlns:r="http://schemas.openxmlformats.org/officeDocument/2006/relationships" xmlns:p="http://schemas.openxmlformats.org/presentationml/2006/main" type="picTx" preserve="1">
-  <p:cSld name="图片与标题">
-    <p:spTree>
-      <p:nvGrpSpPr>
-        <p:cNvPr id="1" name=""/>
-        <p:cNvGrpSpPr/>
-        <p:nvPr/>
-      </p:nvGrpSpPr>
-      <p:grpSpPr>
-        <a:xfrm>
-          <a:off x="0" y="0"/>
-          <a:ext cx="0" cy="0"/>
-          <a:chOff x="0" y="0"/>
-          <a:chExt cx="0" cy="0"/>
-        </a:xfrm>
-      </p:grpSpPr>
-      <p:sp>
-        <p:nvSpPr>
-          <p:cNvPr id="2" name="标题 1"/>
-          <p:cNvSpPr>
-            <a:spLocks noGrp="1"/>
-          </p:cNvSpPr>
-          <p:nvPr>
-            <p:ph type="title"/>
-          </p:nvPr>
-        </p:nvSpPr>
-        <p:spPr>
-          <a:xfrm>
-            <a:off x="839788" y="457200"/>
-            <a:ext cx="3932237" cy="1600200"/>
-          </a:xfrm>
-        </p:spPr>
-        <p:txBody>
-          <a:bodyPr anchor="b"/>
-          <a:lstStyle>
-            <a:lvl1pPr>
-              <a:defRPr sz="3200"/>
-            </a:lvl1pPr>
-          </a:lstStyle>
-          <a:p>
-            <a:r>
-              <a:rPr lang="zh-CN" altLang="en-US" smtClean="0"/>
-              <a:t>单击此处编辑母版标题样式</a:t>
-            </a:r>
-            <a:endParaRPr lang="zh-CN" altLang="en-US"/>
-          </a:p>
-        </p:txBody>
-      </p:sp>
-      <p:sp>
-        <p:nvSpPr>
-          <p:cNvPr id="3" name="图片占位符 2"/>
-          <p:cNvSpPr>
-            <a:spLocks noGrp="1"/>
-          </p:cNvSpPr>
-          <p:nvPr>
-            <p:ph type="pic" idx="1"/>
-          </p:nvPr>
-        </p:nvSpPr>
-        <p:spPr>
-          <a:xfrm>
-            <a:off x="5183188" y="987425"/>
-            <a:ext cx="6172200" cy="4873625"/>
-          </a:xfrm>
-        </p:spPr>
-        <p:txBody>
-          <a:bodyPr/>
-          <a:lstStyle>
-            <a:lvl1pPr marL="0" indent="0">
-              <a:buNone/>
-              <a:defRPr sz="3200"/>
-            </a:lvl1pPr>
-            <a:lvl2pPr marL="457200" indent="0">
-              <a:buNone/>
-              <a:defRPr sz="2800"/>
-            </a:lvl2pPr>
-            <a:lvl3pPr marL="914400" indent="0">
-              <a:buNone/>
-              <a:defRPr sz="2400"/>
-            </a:lvl3pPr>
-            <a:lvl4pPr marL="1371600" indent="0">
-              <a:buNone/>
-              <a:defRPr sz="2000"/>
-            </a:lvl4pPr>
-            <a:lvl5pPr marL="1828800" indent="0">
-              <a:buNone/>
-              <a:defRPr sz="2000"/>
-            </a:lvl5pPr>
-            <a:lvl6pPr marL="2286000" indent="0">
-              <a:buNone/>
-              <a:defRPr sz="2000"/>
-            </a:lvl6pPr>
-            <a:lvl7pPr marL="2743200" indent="0">
-              <a:buNone/>
-              <a:defRPr sz="2000"/>
-            </a:lvl7pPr>
-            <a:lvl8pPr marL="3200400" indent="0">
-              <a:buNone/>
-              <a:defRPr sz="2000"/>
-            </a:lvl8pPr>
-            <a:lvl9pPr marL="3657600" indent="0">
-              <a:buNone/>
-              <a:defRPr sz="2000"/>
-            </a:lvl9pPr>
-          </a:lstStyle>
-          <a:p>
-            <a:endParaRPr lang="zh-CN" altLang="en-US"/>
-          </a:p>
-        </p:txBody>
-      </p:sp>
-      <p:sp>
-        <p:nvSpPr>
-          <p:cNvPr id="4" name="文本占位符 3"/>
-          <p:cNvSpPr>
-            <a:spLocks noGrp="1"/>
-          </p:cNvSpPr>
-          <p:nvPr>
-            <p:ph type="body" sz="half" idx="2"/>
-          </p:nvPr>
-        </p:nvSpPr>
-        <p:spPr>
-          <a:xfrm>
-            <a:off x="839788" y="2057400"/>
-            <a:ext cx="3932237" cy="3811588"/>
-          </a:xfrm>
-        </p:spPr>
-        <p:txBody>
-          <a:bodyPr/>
-          <a:lstStyle>
-            <a:lvl1pPr marL="0" indent="0">
-              <a:buNone/>
-              <a:defRPr sz="1600"/>
-            </a:lvl1pPr>
-            <a:lvl2pPr marL="457200" indent="0">
-              <a:buNone/>
-              <a:defRPr sz="1400"/>
-            </a:lvl2pPr>
-            <a:lvl3pPr marL="914400" indent="0">
-              <a:buNone/>
-              <a:defRPr sz="1200"/>
-            </a:lvl3pPr>
-            <a:lvl4pPr marL="1371600" indent="0">
-              <a:buNone/>
-              <a:defRPr sz="1000"/>
-            </a:lvl4pPr>
-            <a:lvl5pPr marL="1828800" indent="0">
-              <a:buNone/>
-              <a:defRPr sz="1000"/>
-            </a:lvl5pPr>
-            <a:lvl6pPr marL="2286000" indent="0">
-              <a:buNone/>
-              <a:defRPr sz="1000"/>
-            </a:lvl6pPr>
-            <a:lvl7pPr marL="2743200" indent="0">
-              <a:buNone/>
-              <a:defRPr sz="1000"/>
-            </a:lvl7pPr>
-            <a:lvl8pPr marL="3200400" indent="0">
-              <a:buNone/>
-              <a:defRPr sz="1000"/>
-            </a:lvl8pPr>
-            <a:lvl9pPr marL="3657600" indent="0">
-              <a:buNone/>
-              <a:defRPr sz="1000"/>
-            </a:lvl9pPr>
-          </a:lstStyle>
-          <a:p>
-            <a:pPr lvl="0"/>
-            <a:r>
-              <a:rPr lang="zh-CN" altLang="en-US" smtClean="0"/>
-              <a:t>单击此处编辑母版文本样式</a:t>
-            </a:r>
-          </a:p>
-        </p:txBody>
-      </p:sp>
-      <p:sp>
-        <p:nvSpPr>
-          <p:cNvPr id="5" name="日期占位符 4"/>
-          <p:cNvSpPr>
-            <a:spLocks noGrp="1"/>
-          </p:cNvSpPr>
-          <p:nvPr>
-            <p:ph type="dt" sz="half" idx="10"/>
-          </p:nvPr>
-        </p:nvSpPr>
-        <p:spPr/>
-        <p:txBody>
-          <a:bodyPr/>
-          <a:lstStyle/>
-          <a:p>
-            <a:fld id="{9C515908-D9C7-4E1E-9BC1-F515A675506E}" type="datetimeFigureOut">
-              <a:rPr lang="zh-CN" altLang="en-US" smtClean="0"/>
-              <a:t>2018/9/24</a:t>
-            </a:fld>
-            <a:endParaRPr lang="zh-CN" altLang="en-US"/>
-          </a:p>
-        </p:txBody>
-      </p:sp>
-      <p:sp>
-        <p:nvSpPr>
-          <p:cNvPr id="6" name="页脚占位符 5"/>
-          <p:cNvSpPr>
-            <a:spLocks noGrp="1"/>
-          </p:cNvSpPr>
-          <p:nvPr>
-            <p:ph type="ftr" sz="quarter" idx="11"/>
-          </p:nvPr>
-        </p:nvSpPr>
-        <p:spPr/>
-        <p:txBody>
-          <a:bodyPr/>
-          <a:lstStyle/>
-          <a:p>
-            <a:endParaRPr lang="zh-CN" altLang="en-US"/>
-          </a:p>
-        </p:txBody>
-      </p:sp>
-      <p:sp>
-        <p:nvSpPr>
-          <p:cNvPr id="7" name="灯片编号占位符 6"/>
-          <p:cNvSpPr>
-            <a:spLocks noGrp="1"/>
-          </p:cNvSpPr>
-          <p:nvPr>
-            <p:ph type="sldNum" sz="quarter" idx="12"/>
-          </p:nvPr>
-        </p:nvSpPr>
-        <p:spPr/>
-        <p:txBody>
-          <a:bodyPr/>
-          <a:lstStyle/>
-          <a:p>
-            <a:fld id="{716FDA15-ADD9-48DB-875E-39453D30CAF6}" type="slidenum">
-              <a:rPr lang="zh-CN" altLang="en-US" smtClean="0"/>
-              <a:t>‹#›</a:t>
-            </a:fld>
-            <a:endParaRPr lang="zh-CN" altLang="en-US"/>
-          </a:p>
-        </p:txBody>
-      </p:sp>
-    </p:spTree>
-    <p:extLst>
-      <p:ext uri="{BB962C8B-B14F-4D97-AF65-F5344CB8AC3E}">
-        <p14:creationId xmlns:p14="http://schemas.microsoft.com/office/powerpoint/2010/main" val="1681212157"/>
-      </p:ext>
-    </p:extLst>
-  </p:cSld>
-  <p:clrMapOvr>
-    <a:masterClrMapping/>
-  </p:clrMapOvr>
+  <p:timing>
+    <p:tnLst>
+      <p:par>
+        <p:cTn id="1" dur="indefinite" restart="never" nodeType="tmRoot"/>
+      </p:par>
+    </p:tnLst>
+  </p:timing>
 </p:sldLayout>
 </file>
 
@@ -11995,9 +10101,12 @@
 <p:sldMaster xmlns:a="http://schemas.openxmlformats.org/drawingml/2006/main" xmlns:r="http://schemas.openxmlformats.org/officeDocument/2006/relationships" xmlns:p="http://schemas.openxmlformats.org/presentationml/2006/main">
   <p:cSld>
     <p:bg>
-      <p:bgRef idx="1001">
-        <a:schemeClr val="bg1"/>
-      </p:bgRef>
+      <p:bgPr>
+        <a:solidFill>
+          <a:schemeClr val="bg1"/>
+        </a:solidFill>
+        <a:effectLst/>
+      </p:bgPr>
     </p:bg>
     <p:spTree>
       <p:nvGrpSpPr>
@@ -12015,239 +10124,100 @@
       </p:grpSpPr>
       <p:sp>
         <p:nvSpPr>
-          <p:cNvPr id="2" name="标题占位符 1"/>
-          <p:cNvSpPr>
-            <a:spLocks noGrp="1"/>
-          </p:cNvSpPr>
-          <p:nvPr>
-            <p:ph type="title"/>
-          </p:nvPr>
+          <p:cNvPr id="7" name="矩形 6"/>
+          <p:cNvSpPr/>
+          <p:nvPr userDrawn="1"/>
         </p:nvSpPr>
         <p:spPr>
           <a:xfrm>
-            <a:off x="838200" y="365125"/>
-            <a:ext cx="10515600" cy="1325563"/>
+            <a:off x="0" y="1"/>
+            <a:ext cx="1219200" cy="346249"/>
           </a:xfrm>
           <a:prstGeom prst="rect">
             <a:avLst/>
           </a:prstGeom>
+          <a:noFill/>
         </p:spPr>
         <p:txBody>
-          <a:bodyPr vert="horz" lIns="91440" tIns="45720" rIns="91440" bIns="45720" rtlCol="0" anchor="ctr">
-            <a:normAutofit/>
+          <a:bodyPr wrap="square" lIns="68580" tIns="34290" rIns="68580" bIns="34290">
+            <a:spAutoFit/>
           </a:bodyPr>
           <a:lstStyle/>
           <a:p>
+            <a:pPr algn="l"/>
             <a:r>
-              <a:rPr lang="zh-CN" altLang="en-US" smtClean="0"/>
-              <a:t>单击此处编辑母版标题样式</a:t>
+              <a:rPr lang="en-US" altLang="zh-CN" sz="1800" b="1" cap="none" spc="0" dirty="0" smtClean="0">
+                <a:ln w="12700">
+                  <a:solidFill>
+                    <a:schemeClr val="accent5"/>
+                  </a:solidFill>
+                  <a:prstDash val="solid"/>
+                </a:ln>
+                <a:pattFill prst="ltDnDiag">
+                  <a:fgClr>
+                    <a:schemeClr val="accent5">
+                      <a:lumMod val="60000"/>
+                      <a:lumOff val="40000"/>
+                    </a:schemeClr>
+                  </a:fgClr>
+                  <a:bgClr>
+                    <a:schemeClr val="bg1"/>
+                  </a:bgClr>
+                </a:pattFill>
+                <a:effectLst>
+                  <a:reflection blurRad="6350" stA="55000" endA="300" endPos="45500" dir="5400000" sy="-100000" algn="bl" rotWithShape="0"/>
+                </a:effectLst>
+                <a:latin typeface="微软雅黑" panose="020B0503020204020204" pitchFamily="34" charset="-122"/>
+                <a:ea typeface="微软雅黑" panose="020B0503020204020204" pitchFamily="34" charset="-122"/>
+              </a:rPr>
+              <a:t>ATS</a:t>
             </a:r>
-            <a:endParaRPr lang="zh-CN" altLang="en-US"/>
-          </a:p>
-        </p:txBody>
-      </p:sp>
-      <p:sp>
-        <p:nvSpPr>
-          <p:cNvPr id="3" name="文本占位符 2"/>
-          <p:cNvSpPr>
-            <a:spLocks noGrp="1"/>
-          </p:cNvSpPr>
-          <p:nvPr>
-            <p:ph type="body" idx="1"/>
-          </p:nvPr>
-        </p:nvSpPr>
-        <p:spPr>
-          <a:xfrm>
-            <a:off x="838200" y="1825625"/>
-            <a:ext cx="10515600" cy="4351338"/>
-          </a:xfrm>
-          <a:prstGeom prst="rect">
-            <a:avLst/>
-          </a:prstGeom>
-        </p:spPr>
-        <p:txBody>
-          <a:bodyPr vert="horz" lIns="91440" tIns="45720" rIns="91440" bIns="45720" rtlCol="0">
-            <a:normAutofit/>
-          </a:bodyPr>
-          <a:lstStyle/>
-          <a:p>
-            <a:pPr lvl="0"/>
-            <a:r>
-              <a:rPr lang="zh-CN" altLang="en-US" smtClean="0"/>
-              <a:t>单击此处编辑母版文本样式</a:t>
-            </a:r>
-          </a:p>
-          <a:p>
-            <a:pPr lvl="1"/>
-            <a:r>
-              <a:rPr lang="zh-CN" altLang="en-US" smtClean="0"/>
-              <a:t>第二级</a:t>
-            </a:r>
-          </a:p>
-          <a:p>
-            <a:pPr lvl="2"/>
-            <a:r>
-              <a:rPr lang="zh-CN" altLang="en-US" smtClean="0"/>
-              <a:t>第三级</a:t>
-            </a:r>
-          </a:p>
-          <a:p>
-            <a:pPr lvl="3"/>
-            <a:r>
-              <a:rPr lang="zh-CN" altLang="en-US" smtClean="0"/>
-              <a:t>第四级</a:t>
-            </a:r>
-          </a:p>
-          <a:p>
-            <a:pPr lvl="4"/>
-            <a:r>
-              <a:rPr lang="zh-CN" altLang="en-US" smtClean="0"/>
-              <a:t>第五级</a:t>
-            </a:r>
-            <a:endParaRPr lang="zh-CN" altLang="en-US"/>
-          </a:p>
-        </p:txBody>
-      </p:sp>
-      <p:sp>
-        <p:nvSpPr>
-          <p:cNvPr id="4" name="日期占位符 3"/>
-          <p:cNvSpPr>
-            <a:spLocks noGrp="1"/>
-          </p:cNvSpPr>
-          <p:nvPr>
-            <p:ph type="dt" sz="half" idx="2"/>
-          </p:nvPr>
-        </p:nvSpPr>
-        <p:spPr>
-          <a:xfrm>
-            <a:off x="838200" y="6356350"/>
-            <a:ext cx="2743200" cy="365125"/>
-          </a:xfrm>
-          <a:prstGeom prst="rect">
-            <a:avLst/>
-          </a:prstGeom>
-        </p:spPr>
-        <p:txBody>
-          <a:bodyPr vert="horz" lIns="91440" tIns="45720" rIns="91440" bIns="45720" rtlCol="0" anchor="ctr"/>
-          <a:lstStyle>
-            <a:lvl1pPr algn="l">
-              <a:defRPr sz="1200">
+            <a:endParaRPr lang="zh-CN" altLang="en-US" sz="1800" b="1" cap="none" spc="0" dirty="0">
+              <a:ln w="12700">
                 <a:solidFill>
-                  <a:schemeClr val="tx1">
-                    <a:tint val="75000"/>
+                  <a:schemeClr val="accent5"/>
+                </a:solidFill>
+                <a:prstDash val="solid"/>
+              </a:ln>
+              <a:pattFill prst="ltDnDiag">
+                <a:fgClr>
+                  <a:schemeClr val="accent5">
+                    <a:lumMod val="60000"/>
+                    <a:lumOff val="40000"/>
                   </a:schemeClr>
-                </a:solidFill>
-              </a:defRPr>
-            </a:lvl1pPr>
-          </a:lstStyle>
-          <a:p>
-            <a:fld id="{9C515908-D9C7-4E1E-9BC1-F515A675506E}" type="datetimeFigureOut">
-              <a:rPr lang="zh-CN" altLang="en-US" smtClean="0"/>
-              <a:t>2018/9/24</a:t>
-            </a:fld>
-            <a:endParaRPr lang="zh-CN" altLang="en-US"/>
-          </a:p>
-        </p:txBody>
-      </p:sp>
-      <p:sp>
-        <p:nvSpPr>
-          <p:cNvPr id="5" name="页脚占位符 4"/>
-          <p:cNvSpPr>
-            <a:spLocks noGrp="1"/>
-          </p:cNvSpPr>
-          <p:nvPr>
-            <p:ph type="ftr" sz="quarter" idx="3"/>
-          </p:nvPr>
-        </p:nvSpPr>
-        <p:spPr>
-          <a:xfrm>
-            <a:off x="4038600" y="6356350"/>
-            <a:ext cx="4114800" cy="365125"/>
-          </a:xfrm>
-          <a:prstGeom prst="rect">
-            <a:avLst/>
-          </a:prstGeom>
-        </p:spPr>
-        <p:txBody>
-          <a:bodyPr vert="horz" lIns="91440" tIns="45720" rIns="91440" bIns="45720" rtlCol="0" anchor="ctr"/>
-          <a:lstStyle>
-            <a:lvl1pPr algn="ctr">
-              <a:defRPr sz="1200">
-                <a:solidFill>
-                  <a:schemeClr val="tx1">
-                    <a:tint val="75000"/>
-                  </a:schemeClr>
-                </a:solidFill>
-              </a:defRPr>
-            </a:lvl1pPr>
-          </a:lstStyle>
-          <a:p>
-            <a:endParaRPr lang="zh-CN" altLang="en-US"/>
-          </a:p>
-        </p:txBody>
-      </p:sp>
-      <p:sp>
-        <p:nvSpPr>
-          <p:cNvPr id="6" name="灯片编号占位符 5"/>
-          <p:cNvSpPr>
-            <a:spLocks noGrp="1"/>
-          </p:cNvSpPr>
-          <p:nvPr>
-            <p:ph type="sldNum" sz="quarter" idx="4"/>
-          </p:nvPr>
-        </p:nvSpPr>
-        <p:spPr>
-          <a:xfrm>
-            <a:off x="8610600" y="6356350"/>
-            <a:ext cx="2743200" cy="365125"/>
-          </a:xfrm>
-          <a:prstGeom prst="rect">
-            <a:avLst/>
-          </a:prstGeom>
-        </p:spPr>
-        <p:txBody>
-          <a:bodyPr vert="horz" lIns="91440" tIns="45720" rIns="91440" bIns="45720" rtlCol="0" anchor="ctr"/>
-          <a:lstStyle>
-            <a:lvl1pPr algn="r">
-              <a:defRPr sz="1200">
-                <a:solidFill>
-                  <a:schemeClr val="tx1">
-                    <a:tint val="75000"/>
-                  </a:schemeClr>
-                </a:solidFill>
-              </a:defRPr>
-            </a:lvl1pPr>
-          </a:lstStyle>
-          <a:p>
-            <a:fld id="{716FDA15-ADD9-48DB-875E-39453D30CAF6}" type="slidenum">
-              <a:rPr lang="zh-CN" altLang="en-US" smtClean="0"/>
-              <a:t>‹#›</a:t>
-            </a:fld>
-            <a:endParaRPr lang="zh-CN" altLang="en-US"/>
+                </a:fgClr>
+                <a:bgClr>
+                  <a:schemeClr val="bg1"/>
+                </a:bgClr>
+              </a:pattFill>
+              <a:effectLst>
+                <a:reflection blurRad="6350" stA="55000" endA="300" endPos="45500" dir="5400000" sy="-100000" algn="bl" rotWithShape="0"/>
+              </a:effectLst>
+              <a:latin typeface="微软雅黑" panose="020B0503020204020204" pitchFamily="34" charset="-122"/>
+              <a:ea typeface="微软雅黑" panose="020B0503020204020204" pitchFamily="34" charset="-122"/>
+            </a:endParaRPr>
           </a:p>
         </p:txBody>
       </p:sp>
     </p:spTree>
     <p:extLst>
       <p:ext uri="{BB962C8B-B14F-4D97-AF65-F5344CB8AC3E}">
-        <p14:creationId xmlns:p14="http://schemas.microsoft.com/office/powerpoint/2010/main" val="4226870483"/>
+        <p14:creationId xmlns:p14="http://schemas.microsoft.com/office/powerpoint/2010/main" val="1108745463"/>
       </p:ext>
     </p:extLst>
   </p:cSld>
   <p:clrMap bg1="lt1" tx1="dk1" bg2="lt2" tx2="dk2" accent1="accent1" accent2="accent2" accent3="accent3" accent4="accent4" accent5="accent5" accent6="accent6" hlink="hlink" folHlink="folHlink"/>
   <p:sldLayoutIdLst>
-    <p:sldLayoutId id="2147483649" r:id="rId1"/>
-    <p:sldLayoutId id="2147483650" r:id="rId2"/>
-    <p:sldLayoutId id="2147483651" r:id="rId3"/>
-    <p:sldLayoutId id="2147483652" r:id="rId4"/>
-    <p:sldLayoutId id="2147483653" r:id="rId5"/>
-    <p:sldLayoutId id="2147483654" r:id="rId6"/>
-    <p:sldLayoutId id="2147483655" r:id="rId7"/>
-    <p:sldLayoutId id="2147483656" r:id="rId8"/>
-    <p:sldLayoutId id="2147483657" r:id="rId9"/>
-    <p:sldLayoutId id="2147483658" r:id="rId10"/>
-    <p:sldLayoutId id="2147483659" r:id="rId11"/>
+    <p:sldLayoutId id="2147483672" r:id="rId1"/>
+    <p:sldLayoutId id="2147483662" r:id="rId2"/>
   </p:sldLayoutIdLst>
+  <p:timing>
+    <p:tnLst>
+      <p:par>
+        <p:cTn id="1" dur="indefinite" restart="never" nodeType="tmRoot"/>
+      </p:par>
+    </p:tnLst>
+  </p:timing>
   <p:txStyles>
     <p:titleStyle>
       <a:lvl1pPr algn="l" defTabSz="914400" rtl="0" eaLnBrk="1" latinLnBrk="0" hangingPunct="1">
@@ -12434,7 +10404,7 @@
     </p:bodyStyle>
     <p:otherStyle>
       <a:defPPr>
-        <a:defRPr lang="zh-CN"/>
+        <a:defRPr lang="en-US"/>
       </a:defPPr>
       <a:lvl1pPr marL="0" algn="l" defTabSz="914400" rtl="0" eaLnBrk="1" latinLnBrk="0" hangingPunct="1">
         <a:defRPr sz="1800" kern="1200">
@@ -12558,20 +10528,37 @@
             <p:ph type="ctrTitle"/>
           </p:nvPr>
         </p:nvSpPr>
-        <p:spPr/>
+        <p:spPr>
+          <a:xfrm>
+            <a:off x="0" y="2590800"/>
+            <a:ext cx="9144000" cy="1412648"/>
+          </a:xfrm>
+          <a:prstGeom prst="rect">
+            <a:avLst/>
+          </a:prstGeom>
+        </p:spPr>
         <p:txBody>
           <a:bodyPr/>
           <a:lstStyle/>
           <a:p>
+            <a:pPr algn="ctr"/>
             <a:r>
-              <a:rPr lang="en-US" altLang="zh-CN" dirty="0" smtClean="0"/>
-              <a:t>ATS</a:t>
+              <a:rPr lang="zh-CN" altLang="en-US" dirty="0" smtClean="0">
+                <a:solidFill>
+                  <a:schemeClr val="tx1"/>
+                </a:solidFill>
+                <a:latin typeface="微软雅黑" panose="020B0503020204020204" pitchFamily="34" charset="-122"/>
+                <a:ea typeface="微软雅黑" panose="020B0503020204020204" pitchFamily="34" charset="-122"/>
+              </a:rPr>
+              <a:t>自动化测试的一些尝试</a:t>
             </a:r>
-            <a:r>
-              <a:rPr lang="zh-CN" altLang="en-US" dirty="0" smtClean="0"/>
-              <a:t>说明</a:t>
-            </a:r>
-            <a:endParaRPr lang="zh-CN" altLang="en-US" dirty="0"/>
+            <a:endParaRPr lang="zh-CN" altLang="en-US" dirty="0">
+              <a:solidFill>
+                <a:schemeClr val="tx1"/>
+              </a:solidFill>
+              <a:latin typeface="微软雅黑" panose="020B0503020204020204" pitchFamily="34" charset="-122"/>
+              <a:ea typeface="微软雅黑" panose="020B0503020204020204" pitchFamily="34" charset="-122"/>
+            </a:endParaRPr>
           </a:p>
         </p:txBody>
       </p:sp>
@@ -12582,14 +10569,25 @@
             <a:spLocks noGrp="1"/>
           </p:cNvSpPr>
           <p:nvPr>
-            <p:ph type="subTitle" idx="1"/>
+            <p:ph type="subTitle" idx="4294967295"/>
           </p:nvPr>
         </p:nvSpPr>
-        <p:spPr/>
+        <p:spPr>
+          <a:xfrm>
+            <a:off x="0" y="4110038"/>
+            <a:ext cx="9144000" cy="1655762"/>
+          </a:xfrm>
+          <a:prstGeom prst="rect">
+            <a:avLst/>
+          </a:prstGeom>
+        </p:spPr>
         <p:txBody>
           <a:bodyPr/>
           <a:lstStyle/>
           <a:p>
+            <a:pPr marL="0" indent="0" algn="ctr">
+              <a:buNone/>
+            </a:pPr>
             <a:r>
               <a:rPr lang="en-US" altLang="zh-CN" dirty="0" smtClean="0"/>
               <a:t>2018-9-24</a:t>
@@ -12608,6 +10606,13 @@
   <p:clrMapOvr>
     <a:masterClrMapping/>
   </p:clrMapOvr>
+  <p:timing>
+    <p:tnLst>
+      <p:par>
+        <p:cTn id="1" dur="indefinite" restart="never" nodeType="tmRoot"/>
+      </p:par>
+    </p:tnLst>
+  </p:timing>
 </p:sld>
 </file>
 
@@ -12635,10 +10640,224 @@
             <a:spLocks noGrp="1"/>
           </p:cNvSpPr>
           <p:nvPr>
-            <p:ph type="title"/>
+            <p:ph type="title" idx="4294967295"/>
           </p:nvPr>
         </p:nvSpPr>
-        <p:spPr/>
+        <p:spPr>
+          <a:xfrm>
+            <a:off x="628650" y="365126"/>
+            <a:ext cx="7886700" cy="1325563"/>
+          </a:xfrm>
+          <a:prstGeom prst="rect">
+            <a:avLst/>
+          </a:prstGeom>
+        </p:spPr>
+        <p:txBody>
+          <a:bodyPr/>
+          <a:lstStyle/>
+          <a:p>
+            <a:r>
+              <a:rPr lang="zh-CN" altLang="en-US" dirty="0" smtClean="0"/>
+              <a:t>原理篇</a:t>
+            </a:r>
+            <a:r>
+              <a:rPr lang="en-US" altLang="zh-CN" dirty="0"/>
+              <a:t> </a:t>
+            </a:r>
+            <a:r>
+              <a:rPr lang="en-US" altLang="zh-CN" dirty="0" smtClean="0"/>
+              <a:t> </a:t>
+            </a:r>
+            <a:r>
+              <a:rPr lang="en-US" altLang="zh-CN" dirty="0" err="1" smtClean="0"/>
+              <a:t>ats_client</a:t>
+            </a:r>
+            <a:endParaRPr lang="zh-CN" altLang="en-US" dirty="0"/>
+          </a:p>
+        </p:txBody>
+      </p:sp>
+      <p:sp>
+        <p:nvSpPr>
+          <p:cNvPr id="3" name="内容占位符 2"/>
+          <p:cNvSpPr>
+            <a:spLocks noGrp="1"/>
+          </p:cNvSpPr>
+          <p:nvPr>
+            <p:ph idx="4294967295"/>
+          </p:nvPr>
+        </p:nvSpPr>
+        <p:spPr>
+          <a:xfrm>
+            <a:off x="628650" y="1825625"/>
+            <a:ext cx="7886700" cy="4351338"/>
+          </a:xfrm>
+          <a:prstGeom prst="rect">
+            <a:avLst/>
+          </a:prstGeom>
+        </p:spPr>
+        <p:txBody>
+          <a:bodyPr>
+            <a:normAutofit/>
+          </a:bodyPr>
+          <a:lstStyle/>
+          <a:p>
+            <a:r>
+              <a:rPr lang="en-US" altLang="zh-CN" sz="2400" dirty="0"/>
+              <a:t>chrome</a:t>
+            </a:r>
+            <a:r>
+              <a:rPr lang="zh-CN" altLang="en-US" sz="2400" dirty="0"/>
+              <a:t>扩展程序</a:t>
+            </a:r>
+            <a:endParaRPr lang="en-US" altLang="zh-CN" sz="2400" dirty="0"/>
+          </a:p>
+          <a:p>
+            <a:r>
+              <a:rPr lang="zh-CN" altLang="en-US" sz="2400" dirty="0"/>
+              <a:t>注入</a:t>
+            </a:r>
+            <a:r>
+              <a:rPr lang="en-US" altLang="zh-CN" sz="2400" dirty="0" err="1"/>
+              <a:t>javascript</a:t>
+            </a:r>
+            <a:r>
+              <a:rPr lang="zh-CN" altLang="en-US" sz="2400" dirty="0"/>
+              <a:t>监听</a:t>
+            </a:r>
+            <a:endParaRPr lang="en-US" altLang="zh-CN" sz="2400" dirty="0"/>
+          </a:p>
+          <a:p>
+            <a:pPr lvl="1"/>
+            <a:r>
+              <a:rPr lang="zh-CN" altLang="en-US" sz="2100" dirty="0"/>
+              <a:t>用户行为：</a:t>
+            </a:r>
+            <a:r>
+              <a:rPr lang="en-US" altLang="zh-CN" sz="2100" dirty="0"/>
+              <a:t> </a:t>
+            </a:r>
+            <a:r>
+              <a:rPr lang="en-US" altLang="zh-CN" sz="2100" dirty="0"/>
+              <a:t>change, focus, blur, </a:t>
+            </a:r>
+            <a:r>
+              <a:rPr lang="en-US" altLang="zh-CN" sz="2100" dirty="0" err="1"/>
+              <a:t>keydown</a:t>
+            </a:r>
+            <a:r>
+              <a:rPr lang="en-US" altLang="zh-CN" sz="2100" dirty="0"/>
+              <a:t>, </a:t>
+            </a:r>
+            <a:r>
+              <a:rPr lang="en-US" altLang="zh-CN" sz="2100" dirty="0" err="1"/>
+              <a:t>keyup</a:t>
+            </a:r>
+            <a:r>
+              <a:rPr lang="en-US" altLang="zh-CN" sz="2100" dirty="0"/>
+              <a:t>, </a:t>
+            </a:r>
+            <a:r>
+              <a:rPr lang="en-US" altLang="zh-CN" sz="2100" dirty="0" err="1"/>
+              <a:t>mousedown</a:t>
+            </a:r>
+            <a:r>
+              <a:rPr lang="en-US" altLang="zh-CN" sz="2100" dirty="0"/>
+              <a:t>, </a:t>
+            </a:r>
+            <a:r>
+              <a:rPr lang="en-US" altLang="zh-CN" sz="2100" dirty="0" err="1"/>
+              <a:t>mouseup</a:t>
+            </a:r>
+            <a:r>
+              <a:rPr lang="en-US" altLang="zh-CN" sz="2100" dirty="0"/>
+              <a:t>, </a:t>
+            </a:r>
+            <a:r>
+              <a:rPr lang="en-US" altLang="zh-CN" sz="2100" dirty="0" err="1"/>
+              <a:t>mouse_over</a:t>
+            </a:r>
+            <a:r>
+              <a:rPr lang="en-US" altLang="zh-CN" sz="2100" dirty="0"/>
+              <a:t>, scroll</a:t>
+            </a:r>
+          </a:p>
+          <a:p>
+            <a:pPr lvl="1"/>
+            <a:r>
+              <a:rPr lang="zh-CN" altLang="en-US" sz="2100" dirty="0"/>
+              <a:t>浏览器行为：</a:t>
+            </a:r>
+            <a:r>
+              <a:rPr lang="en-US" altLang="zh-CN" sz="2100" dirty="0"/>
+              <a:t>network, navigate, mutation, resize</a:t>
+            </a:r>
+          </a:p>
+          <a:p>
+            <a:r>
+              <a:rPr lang="zh-CN" altLang="en-US" sz="2400" dirty="0"/>
+              <a:t>输出：包含上述所有信息的一个</a:t>
+            </a:r>
+            <a:r>
+              <a:rPr lang="en-US" altLang="zh-CN" sz="2400" dirty="0" err="1"/>
+              <a:t>ats_data.json</a:t>
+            </a:r>
+            <a:r>
+              <a:rPr lang="zh-CN" altLang="en-US" sz="2400" dirty="0"/>
+              <a:t>文件</a:t>
+            </a:r>
+            <a:endParaRPr lang="zh-CN" altLang="en-US" sz="2400" dirty="0"/>
+          </a:p>
+        </p:txBody>
+      </p:sp>
+    </p:spTree>
+    <p:extLst>
+      <p:ext uri="{BB962C8B-B14F-4D97-AF65-F5344CB8AC3E}">
+        <p14:creationId xmlns:p14="http://schemas.microsoft.com/office/powerpoint/2010/main" val="3740345464"/>
+      </p:ext>
+    </p:extLst>
+  </p:cSld>
+  <p:clrMapOvr>
+    <a:masterClrMapping/>
+  </p:clrMapOvr>
+</p:sld>
+</file>
+
+<file path=ppt/slides/slide11.xml><?xml version="1.0" encoding="utf-8"?>
+<p:sld xmlns:a="http://schemas.openxmlformats.org/drawingml/2006/main" xmlns:r="http://schemas.openxmlformats.org/officeDocument/2006/relationships" xmlns:p="http://schemas.openxmlformats.org/presentationml/2006/main">
+  <p:cSld>
+    <p:spTree>
+      <p:nvGrpSpPr>
+        <p:cNvPr id="1" name=""/>
+        <p:cNvGrpSpPr/>
+        <p:nvPr/>
+      </p:nvGrpSpPr>
+      <p:grpSpPr>
+        <a:xfrm>
+          <a:off x="0" y="0"/>
+          <a:ext cx="0" cy="0"/>
+          <a:chOff x="0" y="0"/>
+          <a:chExt cx="0" cy="0"/>
+        </a:xfrm>
+      </p:grpSpPr>
+      <p:sp>
+        <p:nvSpPr>
+          <p:cNvPr id="2" name="标题 1"/>
+          <p:cNvSpPr>
+            <a:spLocks noGrp="1"/>
+          </p:cNvSpPr>
+          <p:nvPr>
+            <p:ph type="title" idx="4294967295"/>
+          </p:nvPr>
+        </p:nvSpPr>
+        <p:spPr>
+          <a:xfrm>
+            <a:off x="628650" y="365126"/>
+            <a:ext cx="7886700" cy="1325563"/>
+          </a:xfrm>
+          <a:prstGeom prst="rect">
+            <a:avLst/>
+          </a:prstGeom>
+        </p:spPr>
         <p:txBody>
           <a:bodyPr/>
           <a:lstStyle/>
@@ -12662,51 +10881,56 @@
             <a:spLocks noGrp="1"/>
           </p:cNvSpPr>
           <p:nvPr>
-            <p:ph idx="1"/>
+            <p:ph idx="4294967295"/>
           </p:nvPr>
         </p:nvSpPr>
-        <p:spPr/>
+        <p:spPr>
+          <a:xfrm>
+            <a:off x="628650" y="1825625"/>
+            <a:ext cx="7886700" cy="4351338"/>
+          </a:xfrm>
+          <a:prstGeom prst="rect">
+            <a:avLst/>
+          </a:prstGeom>
+        </p:spPr>
         <p:txBody>
           <a:bodyPr/>
           <a:lstStyle/>
           <a:p>
             <a:r>
               <a:rPr lang="zh-CN" altLang="en-US" dirty="0" smtClean="0"/>
-              <a:t>客户端程序</a:t>
-            </a:r>
-            <a:endParaRPr lang="en-US" altLang="zh-CN" dirty="0" smtClean="0"/>
-          </a:p>
-          <a:p>
-            <a:r>
-              <a:rPr lang="en-US" altLang="zh-CN" dirty="0"/>
-              <a:t>e</a:t>
+              <a:t>客户端</a:t>
             </a:r>
             <a:r>
               <a:rPr lang="en-US" altLang="zh-CN" dirty="0" smtClean="0"/>
-              <a:t>lectron</a:t>
+              <a:t>electron</a:t>
             </a:r>
             <a:r>
               <a:rPr lang="zh-CN" altLang="en-US" dirty="0" smtClean="0"/>
-              <a:t>实现跨平台</a:t>
+              <a:t>程序</a:t>
             </a:r>
             <a:endParaRPr lang="en-US" altLang="zh-CN" dirty="0" smtClean="0"/>
           </a:p>
           <a:p>
             <a:r>
               <a:rPr lang="en-US" altLang="zh-CN" dirty="0" smtClean="0"/>
-              <a:t>puppeteer</a:t>
+              <a:t>Puppeteer</a:t>
             </a:r>
             <a:r>
               <a:rPr lang="zh-CN" altLang="en-US" dirty="0" smtClean="0"/>
-              <a:t>实现</a:t>
+              <a:t>（</a:t>
             </a:r>
             <a:r>
-              <a:rPr lang="en-US" altLang="zh-CN" dirty="0" smtClean="0"/>
-              <a:t>headless chrome</a:t>
+              <a:rPr lang="en-US" altLang="zh-CN" dirty="0"/>
+              <a:t> headless chrome </a:t>
             </a:r>
             <a:r>
               <a:rPr lang="zh-CN" altLang="en-US" dirty="0" smtClean="0"/>
-              <a:t>还原整个</a:t>
+              <a:t>）还原</a:t>
+            </a:r>
+            <a:r>
+              <a:rPr lang="zh-CN" altLang="en-US" dirty="0" smtClean="0"/>
+              <a:t>整个</a:t>
             </a:r>
             <a:r>
               <a:rPr lang="en-US" altLang="zh-CN" dirty="0" err="1" smtClean="0"/>
@@ -12726,7 +10950,11 @@
             </a:r>
             <a:r>
               <a:rPr lang="zh-CN" altLang="en-US" dirty="0" smtClean="0"/>
-              <a:t>截图保存</a:t>
+              <a:t>截图</a:t>
+            </a:r>
+            <a:r>
+              <a:rPr lang="zh-CN" altLang="en-US" dirty="0" smtClean="0"/>
+              <a:t>保存</a:t>
             </a:r>
             <a:endParaRPr lang="en-US" altLang="zh-CN" dirty="0" smtClean="0"/>
           </a:p>
@@ -12760,7 +10988,7 @@
 </p:sld>
 </file>
 
-<file path=ppt/slides/slide11.xml><?xml version="1.0" encoding="utf-8"?>
+<file path=ppt/slides/slide12.xml><?xml version="1.0" encoding="utf-8"?>
 <p:sld xmlns:a="http://schemas.openxmlformats.org/drawingml/2006/main" xmlns:r="http://schemas.openxmlformats.org/officeDocument/2006/relationships" xmlns:p="http://schemas.openxmlformats.org/presentationml/2006/main">
   <p:cSld>
     <p:spTree>
@@ -12784,17 +11012,25 @@
             <a:spLocks noGrp="1"/>
           </p:cNvSpPr>
           <p:nvPr>
-            <p:ph type="title"/>
+            <p:ph type="title" idx="4294967295"/>
           </p:nvPr>
         </p:nvSpPr>
-        <p:spPr/>
+        <p:spPr>
+          <a:xfrm>
+            <a:off x="628650" y="365126"/>
+            <a:ext cx="7886700" cy="1325563"/>
+          </a:xfrm>
+          <a:prstGeom prst="rect">
+            <a:avLst/>
+          </a:prstGeom>
+        </p:spPr>
         <p:txBody>
           <a:bodyPr/>
           <a:lstStyle/>
           <a:p>
             <a:r>
               <a:rPr lang="zh-CN" altLang="en-US" dirty="0" smtClean="0"/>
-              <a:t>待优化点</a:t>
+              <a:t>总结</a:t>
             </a:r>
             <a:endParaRPr lang="zh-CN" altLang="en-US" dirty="0"/>
           </a:p>
@@ -12807,70 +11043,47 @@
             <a:spLocks noGrp="1"/>
           </p:cNvSpPr>
           <p:nvPr>
-            <p:ph idx="1"/>
+            <p:ph idx="4294967295"/>
           </p:nvPr>
         </p:nvSpPr>
-        <p:spPr/>
+        <p:spPr>
+          <a:xfrm>
+            <a:off x="628650" y="1825625"/>
+            <a:ext cx="7886700" cy="4351338"/>
+          </a:xfrm>
+          <a:prstGeom prst="rect">
+            <a:avLst/>
+          </a:prstGeom>
+        </p:spPr>
         <p:txBody>
           <a:bodyPr/>
           <a:lstStyle/>
           <a:p>
             <a:r>
-              <a:rPr lang="en-US" altLang="zh-CN" dirty="0" smtClean="0"/>
-              <a:t>Data</a:t>
-            </a:r>
-            <a:r>
               <a:rPr lang="zh-CN" altLang="en-US" dirty="0" smtClean="0"/>
-              <a:t>文件可压缩，但会丢失可读性</a:t>
+              <a:t>录制成本低，不用了解业务、不用写代码</a:t>
             </a:r>
             <a:endParaRPr lang="en-US" altLang="zh-CN" dirty="0" smtClean="0"/>
           </a:p>
           <a:p>
             <a:r>
               <a:rPr lang="zh-CN" altLang="en-US" dirty="0" smtClean="0"/>
-              <a:t>可保存</a:t>
+              <a:t>不能替代现有的自动化测试，不能自行做出</a:t>
             </a:r>
             <a:r>
-              <a:rPr lang="en-US" altLang="zh-CN" dirty="0" err="1" smtClean="0"/>
-              <a:t>config</a:t>
+              <a:rPr lang="zh-CN" altLang="en-US" dirty="0"/>
+              <a:t>不</a:t>
             </a:r>
             <a:r>
               <a:rPr lang="zh-CN" altLang="en-US" dirty="0" smtClean="0"/>
-              <a:t>用例套件，一个批次运行多个</a:t>
-            </a:r>
-            <a:r>
-              <a:rPr lang="en-US" altLang="zh-CN" dirty="0" err="1" smtClean="0"/>
-              <a:t>config</a:t>
-            </a:r>
-            <a:r>
-              <a:rPr lang="zh-CN" altLang="en-US" dirty="0" smtClean="0"/>
-              <a:t>，提升效率</a:t>
-            </a:r>
-            <a:endParaRPr lang="en-US" altLang="zh-CN" dirty="0" smtClean="0"/>
-          </a:p>
-          <a:p>
-            <a:r>
-              <a:rPr lang="en-US" altLang="zh-CN" dirty="0" err="1" smtClean="0"/>
-              <a:t>Ats_server</a:t>
-            </a:r>
-            <a:r>
-              <a:rPr lang="zh-CN" altLang="en-US" dirty="0" smtClean="0"/>
-              <a:t>改造成网页版</a:t>
+              <a:t>通过测试的结论</a:t>
             </a:r>
             <a:endParaRPr lang="en-US" altLang="zh-CN" dirty="0" smtClean="0"/>
           </a:p>
           <a:p>
             <a:r>
               <a:rPr lang="zh-CN" altLang="en-US" dirty="0" smtClean="0"/>
-              <a:t>自动化运行</a:t>
-            </a:r>
-            <a:r>
-              <a:rPr lang="en-US" altLang="zh-CN" dirty="0" err="1" smtClean="0"/>
-              <a:t>config</a:t>
-            </a:r>
-            <a:r>
-              <a:rPr lang="zh-CN" altLang="en-US" dirty="0" smtClean="0"/>
-              <a:t>、运行结果的通知机制</a:t>
+              <a:t>只适用于前端测试</a:t>
             </a:r>
             <a:endParaRPr lang="en-US" altLang="zh-CN" dirty="0" smtClean="0"/>
           </a:p>
@@ -12896,7 +11109,7 @@
 </p:sld>
 </file>
 
-<file path=ppt/slides/slide12.xml><?xml version="1.0" encoding="utf-8"?>
+<file path=ppt/slides/slide13.xml><?xml version="1.0" encoding="utf-8"?>
 <p:sld xmlns:a="http://schemas.openxmlformats.org/drawingml/2006/main" xmlns:r="http://schemas.openxmlformats.org/officeDocument/2006/relationships" xmlns:p="http://schemas.openxmlformats.org/presentationml/2006/main">
   <p:cSld>
     <p:spTree>
@@ -12920,10 +11133,18 @@
             <a:spLocks noGrp="1"/>
           </p:cNvSpPr>
           <p:nvPr>
-            <p:ph idx="1"/>
+            <p:ph idx="4294967295"/>
           </p:nvPr>
         </p:nvSpPr>
-        <p:spPr/>
+        <p:spPr>
+          <a:xfrm>
+            <a:off x="628650" y="1825625"/>
+            <a:ext cx="7886700" cy="4351338"/>
+          </a:xfrm>
+          <a:prstGeom prst="rect">
+            <a:avLst/>
+          </a:prstGeom>
+        </p:spPr>
         <p:txBody>
           <a:bodyPr/>
           <a:lstStyle/>
@@ -12976,16 +11197,32 @@
             <p:ph type="title"/>
           </p:nvPr>
         </p:nvSpPr>
-        <p:spPr/>
+        <p:spPr>
+          <a:prstGeom prst="rect">
+            <a:avLst/>
+          </a:prstGeom>
+        </p:spPr>
         <p:txBody>
           <a:bodyPr/>
           <a:lstStyle/>
           <a:p>
             <a:r>
-              <a:rPr lang="zh-CN" altLang="en-US" dirty="0" smtClean="0"/>
+              <a:rPr lang="zh-CN" altLang="en-US" dirty="0" smtClean="0">
+                <a:solidFill>
+                  <a:schemeClr val="tx1"/>
+                </a:solidFill>
+                <a:latin typeface="微软雅黑" panose="020B0503020204020204" pitchFamily="34" charset="-122"/>
+                <a:ea typeface="微软雅黑" panose="020B0503020204020204" pitchFamily="34" charset="-122"/>
+              </a:rPr>
               <a:t>目录</a:t>
             </a:r>
-            <a:endParaRPr lang="zh-CN" altLang="en-US" dirty="0"/>
+            <a:endParaRPr lang="zh-CN" altLang="en-US" dirty="0">
+              <a:solidFill>
+                <a:schemeClr val="tx1"/>
+              </a:solidFill>
+              <a:latin typeface="微软雅黑" panose="020B0503020204020204" pitchFamily="34" charset="-122"/>
+              <a:ea typeface="微软雅黑" panose="020B0503020204020204" pitchFamily="34" charset="-122"/>
+            </a:endParaRPr>
           </a:p>
         </p:txBody>
       </p:sp>
@@ -12996,47 +11233,74 @@
             <a:spLocks noGrp="1"/>
           </p:cNvSpPr>
           <p:nvPr>
-            <p:ph idx="1"/>
+            <p:ph idx="4294967295"/>
           </p:nvPr>
         </p:nvSpPr>
-        <p:spPr/>
+        <p:spPr>
+          <a:xfrm>
+            <a:off x="0" y="2202142"/>
+            <a:ext cx="9144000" cy="4351338"/>
+          </a:xfrm>
+          <a:prstGeom prst="rect">
+            <a:avLst/>
+          </a:prstGeom>
+        </p:spPr>
         <p:txBody>
           <a:bodyPr/>
           <a:lstStyle/>
           <a:p>
+            <a:pPr marL="590400">
+              <a:spcBef>
+                <a:spcPts val="1800"/>
+              </a:spcBef>
+            </a:pPr>
             <a:r>
-              <a:rPr lang="zh-CN" altLang="en-US" dirty="0" smtClean="0"/>
-              <a:t>思路</a:t>
+              <a:rPr lang="zh-CN" altLang="en-US" dirty="0" smtClean="0">
+                <a:latin typeface="微软雅黑" panose="020B0503020204020204" pitchFamily="34" charset="-122"/>
+                <a:ea typeface="微软雅黑" panose="020B0503020204020204" pitchFamily="34" charset="-122"/>
+              </a:rPr>
+              <a:t>思路篇</a:t>
             </a:r>
-            <a:endParaRPr lang="en-US" altLang="zh-CN" dirty="0" smtClean="0"/>
+            <a:endParaRPr lang="en-US" altLang="zh-CN" dirty="0" smtClean="0">
+              <a:latin typeface="微软雅黑" panose="020B0503020204020204" pitchFamily="34" charset="-122"/>
+              <a:ea typeface="微软雅黑" panose="020B0503020204020204" pitchFamily="34" charset="-122"/>
+            </a:endParaRPr>
           </a:p>
           <a:p>
+            <a:pPr marL="590400">
+              <a:spcBef>
+                <a:spcPts val="1800"/>
+              </a:spcBef>
+            </a:pPr>
             <a:r>
-              <a:rPr lang="zh-CN" altLang="en-US" dirty="0" smtClean="0"/>
-              <a:t>架构</a:t>
+              <a:rPr lang="zh-CN" altLang="en-US" dirty="0" smtClean="0">
+                <a:latin typeface="微软雅黑" panose="020B0503020204020204" pitchFamily="34" charset="-122"/>
+                <a:ea typeface="微软雅黑" panose="020B0503020204020204" pitchFamily="34" charset="-122"/>
+              </a:rPr>
+              <a:t>架构篇</a:t>
             </a:r>
-            <a:endParaRPr lang="en-US" altLang="zh-CN" dirty="0" smtClean="0"/>
+            <a:endParaRPr lang="en-US" altLang="zh-CN" dirty="0" smtClean="0">
+              <a:latin typeface="微软雅黑" panose="020B0503020204020204" pitchFamily="34" charset="-122"/>
+              <a:ea typeface="微软雅黑" panose="020B0503020204020204" pitchFamily="34" charset="-122"/>
+            </a:endParaRPr>
           </a:p>
           <a:p>
+            <a:pPr marL="590400">
+              <a:spcBef>
+                <a:spcPts val="1800"/>
+              </a:spcBef>
+            </a:pPr>
             <a:r>
-              <a:rPr lang="zh-CN" altLang="en-US" dirty="0" smtClean="0"/>
-              <a:t>原理</a:t>
+              <a:rPr lang="zh-CN" altLang="en-US" dirty="0" smtClean="0">
+                <a:latin typeface="微软雅黑" panose="020B0503020204020204" pitchFamily="34" charset="-122"/>
+                <a:ea typeface="微软雅黑" panose="020B0503020204020204" pitchFamily="34" charset="-122"/>
+              </a:rPr>
+              <a:t>原理篇</a:t>
             </a:r>
-            <a:endParaRPr lang="en-US" altLang="zh-CN" dirty="0" smtClean="0"/>
-          </a:p>
-          <a:p>
-            <a:r>
-              <a:rPr lang="zh-CN" altLang="en-US" dirty="0"/>
-              <a:t>待</a:t>
-            </a:r>
-            <a:r>
-              <a:rPr lang="zh-CN" altLang="en-US" dirty="0" smtClean="0"/>
-              <a:t>优化点</a:t>
-            </a:r>
-            <a:endParaRPr lang="en-US" altLang="zh-CN" dirty="0" smtClean="0"/>
-          </a:p>
-          <a:p>
-            <a:endParaRPr lang="zh-CN" altLang="en-US" dirty="0"/>
+            <a:endParaRPr lang="en-US" altLang="zh-CN" dirty="0" smtClean="0">
+              <a:latin typeface="微软雅黑" panose="020B0503020204020204" pitchFamily="34" charset="-122"/>
+              <a:ea typeface="微软雅黑" panose="020B0503020204020204" pitchFamily="34" charset="-122"/>
+            </a:endParaRPr>
           </a:p>
         </p:txBody>
       </p:sp>
@@ -13050,6 +11314,13 @@
   <p:clrMapOvr>
     <a:masterClrMapping/>
   </p:clrMapOvr>
+  <p:timing>
+    <p:tnLst>
+      <p:par>
+        <p:cTn id="1" dur="indefinite" restart="never" nodeType="tmRoot"/>
+      </p:par>
+    </p:tnLst>
+  </p:timing>
 </p:sld>
 </file>
 
@@ -13077,10 +11348,18 @@
             <a:spLocks noGrp="1"/>
           </p:cNvSpPr>
           <p:nvPr>
-            <p:ph type="title"/>
+            <p:ph type="title" idx="4294967295"/>
           </p:nvPr>
         </p:nvSpPr>
-        <p:spPr/>
+        <p:spPr>
+          <a:xfrm>
+            <a:off x="628650" y="365126"/>
+            <a:ext cx="7886700" cy="1325563"/>
+          </a:xfrm>
+          <a:prstGeom prst="rect">
+            <a:avLst/>
+          </a:prstGeom>
+        </p:spPr>
         <p:txBody>
           <a:bodyPr/>
           <a:lstStyle/>
@@ -13095,51 +11374,85 @@
       </p:sp>
       <p:sp>
         <p:nvSpPr>
-          <p:cNvPr id="3" name="内容占位符 2"/>
+          <p:cNvPr id="5" name="内容占位符 4"/>
           <p:cNvSpPr>
             <a:spLocks noGrp="1"/>
           </p:cNvSpPr>
           <p:nvPr>
-            <p:ph idx="1"/>
+            <p:ph idx="4294967295"/>
           </p:nvPr>
         </p:nvSpPr>
-        <p:spPr/>
+        <p:spPr>
+          <a:xfrm>
+            <a:off x="628650" y="1825625"/>
+            <a:ext cx="7886700" cy="4351338"/>
+          </a:xfrm>
+          <a:prstGeom prst="rect">
+            <a:avLst/>
+          </a:prstGeom>
+        </p:spPr>
         <p:txBody>
           <a:bodyPr/>
           <a:lstStyle/>
           <a:p>
             <a:r>
               <a:rPr lang="zh-CN" altLang="en-US" dirty="0" smtClean="0"/>
-              <a:t>自动化测试流程？</a:t>
+              <a:t>流程：</a:t>
             </a:r>
             <a:endParaRPr lang="en-US" altLang="zh-CN" dirty="0" smtClean="0"/>
           </a:p>
           <a:p>
             <a:r>
               <a:rPr lang="zh-CN" altLang="en-US" dirty="0" smtClean="0"/>
-              <a:t>痛点？</a:t>
+              <a:t>编写自动化脚本，模拟用户行为</a:t>
             </a:r>
             <a:endParaRPr lang="en-US" altLang="zh-CN" dirty="0" smtClean="0"/>
           </a:p>
           <a:p>
             <a:r>
               <a:rPr lang="zh-CN" altLang="en-US" dirty="0" smtClean="0"/>
-              <a:t>是否可能更加自动化？</a:t>
+              <a:t>等待浏览器响应，读取</a:t>
             </a:r>
-            <a:endParaRPr lang="zh-CN" altLang="en-US" dirty="0"/>
+            <a:r>
+              <a:rPr lang="en-US" altLang="zh-CN" dirty="0" smtClean="0"/>
+              <a:t>DOM</a:t>
+            </a:r>
+            <a:r>
+              <a:rPr lang="zh-CN" altLang="en-US" dirty="0" smtClean="0"/>
+              <a:t>元素内容</a:t>
+            </a:r>
+            <a:endParaRPr lang="en-US" altLang="zh-CN" dirty="0" smtClean="0"/>
+          </a:p>
+          <a:p>
+            <a:r>
+              <a:rPr lang="zh-CN" altLang="en-US" dirty="0"/>
+              <a:t>比</a:t>
+            </a:r>
+            <a:r>
+              <a:rPr lang="zh-CN" altLang="en-US" dirty="0" smtClean="0"/>
+              <a:t>对元素内容是否是预期值</a:t>
+            </a:r>
+            <a:endParaRPr lang="en-US" altLang="zh-CN" dirty="0" smtClean="0"/>
           </a:p>
         </p:txBody>
       </p:sp>
     </p:spTree>
     <p:extLst>
       <p:ext uri="{BB962C8B-B14F-4D97-AF65-F5344CB8AC3E}">
-        <p14:creationId xmlns:p14="http://schemas.microsoft.com/office/powerpoint/2010/main" val="4273037734"/>
+        <p14:creationId xmlns:p14="http://schemas.microsoft.com/office/powerpoint/2010/main" val="935407323"/>
       </p:ext>
     </p:extLst>
   </p:cSld>
   <p:clrMapOvr>
     <a:masterClrMapping/>
   </p:clrMapOvr>
+  <p:timing>
+    <p:tnLst>
+      <p:par>
+        <p:cTn id="1" dur="indefinite" restart="never" nodeType="tmRoot"/>
+      </p:par>
+    </p:tnLst>
+  </p:timing>
 </p:sld>
 </file>
 
@@ -13167,10 +11480,18 @@
             <a:spLocks noGrp="1"/>
           </p:cNvSpPr>
           <p:nvPr>
-            <p:ph type="title"/>
+            <p:ph type="title" idx="4294967295"/>
           </p:nvPr>
         </p:nvSpPr>
-        <p:spPr/>
+        <p:spPr>
+          <a:xfrm>
+            <a:off x="628650" y="365126"/>
+            <a:ext cx="7886700" cy="1325563"/>
+          </a:xfrm>
+          <a:prstGeom prst="rect">
+            <a:avLst/>
+          </a:prstGeom>
+        </p:spPr>
         <p:txBody>
           <a:bodyPr/>
           <a:lstStyle/>
@@ -13185,37 +11506,100 @@
       </p:sp>
       <p:sp>
         <p:nvSpPr>
-          <p:cNvPr id="3" name="内容占位符 2"/>
+          <p:cNvPr id="5" name="内容占位符 4"/>
           <p:cNvSpPr>
             <a:spLocks noGrp="1"/>
           </p:cNvSpPr>
           <p:nvPr>
-            <p:ph idx="1"/>
+            <p:ph idx="4294967295"/>
           </p:nvPr>
         </p:nvSpPr>
-        <p:spPr/>
+        <p:spPr>
+          <a:xfrm>
+            <a:off x="628650" y="1825625"/>
+            <a:ext cx="7886700" cy="4351338"/>
+          </a:xfrm>
+          <a:prstGeom prst="rect">
+            <a:avLst/>
+          </a:prstGeom>
+        </p:spPr>
         <p:txBody>
           <a:bodyPr/>
           <a:lstStyle/>
           <a:p>
             <a:r>
               <a:rPr lang="zh-CN" altLang="en-US" dirty="0" smtClean="0"/>
-              <a:t>更高层的抽象</a:t>
+              <a:t>痛点：</a:t>
             </a:r>
-            <a:endParaRPr lang="zh-CN" altLang="en-US" dirty="0"/>
+            <a:endParaRPr lang="en-US" altLang="zh-CN" dirty="0" smtClean="0"/>
+          </a:p>
+          <a:p>
+            <a:r>
+              <a:rPr lang="zh-CN" altLang="en-US" dirty="0" smtClean="0"/>
+              <a:t>自动化脚本编写费时费力</a:t>
+            </a:r>
+            <a:endParaRPr lang="en-US" altLang="zh-CN" dirty="0" smtClean="0"/>
+          </a:p>
+          <a:p>
+            <a:r>
+              <a:rPr lang="zh-CN" altLang="en-US" dirty="0" smtClean="0"/>
+              <a:t>需要</a:t>
+            </a:r>
+            <a:r>
+              <a:rPr lang="en-US" altLang="zh-CN" dirty="0" smtClean="0"/>
+              <a:t>MOCK</a:t>
+            </a:r>
+            <a:r>
+              <a:rPr lang="zh-CN" altLang="en-US" dirty="0" smtClean="0"/>
+              <a:t>接口响应</a:t>
+            </a:r>
+            <a:endParaRPr lang="en-US" altLang="zh-CN" dirty="0" smtClean="0"/>
+          </a:p>
+          <a:p>
+            <a:r>
+              <a:rPr lang="zh-CN" altLang="en-US" dirty="0" smtClean="0"/>
+              <a:t>通过各种</a:t>
+            </a:r>
+            <a:r>
+              <a:rPr lang="en-US" altLang="zh-CN" dirty="0" smtClean="0"/>
+              <a:t>selector</a:t>
+            </a:r>
+            <a:r>
+              <a:rPr lang="zh-CN" altLang="en-US" dirty="0" smtClean="0"/>
+              <a:t>查找</a:t>
+            </a:r>
+            <a:r>
+              <a:rPr lang="en-US" altLang="zh-CN" dirty="0" smtClean="0"/>
+              <a:t>DOM</a:t>
+            </a:r>
+            <a:r>
+              <a:rPr lang="zh-CN" altLang="en-US" dirty="0" smtClean="0"/>
+              <a:t>元素</a:t>
+            </a:r>
+            <a:endParaRPr lang="en-US" altLang="zh-CN" dirty="0" smtClean="0"/>
+          </a:p>
+          <a:p>
+            <a:endParaRPr lang="en-US" altLang="zh-CN" dirty="0" smtClean="0"/>
           </a:p>
         </p:txBody>
       </p:sp>
     </p:spTree>
     <p:extLst>
       <p:ext uri="{BB962C8B-B14F-4D97-AF65-F5344CB8AC3E}">
-        <p14:creationId xmlns:p14="http://schemas.microsoft.com/office/powerpoint/2010/main" val="2824666323"/>
+        <p14:creationId xmlns:p14="http://schemas.microsoft.com/office/powerpoint/2010/main" val="3437729870"/>
       </p:ext>
     </p:extLst>
   </p:cSld>
   <p:clrMapOvr>
     <a:masterClrMapping/>
   </p:clrMapOvr>
+  <p:timing>
+    <p:tnLst>
+      <p:par>
+        <p:cTn id="1" dur="indefinite" restart="never" nodeType="tmRoot"/>
+      </p:par>
+    </p:tnLst>
+  </p:timing>
 </p:sld>
 </file>
 
@@ -13243,10 +11627,18 @@
             <a:spLocks noGrp="1"/>
           </p:cNvSpPr>
           <p:nvPr>
-            <p:ph type="title"/>
+            <p:ph type="title" idx="4294967295"/>
           </p:nvPr>
         </p:nvSpPr>
-        <p:spPr/>
+        <p:spPr>
+          <a:xfrm>
+            <a:off x="628650" y="365126"/>
+            <a:ext cx="7886700" cy="1325563"/>
+          </a:xfrm>
+          <a:prstGeom prst="rect">
+            <a:avLst/>
+          </a:prstGeom>
+        </p:spPr>
         <p:txBody>
           <a:bodyPr/>
           <a:lstStyle/>
@@ -13259,35 +11651,52 @@
           </a:p>
         </p:txBody>
       </p:sp>
-      <p:graphicFrame>
-        <p:nvGraphicFramePr>
-          <p:cNvPr id="4" name="内容占位符 3"/>
-          <p:cNvGraphicFramePr>
-            <a:graphicFrameLocks noGrp="1"/>
-          </p:cNvGraphicFramePr>
+      <p:sp>
+        <p:nvSpPr>
+          <p:cNvPr id="3" name="内容占位符 2"/>
+          <p:cNvSpPr>
+            <a:spLocks noGrp="1"/>
+          </p:cNvSpPr>
           <p:nvPr>
-            <p:ph idx="1"/>
-            <p:extLst>
-              <p:ext uri="{D42A27DB-BD31-4B8C-83A1-F6EECF244321}">
-                <p14:modId xmlns:p14="http://schemas.microsoft.com/office/powerpoint/2010/main" val="2265124621"/>
-              </p:ext>
-            </p:extLst>
+            <p:ph idx="4294967295"/>
           </p:nvPr>
-        </p:nvGraphicFramePr>
-        <p:xfrm>
-          <a:off x="838200" y="1825625"/>
-          <a:ext cx="10515600" cy="4351338"/>
-        </p:xfrm>
-        <a:graphic>
-          <a:graphicData uri="http://schemas.openxmlformats.org/drawingml/2006/diagram">
-            <dgm:relIds xmlns:dgm="http://schemas.openxmlformats.org/drawingml/2006/diagram" xmlns:r="http://schemas.openxmlformats.org/officeDocument/2006/relationships" r:dm="rId2" r:lo="rId3" r:qs="rId4" r:cs="rId5"/>
-          </a:graphicData>
-        </a:graphic>
-      </p:graphicFrame>
+        </p:nvSpPr>
+        <p:spPr>
+          <a:xfrm>
+            <a:off x="628650" y="1825625"/>
+            <a:ext cx="7886700" cy="4351338"/>
+          </a:xfrm>
+          <a:prstGeom prst="rect">
+            <a:avLst/>
+          </a:prstGeom>
+        </p:spPr>
+        <p:txBody>
+          <a:bodyPr/>
+          <a:lstStyle/>
+          <a:p>
+            <a:r>
+              <a:rPr lang="zh-CN" altLang="en-US" dirty="0" smtClean="0"/>
+              <a:t>是否可能更加自动化？</a:t>
+            </a:r>
+            <a:endParaRPr lang="en-US" altLang="zh-CN" dirty="0" smtClean="0"/>
+          </a:p>
+          <a:p>
+            <a:r>
+              <a:rPr lang="zh-CN" altLang="en-US" dirty="0" smtClean="0"/>
+              <a:t>更</a:t>
+            </a:r>
+            <a:r>
+              <a:rPr lang="zh-CN" altLang="en-US" dirty="0" smtClean="0"/>
+              <a:t>高层的抽象</a:t>
+            </a:r>
+            <a:endParaRPr lang="zh-CN" altLang="en-US" dirty="0"/>
+          </a:p>
+        </p:txBody>
+      </p:sp>
     </p:spTree>
     <p:extLst>
       <p:ext uri="{BB962C8B-B14F-4D97-AF65-F5344CB8AC3E}">
-        <p14:creationId xmlns:p14="http://schemas.microsoft.com/office/powerpoint/2010/main" val="3655389064"/>
+        <p14:creationId xmlns:p14="http://schemas.microsoft.com/office/powerpoint/2010/main" val="2824666323"/>
       </p:ext>
     </p:extLst>
   </p:cSld>
@@ -13321,10 +11730,18 @@
             <a:spLocks noGrp="1"/>
           </p:cNvSpPr>
           <p:nvPr>
-            <p:ph type="title"/>
+            <p:ph type="title" idx="4294967295"/>
           </p:nvPr>
         </p:nvSpPr>
-        <p:spPr/>
+        <p:spPr>
+          <a:xfrm>
+            <a:off x="628650" y="365126"/>
+            <a:ext cx="7886700" cy="1325563"/>
+          </a:xfrm>
+          <a:prstGeom prst="rect">
+            <a:avLst/>
+          </a:prstGeom>
+        </p:spPr>
         <p:txBody>
           <a:bodyPr/>
           <a:lstStyle/>
@@ -13344,17 +11761,17 @@
             <a:graphicFrameLocks noGrp="1"/>
           </p:cNvGraphicFramePr>
           <p:nvPr>
-            <p:ph idx="1"/>
+            <p:ph idx="4294967295"/>
             <p:extLst>
               <p:ext uri="{D42A27DB-BD31-4B8C-83A1-F6EECF244321}">
-                <p14:modId xmlns:p14="http://schemas.microsoft.com/office/powerpoint/2010/main" val="1044723454"/>
+                <p14:modId xmlns:p14="http://schemas.microsoft.com/office/powerpoint/2010/main" val="3420847217"/>
               </p:ext>
             </p:extLst>
           </p:nvPr>
         </p:nvGraphicFramePr>
         <p:xfrm>
-          <a:off x="838200" y="1825625"/>
-          <a:ext cx="10515600" cy="4351338"/>
+          <a:off x="628650" y="2226469"/>
+          <a:ext cx="7886700" cy="3263504"/>
         </p:xfrm>
         <a:graphic>
           <a:graphicData uri="http://schemas.openxmlformats.org/drawingml/2006/diagram">
@@ -13365,13 +11782,20 @@
     </p:spTree>
     <p:extLst>
       <p:ext uri="{BB962C8B-B14F-4D97-AF65-F5344CB8AC3E}">
-        <p14:creationId xmlns:p14="http://schemas.microsoft.com/office/powerpoint/2010/main" val="272176206"/>
+        <p14:creationId xmlns:p14="http://schemas.microsoft.com/office/powerpoint/2010/main" val="3655389064"/>
       </p:ext>
     </p:extLst>
   </p:cSld>
   <p:clrMapOvr>
     <a:masterClrMapping/>
   </p:clrMapOvr>
+  <p:timing>
+    <p:tnLst>
+      <p:par>
+        <p:cTn id="1" dur="indefinite" restart="never" nodeType="tmRoot"/>
+      </p:par>
+    </p:tnLst>
+  </p:timing>
 </p:sld>
 </file>
 
@@ -13399,10 +11823,189 @@
             <a:spLocks noGrp="1"/>
           </p:cNvSpPr>
           <p:nvPr>
-            <p:ph type="title"/>
+            <p:ph type="title" idx="4294967295"/>
           </p:nvPr>
         </p:nvSpPr>
-        <p:spPr/>
+        <p:spPr>
+          <a:xfrm>
+            <a:off x="628650" y="365126"/>
+            <a:ext cx="7886700" cy="1325563"/>
+          </a:xfrm>
+          <a:prstGeom prst="rect">
+            <a:avLst/>
+          </a:prstGeom>
+        </p:spPr>
+        <p:txBody>
+          <a:bodyPr/>
+          <a:lstStyle/>
+          <a:p>
+            <a:r>
+              <a:rPr lang="zh-CN" altLang="en-US" dirty="0" smtClean="0"/>
+              <a:t>思路篇</a:t>
+            </a:r>
+            <a:endParaRPr lang="zh-CN" altLang="en-US" dirty="0"/>
+          </a:p>
+        </p:txBody>
+      </p:sp>
+      <p:graphicFrame>
+        <p:nvGraphicFramePr>
+          <p:cNvPr id="4" name="内容占位符 3"/>
+          <p:cNvGraphicFramePr>
+            <a:graphicFrameLocks noGrp="1"/>
+          </p:cNvGraphicFramePr>
+          <p:nvPr>
+            <p:ph idx="4294967295"/>
+            <p:extLst>
+              <p:ext uri="{D42A27DB-BD31-4B8C-83A1-F6EECF244321}">
+                <p14:modId xmlns:p14="http://schemas.microsoft.com/office/powerpoint/2010/main" val="2180886430"/>
+              </p:ext>
+            </p:extLst>
+          </p:nvPr>
+        </p:nvGraphicFramePr>
+        <p:xfrm>
+          <a:off x="628650" y="2226469"/>
+          <a:ext cx="7886700" cy="3263504"/>
+        </p:xfrm>
+        <a:graphic>
+          <a:graphicData uri="http://schemas.openxmlformats.org/drawingml/2006/diagram">
+            <dgm:relIds xmlns:dgm="http://schemas.openxmlformats.org/drawingml/2006/diagram" xmlns:r="http://schemas.openxmlformats.org/officeDocument/2006/relationships" r:dm="rId2" r:lo="rId3" r:qs="rId4" r:cs="rId5"/>
+          </a:graphicData>
+        </a:graphic>
+      </p:graphicFrame>
+    </p:spTree>
+    <p:extLst>
+      <p:ext uri="{BB962C8B-B14F-4D97-AF65-F5344CB8AC3E}">
+        <p14:creationId xmlns:p14="http://schemas.microsoft.com/office/powerpoint/2010/main" val="272176206"/>
+      </p:ext>
+    </p:extLst>
+  </p:cSld>
+  <p:clrMapOvr>
+    <a:masterClrMapping/>
+  </p:clrMapOvr>
+</p:sld>
+</file>
+
+<file path=ppt/slides/slide8.xml><?xml version="1.0" encoding="utf-8"?>
+<p:sld xmlns:a="http://schemas.openxmlformats.org/drawingml/2006/main" xmlns:r="http://schemas.openxmlformats.org/officeDocument/2006/relationships" xmlns:p="http://schemas.openxmlformats.org/presentationml/2006/main">
+  <p:cSld>
+    <p:spTree>
+      <p:nvGrpSpPr>
+        <p:cNvPr id="1" name=""/>
+        <p:cNvGrpSpPr/>
+        <p:nvPr/>
+      </p:nvGrpSpPr>
+      <p:grpSpPr>
+        <a:xfrm>
+          <a:off x="0" y="0"/>
+          <a:ext cx="0" cy="0"/>
+          <a:chOff x="0" y="0"/>
+          <a:chExt cx="0" cy="0"/>
+        </a:xfrm>
+      </p:grpSpPr>
+      <p:sp>
+        <p:nvSpPr>
+          <p:cNvPr id="2" name="标题 1"/>
+          <p:cNvSpPr>
+            <a:spLocks noGrp="1"/>
+          </p:cNvSpPr>
+          <p:nvPr>
+            <p:ph type="title" idx="4294967295"/>
+          </p:nvPr>
+        </p:nvSpPr>
+        <p:spPr>
+          <a:xfrm>
+            <a:off x="628650" y="365126"/>
+            <a:ext cx="7886700" cy="1325563"/>
+          </a:xfrm>
+          <a:prstGeom prst="rect">
+            <a:avLst/>
+          </a:prstGeom>
+        </p:spPr>
+        <p:txBody>
+          <a:bodyPr/>
+          <a:lstStyle/>
+          <a:p>
+            <a:r>
+              <a:rPr lang="zh-CN" altLang="en-US" dirty="0" smtClean="0"/>
+              <a:t>架构篇</a:t>
+            </a:r>
+            <a:endParaRPr lang="zh-CN" altLang="en-US" dirty="0"/>
+          </a:p>
+        </p:txBody>
+      </p:sp>
+      <p:graphicFrame>
+        <p:nvGraphicFramePr>
+          <p:cNvPr id="4" name="内容占位符 3"/>
+          <p:cNvGraphicFramePr>
+            <a:graphicFrameLocks/>
+          </p:cNvGraphicFramePr>
+          <p:nvPr>
+            <p:extLst>
+              <p:ext uri="{D42A27DB-BD31-4B8C-83A1-F6EECF244321}">
+                <p14:modId xmlns:p14="http://schemas.microsoft.com/office/powerpoint/2010/main" val="3140150004"/>
+              </p:ext>
+            </p:extLst>
+          </p:nvPr>
+        </p:nvGraphicFramePr>
+        <p:xfrm>
+          <a:off x="742950" y="2340769"/>
+          <a:ext cx="7886700" cy="3263504"/>
+        </p:xfrm>
+        <a:graphic>
+          <a:graphicData uri="http://schemas.openxmlformats.org/drawingml/2006/diagram">
+            <dgm:relIds xmlns:dgm="http://schemas.openxmlformats.org/drawingml/2006/diagram" xmlns:r="http://schemas.openxmlformats.org/officeDocument/2006/relationships" r:dm="rId2" r:lo="rId3" r:qs="rId4" r:cs="rId5"/>
+          </a:graphicData>
+        </a:graphic>
+      </p:graphicFrame>
+    </p:spTree>
+    <p:extLst>
+      <p:ext uri="{BB962C8B-B14F-4D97-AF65-F5344CB8AC3E}">
+        <p14:creationId xmlns:p14="http://schemas.microsoft.com/office/powerpoint/2010/main" val="1842285135"/>
+      </p:ext>
+    </p:extLst>
+  </p:cSld>
+  <p:clrMapOvr>
+    <a:masterClrMapping/>
+  </p:clrMapOvr>
+</p:sld>
+</file>
+
+<file path=ppt/slides/slide9.xml><?xml version="1.0" encoding="utf-8"?>
+<p:sld xmlns:a="http://schemas.openxmlformats.org/drawingml/2006/main" xmlns:r="http://schemas.openxmlformats.org/officeDocument/2006/relationships" xmlns:p="http://schemas.openxmlformats.org/presentationml/2006/main">
+  <p:cSld>
+    <p:spTree>
+      <p:nvGrpSpPr>
+        <p:cNvPr id="1" name=""/>
+        <p:cNvGrpSpPr/>
+        <p:nvPr/>
+      </p:nvGrpSpPr>
+      <p:grpSpPr>
+        <a:xfrm>
+          <a:off x="0" y="0"/>
+          <a:ext cx="0" cy="0"/>
+          <a:chOff x="0" y="0"/>
+          <a:chExt cx="0" cy="0"/>
+        </a:xfrm>
+      </p:grpSpPr>
+      <p:sp>
+        <p:nvSpPr>
+          <p:cNvPr id="2" name="标题 1"/>
+          <p:cNvSpPr>
+            <a:spLocks noGrp="1"/>
+          </p:cNvSpPr>
+          <p:nvPr>
+            <p:ph type="title" idx="4294967295"/>
+          </p:nvPr>
+        </p:nvSpPr>
+        <p:spPr>
+          <a:xfrm>
+            <a:off x="628650" y="365126"/>
+            <a:ext cx="7886700" cy="1325563"/>
+          </a:xfrm>
+          <a:prstGeom prst="rect">
+            <a:avLst/>
+          </a:prstGeom>
+        </p:spPr>
         <p:txBody>
           <a:bodyPr/>
           <a:lstStyle/>
@@ -13422,10 +12025,18 @@
             <a:spLocks noGrp="1"/>
           </p:cNvSpPr>
           <p:nvPr>
-            <p:ph idx="1"/>
+            <p:ph idx="4294967295"/>
           </p:nvPr>
         </p:nvSpPr>
-        <p:spPr/>
+        <p:spPr>
+          <a:xfrm>
+            <a:off x="628650" y="1825625"/>
+            <a:ext cx="7886700" cy="4351338"/>
+          </a:xfrm>
+          <a:prstGeom prst="rect">
+            <a:avLst/>
+          </a:prstGeom>
+        </p:spPr>
         <p:txBody>
           <a:bodyPr/>
           <a:lstStyle/>
@@ -13444,7 +12055,7 @@
             </a:r>
             <a:r>
               <a:rPr lang="zh-CN" altLang="en-US" dirty="0" smtClean="0"/>
-              <a:t>渲染</a:t>
+              <a:t>改变</a:t>
             </a:r>
             <a:endParaRPr lang="en-US" altLang="zh-CN" dirty="0" smtClean="0"/>
           </a:p>
@@ -13498,278 +12109,10 @@
 </p:sld>
 </file>
 
-<file path=ppt/slides/slide8.xml><?xml version="1.0" encoding="utf-8"?>
-<p:sld xmlns:a="http://schemas.openxmlformats.org/drawingml/2006/main" xmlns:r="http://schemas.openxmlformats.org/officeDocument/2006/relationships" xmlns:p="http://schemas.openxmlformats.org/presentationml/2006/main">
-  <p:cSld>
-    <p:spTree>
-      <p:nvGrpSpPr>
-        <p:cNvPr id="1" name=""/>
-        <p:cNvGrpSpPr/>
-        <p:nvPr/>
-      </p:nvGrpSpPr>
-      <p:grpSpPr>
-        <a:xfrm>
-          <a:off x="0" y="0"/>
-          <a:ext cx="0" cy="0"/>
-          <a:chOff x="0" y="0"/>
-          <a:chExt cx="0" cy="0"/>
-        </a:xfrm>
-      </p:grpSpPr>
-      <p:sp>
-        <p:nvSpPr>
-          <p:cNvPr id="2" name="标题 1"/>
-          <p:cNvSpPr>
-            <a:spLocks noGrp="1"/>
-          </p:cNvSpPr>
-          <p:nvPr>
-            <p:ph type="title"/>
-          </p:nvPr>
-        </p:nvSpPr>
-        <p:spPr/>
-        <p:txBody>
-          <a:bodyPr/>
-          <a:lstStyle/>
-          <a:p>
-            <a:r>
-              <a:rPr lang="zh-CN" altLang="en-US" dirty="0" smtClean="0"/>
-              <a:t>架构篇</a:t>
-            </a:r>
-            <a:endParaRPr lang="zh-CN" altLang="en-US" dirty="0"/>
-          </a:p>
-        </p:txBody>
-      </p:sp>
-      <p:graphicFrame>
-        <p:nvGraphicFramePr>
-          <p:cNvPr id="4" name="内容占位符 3"/>
-          <p:cNvGraphicFramePr>
-            <a:graphicFrameLocks/>
-          </p:cNvGraphicFramePr>
-          <p:nvPr>
-            <p:extLst>
-              <p:ext uri="{D42A27DB-BD31-4B8C-83A1-F6EECF244321}">
-                <p14:modId xmlns:p14="http://schemas.microsoft.com/office/powerpoint/2010/main" val="3140150004"/>
-              </p:ext>
-            </p:extLst>
-          </p:nvPr>
-        </p:nvGraphicFramePr>
-        <p:xfrm>
-          <a:off x="990600" y="1978025"/>
-          <a:ext cx="10515600" cy="4351338"/>
-        </p:xfrm>
-        <a:graphic>
-          <a:graphicData uri="http://schemas.openxmlformats.org/drawingml/2006/diagram">
-            <dgm:relIds xmlns:dgm="http://schemas.openxmlformats.org/drawingml/2006/diagram" xmlns:r="http://schemas.openxmlformats.org/officeDocument/2006/relationships" r:dm="rId2" r:lo="rId3" r:qs="rId4" r:cs="rId5"/>
-          </a:graphicData>
-        </a:graphic>
-      </p:graphicFrame>
-    </p:spTree>
-    <p:extLst>
-      <p:ext uri="{BB962C8B-B14F-4D97-AF65-F5344CB8AC3E}">
-        <p14:creationId xmlns:p14="http://schemas.microsoft.com/office/powerpoint/2010/main" val="1842285135"/>
-      </p:ext>
-    </p:extLst>
-  </p:cSld>
-  <p:clrMapOvr>
-    <a:masterClrMapping/>
-  </p:clrMapOvr>
-</p:sld>
-</file>
-
-<file path=ppt/slides/slide9.xml><?xml version="1.0" encoding="utf-8"?>
-<p:sld xmlns:a="http://schemas.openxmlformats.org/drawingml/2006/main" xmlns:r="http://schemas.openxmlformats.org/officeDocument/2006/relationships" xmlns:p="http://schemas.openxmlformats.org/presentationml/2006/main">
-  <p:cSld>
-    <p:spTree>
-      <p:nvGrpSpPr>
-        <p:cNvPr id="1" name=""/>
-        <p:cNvGrpSpPr/>
-        <p:nvPr/>
-      </p:nvGrpSpPr>
-      <p:grpSpPr>
-        <a:xfrm>
-          <a:off x="0" y="0"/>
-          <a:ext cx="0" cy="0"/>
-          <a:chOff x="0" y="0"/>
-          <a:chExt cx="0" cy="0"/>
-        </a:xfrm>
-      </p:grpSpPr>
-      <p:sp>
-        <p:nvSpPr>
-          <p:cNvPr id="2" name="标题 1"/>
-          <p:cNvSpPr>
-            <a:spLocks noGrp="1"/>
-          </p:cNvSpPr>
-          <p:nvPr>
-            <p:ph type="title"/>
-          </p:nvPr>
-        </p:nvSpPr>
-        <p:spPr/>
-        <p:txBody>
-          <a:bodyPr/>
-          <a:lstStyle/>
-          <a:p>
-            <a:r>
-              <a:rPr lang="zh-CN" altLang="en-US" dirty="0" smtClean="0"/>
-              <a:t>原理篇</a:t>
-            </a:r>
-            <a:r>
-              <a:rPr lang="en-US" altLang="zh-CN" dirty="0"/>
-              <a:t> </a:t>
-            </a:r>
-            <a:r>
-              <a:rPr lang="en-US" altLang="zh-CN" dirty="0" smtClean="0"/>
-              <a:t> </a:t>
-            </a:r>
-            <a:r>
-              <a:rPr lang="en-US" altLang="zh-CN" dirty="0" err="1" smtClean="0"/>
-              <a:t>ats_client</a:t>
-            </a:r>
-            <a:endParaRPr lang="zh-CN" altLang="en-US" dirty="0"/>
-          </a:p>
-        </p:txBody>
-      </p:sp>
-      <p:sp>
-        <p:nvSpPr>
-          <p:cNvPr id="3" name="内容占位符 2"/>
-          <p:cNvSpPr>
-            <a:spLocks noGrp="1"/>
-          </p:cNvSpPr>
-          <p:nvPr>
-            <p:ph idx="1"/>
-          </p:nvPr>
-        </p:nvSpPr>
-        <p:spPr/>
-        <p:txBody>
-          <a:bodyPr/>
-          <a:lstStyle/>
-          <a:p>
-            <a:pPr lvl="1"/>
-            <a:r>
-              <a:rPr lang="en-US" altLang="zh-CN" dirty="0" smtClean="0"/>
-              <a:t>chrome</a:t>
-            </a:r>
-            <a:r>
-              <a:rPr lang="zh-CN" altLang="en-US" dirty="0" smtClean="0"/>
-              <a:t>扩展程序</a:t>
-            </a:r>
-            <a:endParaRPr lang="en-US" altLang="zh-CN" dirty="0" smtClean="0"/>
-          </a:p>
-          <a:p>
-            <a:pPr lvl="1"/>
-            <a:r>
-              <a:rPr lang="zh-CN" altLang="en-US" dirty="0" smtClean="0"/>
-              <a:t>注入</a:t>
-            </a:r>
-            <a:r>
-              <a:rPr lang="en-US" altLang="zh-CN" dirty="0" err="1" smtClean="0"/>
-              <a:t>javascript</a:t>
-            </a:r>
-            <a:r>
-              <a:rPr lang="zh-CN" altLang="en-US" dirty="0" smtClean="0"/>
-              <a:t>监听</a:t>
-            </a:r>
-            <a:endParaRPr lang="en-US" altLang="zh-CN" dirty="0" smtClean="0"/>
-          </a:p>
-          <a:p>
-            <a:pPr lvl="2"/>
-            <a:r>
-              <a:rPr lang="zh-CN" altLang="en-US" dirty="0" smtClean="0"/>
-              <a:t>用户行为：</a:t>
-            </a:r>
-            <a:r>
-              <a:rPr lang="en-US" altLang="zh-CN" dirty="0"/>
-              <a:t> </a:t>
-            </a:r>
-            <a:r>
-              <a:rPr lang="en-US" altLang="zh-CN" dirty="0" smtClean="0"/>
-              <a:t>change, focus, blur, </a:t>
-            </a:r>
-            <a:r>
-              <a:rPr lang="en-US" altLang="zh-CN" dirty="0" err="1" smtClean="0"/>
-              <a:t>keydown</a:t>
-            </a:r>
-            <a:r>
-              <a:rPr lang="en-US" altLang="zh-CN" dirty="0" smtClean="0"/>
-              <a:t>, </a:t>
-            </a:r>
-            <a:r>
-              <a:rPr lang="en-US" altLang="zh-CN" dirty="0" err="1" smtClean="0"/>
-              <a:t>keyup</a:t>
-            </a:r>
-            <a:r>
-              <a:rPr lang="en-US" altLang="zh-CN" dirty="0" smtClean="0"/>
-              <a:t>, </a:t>
-            </a:r>
-            <a:r>
-              <a:rPr lang="en-US" altLang="zh-CN" dirty="0" err="1" smtClean="0"/>
-              <a:t>mousedown</a:t>
-            </a:r>
-            <a:r>
-              <a:rPr lang="en-US" altLang="zh-CN" dirty="0" smtClean="0"/>
-              <a:t>, </a:t>
-            </a:r>
-            <a:r>
-              <a:rPr lang="en-US" altLang="zh-CN" dirty="0" err="1" smtClean="0"/>
-              <a:t>mouseup</a:t>
-            </a:r>
-            <a:r>
-              <a:rPr lang="en-US" altLang="zh-CN" dirty="0" smtClean="0"/>
-              <a:t>, </a:t>
-            </a:r>
-            <a:r>
-              <a:rPr lang="en-US" altLang="zh-CN" dirty="0" err="1" smtClean="0"/>
-              <a:t>mouse_over</a:t>
-            </a:r>
-            <a:r>
-              <a:rPr lang="en-US" altLang="zh-CN" dirty="0" smtClean="0"/>
-              <a:t>, scroll</a:t>
-            </a:r>
-          </a:p>
-          <a:p>
-            <a:pPr lvl="2"/>
-            <a:r>
-              <a:rPr lang="zh-CN" altLang="en-US" dirty="0" smtClean="0"/>
-              <a:t>浏览器行为：</a:t>
-            </a:r>
-            <a:r>
-              <a:rPr lang="en-US" altLang="zh-CN" dirty="0" smtClean="0"/>
-              <a:t>network, navigate, mutation, resize</a:t>
-            </a:r>
-          </a:p>
-          <a:p>
-            <a:pPr lvl="1"/>
-            <a:r>
-              <a:rPr lang="zh-CN" altLang="en-US" dirty="0" smtClean="0"/>
-              <a:t>输出：包含上述所有信息的一个</a:t>
-            </a:r>
-            <a:r>
-              <a:rPr lang="en-US" altLang="zh-CN" dirty="0" err="1" smtClean="0"/>
-              <a:t>ats_data.json</a:t>
-            </a:r>
-            <a:r>
-              <a:rPr lang="zh-CN" altLang="en-US" dirty="0" smtClean="0"/>
-              <a:t>文件</a:t>
-            </a:r>
-            <a:endParaRPr lang="zh-CN" altLang="en-US" dirty="0"/>
-          </a:p>
-        </p:txBody>
-      </p:sp>
-    </p:spTree>
-    <p:extLst>
-      <p:ext uri="{BB962C8B-B14F-4D97-AF65-F5344CB8AC3E}">
-        <p14:creationId xmlns:p14="http://schemas.microsoft.com/office/powerpoint/2010/main" val="3740345464"/>
-      </p:ext>
-    </p:extLst>
-  </p:cSld>
-  <p:clrMapOvr>
-    <a:masterClrMapping/>
-  </p:clrMapOvr>
-</p:sld>
-</file>
-
 <file path=ppt/theme/theme1.xml><?xml version="1.0" encoding="utf-8"?>
 <a:theme xmlns:a="http://schemas.openxmlformats.org/drawingml/2006/main" name="Office 主题">
   <a:themeElements>
-    <a:clrScheme name="Office">
+    <a:clrScheme name="Office 主题">
       <a:dk1>
         <a:sysClr val="windowText" lastClr="000000"/>
       </a:dk1>
@@ -13807,7 +12150,7 @@
         <a:srgbClr val="954F72"/>
       </a:folHlink>
     </a:clrScheme>
-    <a:fontScheme name="Office">
+    <a:fontScheme name="Office 主题">
       <a:majorFont>
         <a:latin typeface="Calibri Light" panose="020F0302020204030204"/>
         <a:ea typeface=""/>
@@ -13879,7 +12222,7 @@
         <a:font script="Geor" typeface="Sylfaen"/>
       </a:minorFont>
     </a:fontScheme>
-    <a:fmtScheme name="Office">
+    <a:fmtScheme name="Office 主题">
       <a:fillStyleLst>
         <a:solidFill>
           <a:schemeClr val="phClr"/>
